--- a/Power point presentation/Box_Office_Trend_Analysis.pptx
+++ b/Power point presentation/Box_Office_Trend_Analysis.pptx
@@ -135,7 +135,7 @@
 <file path=ppt/revisionInfo.xml><?xml version="1.0" encoding="utf-8"?>
 <p1510:revInfo xmlns:a="http://schemas.openxmlformats.org/drawingml/2006/main" xmlns:r="http://schemas.openxmlformats.org/officeDocument/2006/relationships" xmlns:p1510="http://schemas.microsoft.com/office/powerpoint/2015/10/main">
   <p1510:revLst>
-    <p1510:client id="{1B1FD478-E132-72B1-C041-265095A08381}" v="51" dt="2025-01-19T16:48:35.354"/>
+    <p1510:client id="{1B1FD478-E132-72B1-C041-265095A08381}" v="97" dt="2025-01-19T18:01:57.001"/>
     <p1510:client id="{369C0000-B67C-E4FA-5F95-9E8530BC51D3}" v="1661" dt="2025-01-19T15:35:10.078"/>
     <p1510:client id="{A6FBA7C1-4F51-D923-2699-2290B60AEDEF}" v="176" dt="2025-01-19T16:34:23.169"/>
     <p1510:client id="{F370823B-E1FE-0D79-AF81-FDE3EE1AF83C}" v="44" dt="2025-01-19T16:08:53.418"/>
@@ -11753,8 +11753,8 @@
         </p:nvSpPr>
         <p:spPr>
           <a:xfrm>
-            <a:off x="1404834" y="2473574"/>
-            <a:ext cx="9371161" cy="2554545"/>
+            <a:off x="1160419" y="2564246"/>
+            <a:ext cx="9371161" cy="2677656"/>
           </a:xfrm>
           <a:prstGeom prst="rect">
             <a:avLst/>
@@ -11775,7 +11775,7 @@
               <a:buChar char="•"/>
             </a:pPr>
             <a:r>
-              <a:rPr lang="en-US" sz="3200" dirty="0">
+              <a:rPr lang="en-US" sz="2800" dirty="0">
                 <a:solidFill>
                   <a:schemeClr val="accent5">
                     <a:lumMod val="76000"/>
@@ -11794,7 +11794,7 @@
               </a:rPr>
               <a:t>amani.mkaya@student.moringaschool.com</a:t>
             </a:r>
-            <a:endParaRPr lang="en-US" sz="3200">
+            <a:endParaRPr lang="en-US" sz="2800">
               <a:solidFill>
                 <a:schemeClr val="accent5">
                   <a:lumMod val="76000"/>
@@ -11811,7 +11811,7 @@
               <a:buChar char="•"/>
             </a:pPr>
             <a:r>
-              <a:rPr lang="en-US" sz="3200" dirty="0">
+              <a:rPr lang="en-US" sz="2800" dirty="0">
                 <a:solidFill>
                   <a:schemeClr val="accent5">
                     <a:lumMod val="76000"/>
@@ -11830,7 +11830,7 @@
               </a:rPr>
               <a:t>rodgers.ndemo@student.moringaschool.com</a:t>
             </a:r>
-            <a:endParaRPr lang="en-US" sz="3200">
+            <a:endParaRPr lang="en-US" sz="2800">
               <a:solidFill>
                 <a:schemeClr val="accent5">
                   <a:lumMod val="76000"/>
@@ -11847,7 +11847,7 @@
               <a:buChar char="•"/>
             </a:pPr>
             <a:r>
-              <a:rPr lang="en-US" sz="3200" dirty="0">
+              <a:rPr lang="en-US" sz="2800" dirty="0">
                 <a:solidFill>
                   <a:schemeClr val="accent5">
                     <a:lumMod val="76000"/>
@@ -11866,7 +11866,7 @@
               </a:rPr>
               <a:t>adnanahmedmohamund1@gmail.com</a:t>
             </a:r>
-            <a:endParaRPr lang="en-US" sz="3200">
+            <a:endParaRPr lang="en-US" sz="2800">
               <a:solidFill>
                 <a:schemeClr val="accent5">
                   <a:lumMod val="76000"/>
@@ -11883,7 +11883,7 @@
               <a:buChar char="•"/>
             </a:pPr>
             <a:r>
-              <a:rPr lang="en-US" sz="3200" dirty="0">
+              <a:rPr lang="en-US" sz="2800" dirty="0">
                 <a:solidFill>
                   <a:schemeClr val="accent5">
                     <a:lumMod val="76000"/>
@@ -11902,7 +11902,7 @@
               </a:rPr>
               <a:t>kiprono.bett@student.moringaschool.com</a:t>
             </a:r>
-            <a:endParaRPr lang="en-US" sz="3200">
+            <a:endParaRPr lang="en-US" sz="2800">
               <a:solidFill>
                 <a:schemeClr val="accent5">
                   <a:lumMod val="76000"/>
@@ -11919,7 +11919,7 @@
               <a:buChar char="•"/>
             </a:pPr>
             <a:r>
-              <a:rPr lang="en-US" sz="3200" dirty="0">
+              <a:rPr lang="en-US" sz="2800" dirty="0">
                 <a:solidFill>
                   <a:schemeClr val="accent5">
                     <a:lumMod val="76000"/>
@@ -11938,20 +11938,35 @@
               </a:rPr>
               <a:t>beverlyne.langat@student.moringaschool.com</a:t>
             </a:r>
-            <a:endParaRPr lang="en-US" sz="3200">
+            <a:endParaRPr lang="en-US" sz="2800">
               <a:solidFill>
                 <a:schemeClr val="accent5">
                   <a:lumMod val="76000"/>
                 </a:schemeClr>
               </a:solidFill>
-              <a:hlinkClick r:id="rId6">
-                <a:extLst>
-                  <a:ext uri="{A12FA001-AC4F-418D-AE19-62706E023703}">
-                    <ahyp:hlinkClr xmlns:ahyp="http://schemas.microsoft.com/office/drawing/2018/hyperlinkcolor" val="tx"/>
-                  </a:ext>
-                </a:extLst>
-              </a:hlinkClick>
+              <a:latin typeface="Calibri"/>
+              <a:ea typeface="Calibri"/>
+              <a:cs typeface="Calibri"/>
             </a:endParaRPr>
+          </a:p>
+          <a:p>
+            <a:pPr marL="285750" indent="-285750" algn="ctr">
+              <a:buFont typeface="Arial"/>
+              <a:buChar char="•"/>
+            </a:pPr>
+            <a:r>
+              <a:rPr lang="en-US" sz="2800" dirty="0">
+                <a:solidFill>
+                  <a:schemeClr val="accent5">
+                    <a:lumMod val="76000"/>
+                  </a:schemeClr>
+                </a:solidFill>
+                <a:latin typeface="Calibri"/>
+                <a:ea typeface="Calibri"/>
+                <a:cs typeface="Calibri"/>
+              </a:rPr>
+              <a:t>betsy.gitije@student.moringaschool.com</a:t>
+            </a:r>
           </a:p>
         </p:txBody>
       </p:sp>

--- a/Power point presentation/Box_Office_Trend_Analysis.pptx
+++ b/Power point presentation/Box_Office_Trend_Analysis.pptx
@@ -2,7 +2,7 @@
 <file path=ppt/presentation.xml><?xml version="1.0" encoding="utf-8"?>
 <p:presentation xmlns:a="http://schemas.openxmlformats.org/drawingml/2006/main" xmlns:r="http://schemas.openxmlformats.org/officeDocument/2006/relationships" xmlns:p="http://schemas.openxmlformats.org/presentationml/2006/main" saveSubsetFonts="1">
   <p:sldMasterIdLst>
-    <p:sldMasterId id="2147483672" r:id="rId1"/>
+    <p:sldMasterId id="2147483720" r:id="rId1"/>
   </p:sldMasterIdLst>
   <p:sldIdLst>
     <p:sldId id="256" r:id="rId2"/>
@@ -139,6 +139,7 @@
     <p1510:client id="{369C0000-B67C-E4FA-5F95-9E8530BC51D3}" v="1661" dt="2025-01-19T15:35:10.078"/>
     <p1510:client id="{A6FBA7C1-4F51-D923-2699-2290B60AEDEF}" v="176" dt="2025-01-19T16:34:23.169"/>
     <p1510:client id="{F370823B-E1FE-0D79-AF81-FDE3EE1AF83C}" v="44" dt="2025-01-19T16:08:53.418"/>
+    <p1510:client id="{F74A9329-2807-F6AF-649B-EA7139E5E995}" v="40" dt="2025-01-19T18:19:17.182"/>
   </p1510:revLst>
 </p1510:revInfo>
 </file>
@@ -2595,7 +2596,7 @@
           <p:cNvPr id="2" name="Title 1">
             <a:extLst>
               <a:ext uri="{FF2B5EF4-FFF2-40B4-BE49-F238E27FC236}">
-                <a16:creationId xmlns:a16="http://schemas.microsoft.com/office/drawing/2014/main" id="{0D395C89-2E28-4777-95B0-BA7EECAE3BA4}"/>
+                <a16:creationId xmlns:a16="http://schemas.microsoft.com/office/drawing/2014/main" id="{B345610A-17B4-4656-93CF-E1D9982860F7}"/>
               </a:ext>
             </a:extLst>
           </p:cNvPr>
@@ -2608,17 +2609,17 @@
         </p:nvSpPr>
         <p:spPr>
           <a:xfrm>
-            <a:off x="1709928" y="987552"/>
-            <a:ext cx="8385048" cy="3081528"/>
+            <a:off x="912629" y="1371600"/>
+            <a:ext cx="5935540" cy="2696866"/>
           </a:xfrm>
         </p:spPr>
         <p:txBody>
-          <a:bodyPr anchor="b">
+          <a:bodyPr anchor="t">
             <a:normAutofit/>
           </a:bodyPr>
           <a:lstStyle>
-            <a:lvl1pPr algn="ctr">
-              <a:defRPr sz="5400"/>
+            <a:lvl1pPr algn="l">
+              <a:defRPr sz="4000"/>
             </a:lvl1pPr>
           </a:lstStyle>
           <a:p>
@@ -2634,7 +2635,7 @@
           <p:cNvPr id="3" name="Subtitle 2">
             <a:extLst>
               <a:ext uri="{FF2B5EF4-FFF2-40B4-BE49-F238E27FC236}">
-                <a16:creationId xmlns:a16="http://schemas.microsoft.com/office/drawing/2014/main" id="{59052321-4D71-4DA8-BD2C-DC22FC1525CB}"/>
+                <a16:creationId xmlns:a16="http://schemas.microsoft.com/office/drawing/2014/main" id="{A451C80B-DFD6-415B-BA5B-E56E510CD12B}"/>
               </a:ext>
             </a:extLst>
           </p:cNvPr>
@@ -2647,50 +2648,53 @@
         </p:nvSpPr>
         <p:spPr>
           <a:xfrm>
-            <a:off x="2905506" y="4480561"/>
-            <a:ext cx="5993892" cy="1166495"/>
+            <a:off x="912629" y="4584879"/>
+            <a:ext cx="5935540" cy="1287887"/>
           </a:xfrm>
         </p:spPr>
         <p:txBody>
-          <a:bodyPr>
+          <a:bodyPr anchor="b">
             <a:normAutofit/>
           </a:bodyPr>
           <a:lstStyle>
-            <a:lvl1pPr marL="0" indent="0" algn="ctr">
-              <a:buNone/>
-              <a:defRPr sz="1400" cap="all" spc="600" baseline="0"/>
+            <a:lvl1pPr marL="0" indent="0" algn="l">
+              <a:lnSpc>
+                <a:spcPct val="130000"/>
+              </a:lnSpc>
+              <a:buNone/>
+              <a:defRPr sz="1800" b="1" cap="all" spc="300" baseline="0"/>
             </a:lvl1pPr>
             <a:lvl2pPr marL="457200" indent="0" algn="ctr">
               <a:buNone/>
-              <a:defRPr sz="1400"/>
+              <a:defRPr sz="1800"/>
             </a:lvl2pPr>
             <a:lvl3pPr marL="914400" indent="0" algn="ctr">
               <a:buNone/>
-              <a:defRPr sz="1400"/>
+              <a:defRPr sz="1800"/>
             </a:lvl3pPr>
             <a:lvl4pPr marL="1371600" indent="0" algn="ctr">
               <a:buNone/>
-              <a:defRPr sz="1400"/>
+              <a:defRPr sz="1600"/>
             </a:lvl4pPr>
             <a:lvl5pPr marL="1828800" indent="0" algn="ctr">
               <a:buNone/>
-              <a:defRPr sz="1400"/>
+              <a:defRPr sz="1600"/>
             </a:lvl5pPr>
             <a:lvl6pPr marL="2286000" indent="0" algn="ctr">
               <a:buNone/>
-              <a:defRPr sz="1400"/>
+              <a:defRPr sz="1600"/>
             </a:lvl6pPr>
             <a:lvl7pPr marL="2743200" indent="0" algn="ctr">
               <a:buNone/>
-              <a:defRPr sz="1400"/>
+              <a:defRPr sz="1600"/>
             </a:lvl7pPr>
             <a:lvl8pPr marL="3200400" indent="0" algn="ctr">
               <a:buNone/>
-              <a:defRPr sz="1400"/>
+              <a:defRPr sz="1600"/>
             </a:lvl8pPr>
             <a:lvl9pPr marL="3657600" indent="0" algn="ctr">
               <a:buNone/>
-              <a:defRPr sz="1400"/>
+              <a:defRPr sz="1600"/>
             </a:lvl9pPr>
           </a:lstStyle>
           <a:p>
@@ -2706,7 +2710,7 @@
           <p:cNvPr id="4" name="Date Placeholder 3">
             <a:extLst>
               <a:ext uri="{FF2B5EF4-FFF2-40B4-BE49-F238E27FC236}">
-                <a16:creationId xmlns:a16="http://schemas.microsoft.com/office/drawing/2014/main" id="{B1D37183-71EA-4A92-8609-41ECB53F447E}"/>
+                <a16:creationId xmlns:a16="http://schemas.microsoft.com/office/drawing/2014/main" id="{67A2065B-06FF-4991-9F8A-4BE25457B479}"/>
               </a:ext>
             </a:extLst>
           </p:cNvPr>
@@ -2722,7 +2726,7 @@
           <a:bodyPr/>
           <a:lstStyle/>
           <a:p>
-            <a:fld id="{A068949A-688B-4AED-AA8E-F203BA3310F5}" type="datetimeFigureOut">
+            <a:fld id="{8D5D83F1-BF6E-4A98-8153-BAC9ABDE7CE3}" type="datetimeFigureOut">
               <a:rPr lang="en-US" dirty="0"/>
               <a:t>1/19/2025</a:t>
             </a:fld>
@@ -2735,7 +2739,7 @@
           <p:cNvPr id="5" name="Footer Placeholder 4">
             <a:extLst>
               <a:ext uri="{FF2B5EF4-FFF2-40B4-BE49-F238E27FC236}">
-                <a16:creationId xmlns:a16="http://schemas.microsoft.com/office/drawing/2014/main" id="{CA09F2E6-1ECC-4081-8EBF-C80C6C94A105}"/>
+                <a16:creationId xmlns:a16="http://schemas.microsoft.com/office/drawing/2014/main" id="{B20DF2FA-C604-45D8-A633-11D3742EC141}"/>
               </a:ext>
             </a:extLst>
           </p:cNvPr>
@@ -2764,7 +2768,7 @@
           <p:cNvPr id="6" name="Slide Number Placeholder 5">
             <a:extLst>
               <a:ext uri="{FF2B5EF4-FFF2-40B4-BE49-F238E27FC236}">
-                <a16:creationId xmlns:a16="http://schemas.microsoft.com/office/drawing/2014/main" id="{31C3FA67-CD72-4503-BA25-FEC880107BC4}"/>
+                <a16:creationId xmlns:a16="http://schemas.microsoft.com/office/drawing/2014/main" id="{02EE5DA9-2D04-4850-AB9F-BD353816504A}"/>
               </a:ext>
             </a:extLst>
           </p:cNvPr>
@@ -2780,7 +2784,7 @@
           <a:bodyPr/>
           <a:lstStyle/>
           <a:p>
-            <a:fld id="{24578CCF-2EC4-44CB-A694-F6F6E59A3985}" type="slidenum">
+            <a:fld id="{70C12960-6E85-460F-B6E3-5B82CB31AF3D}" type="slidenum">
               <a:rPr lang="en-US" dirty="0"/>
               <a:t>‹#›</a:t>
             </a:fld>
@@ -2791,13 +2795,29 @@
     </p:spTree>
     <p:extLst>
       <p:ext uri="{BB962C8B-B14F-4D97-AF65-F5344CB8AC3E}">
-        <p14:creationId xmlns:p14="http://schemas.microsoft.com/office/powerpoint/2010/main" val="3142297708"/>
+        <p14:creationId xmlns:p14="http://schemas.microsoft.com/office/powerpoint/2010/main" val="873901802"/>
       </p:ext>
     </p:extLst>
   </p:cSld>
   <p:clrMapOvr>
     <a:masterClrMapping/>
   </p:clrMapOvr>
+  <p:extLst>
+    <p:ext uri="{DCECCB84-F9BA-43D5-87BE-67443E8EF086}">
+      <p15:sldGuideLst xmlns:p15="http://schemas.microsoft.com/office/powerpoint/2012/main">
+        <p15:guide id="1" orient="horz" pos="2160">
+          <p15:clr>
+            <a:srgbClr val="FBAE40"/>
+          </p15:clr>
+        </p15:guide>
+        <p15:guide id="2" pos="3840">
+          <p15:clr>
+            <a:srgbClr val="FBAE40"/>
+          </p15:clr>
+        </p15:guide>
+      </p15:sldGuideLst>
+    </p:ext>
+  </p:extLst>
 </p:sldLayout>
 </file>
 
@@ -2823,7 +2843,7 @@
           <p:cNvPr id="2" name="Title 1">
             <a:extLst>
               <a:ext uri="{FF2B5EF4-FFF2-40B4-BE49-F238E27FC236}">
-                <a16:creationId xmlns:a16="http://schemas.microsoft.com/office/drawing/2014/main" id="{0C683CBE-1EA9-4E8B-A281-C50B792E55F5}"/>
+                <a16:creationId xmlns:a16="http://schemas.microsoft.com/office/drawing/2014/main" id="{495E4BB7-3F30-4C31-9BB2-8EC24FC0A1D6}"/>
               </a:ext>
             </a:extLst>
           </p:cNvPr>
@@ -2851,7 +2871,7 @@
           <p:cNvPr id="3" name="Vertical Text Placeholder 2">
             <a:extLst>
               <a:ext uri="{FF2B5EF4-FFF2-40B4-BE49-F238E27FC236}">
-                <a16:creationId xmlns:a16="http://schemas.microsoft.com/office/drawing/2014/main" id="{8B2EB1A0-A59D-4CB9-BABB-C6BF1D2E9928}"/>
+                <a16:creationId xmlns:a16="http://schemas.microsoft.com/office/drawing/2014/main" id="{1ECF4134-70F5-4EE6-88BE-49D129630CDF}"/>
               </a:ext>
             </a:extLst>
           </p:cNvPr>
@@ -2908,7 +2928,7 @@
           <p:cNvPr id="4" name="Date Placeholder 3">
             <a:extLst>
               <a:ext uri="{FF2B5EF4-FFF2-40B4-BE49-F238E27FC236}">
-                <a16:creationId xmlns:a16="http://schemas.microsoft.com/office/drawing/2014/main" id="{B2E6265B-940D-433C-AD76-2D6A42449307}"/>
+                <a16:creationId xmlns:a16="http://schemas.microsoft.com/office/drawing/2014/main" id="{C19EABC7-C044-44DE-B303-55A0581DA1E8}"/>
               </a:ext>
             </a:extLst>
           </p:cNvPr>
@@ -2924,7 +2944,7 @@
           <a:bodyPr/>
           <a:lstStyle/>
           <a:p>
-            <a:fld id="{16F30231-6059-4AF0-B828-13FEB68C6E43}" type="datetimeFigureOut">
+            <a:fld id="{ED9BE5A2-57A1-4629-B29D-D386573AF9F3}" type="datetimeFigureOut">
               <a:rPr lang="en-US" dirty="0"/>
               <a:t>1/19/2025</a:t>
             </a:fld>
@@ -2937,7 +2957,7 @@
           <p:cNvPr id="5" name="Footer Placeholder 4">
             <a:extLst>
               <a:ext uri="{FF2B5EF4-FFF2-40B4-BE49-F238E27FC236}">
-                <a16:creationId xmlns:a16="http://schemas.microsoft.com/office/drawing/2014/main" id="{EDCAB98E-314F-45C4-9A64-AD3FAE0516DC}"/>
+                <a16:creationId xmlns:a16="http://schemas.microsoft.com/office/drawing/2014/main" id="{4D4A63E1-5BC5-402E-9916-BAB84BCF0BB2}"/>
               </a:ext>
             </a:extLst>
           </p:cNvPr>
@@ -2966,7 +2986,7 @@
           <p:cNvPr id="6" name="Slide Number Placeholder 5">
             <a:extLst>
               <a:ext uri="{FF2B5EF4-FFF2-40B4-BE49-F238E27FC236}">
-                <a16:creationId xmlns:a16="http://schemas.microsoft.com/office/drawing/2014/main" id="{58E49F32-B214-4A0C-8669-7FE4BA445965}"/>
+                <a16:creationId xmlns:a16="http://schemas.microsoft.com/office/drawing/2014/main" id="{0A2EF915-AF64-4ECC-8B1A-B7E6A89B7917}"/>
               </a:ext>
             </a:extLst>
           </p:cNvPr>
@@ -2982,7 +3002,7 @@
           <a:bodyPr/>
           <a:lstStyle/>
           <a:p>
-            <a:fld id="{24578CCF-2EC4-44CB-A694-F6F6E59A3985}" type="slidenum">
+            <a:fld id="{70C12960-6E85-460F-B6E3-5B82CB31AF3D}" type="slidenum">
               <a:rPr lang="en-US" dirty="0"/>
               <a:t>‹#›</a:t>
             </a:fld>
@@ -2993,7 +3013,7 @@
     </p:spTree>
     <p:extLst>
       <p:ext uri="{BB962C8B-B14F-4D97-AF65-F5344CB8AC3E}">
-        <p14:creationId xmlns:p14="http://schemas.microsoft.com/office/powerpoint/2010/main" val="2250945993"/>
+        <p14:creationId xmlns:p14="http://schemas.microsoft.com/office/powerpoint/2010/main" val="265093969"/>
       </p:ext>
     </p:extLst>
   </p:cSld>
@@ -3025,7 +3045,7 @@
           <p:cNvPr id="2" name="Vertical Title 1">
             <a:extLst>
               <a:ext uri="{FF2B5EF4-FFF2-40B4-BE49-F238E27FC236}">
-                <a16:creationId xmlns:a16="http://schemas.microsoft.com/office/drawing/2014/main" id="{18DE4A6D-DAA1-4551-A093-3C36C1C8CF36}"/>
+                <a16:creationId xmlns:a16="http://schemas.microsoft.com/office/drawing/2014/main" id="{6EB09414-2AA1-4D8E-A00A-C092FBC92D91}"/>
               </a:ext>
             </a:extLst>
           </p:cNvPr>
@@ -3038,8 +3058,8 @@
         </p:nvSpPr>
         <p:spPr>
           <a:xfrm>
-            <a:off x="8724900" y="365125"/>
-            <a:ext cx="2628900" cy="5811838"/>
+            <a:off x="9198077" y="1401097"/>
+            <a:ext cx="2155722" cy="4775865"/>
           </a:xfrm>
         </p:spPr>
         <p:txBody>
@@ -3058,7 +3078,7 @@
           <p:cNvPr id="3" name="Vertical Text Placeholder 2">
             <a:extLst>
               <a:ext uri="{FF2B5EF4-FFF2-40B4-BE49-F238E27FC236}">
-                <a16:creationId xmlns:a16="http://schemas.microsoft.com/office/drawing/2014/main" id="{3125FDA9-71CD-4B86-B291-BEBA43D8ED7F}"/>
+                <a16:creationId xmlns:a16="http://schemas.microsoft.com/office/drawing/2014/main" id="{D42C3A78-37C5-46D0-9DF4-CB78AF883C2C}"/>
               </a:ext>
             </a:extLst>
           </p:cNvPr>
@@ -3071,8 +3091,8 @@
         </p:nvSpPr>
         <p:spPr>
           <a:xfrm>
-            <a:off x="838200" y="365125"/>
-            <a:ext cx="7734300" cy="5811838"/>
+            <a:off x="838200" y="1401097"/>
+            <a:ext cx="8232058" cy="4775866"/>
           </a:xfrm>
         </p:spPr>
         <p:txBody>
@@ -3120,7 +3140,7 @@
           <p:cNvPr id="4" name="Date Placeholder 3">
             <a:extLst>
               <a:ext uri="{FF2B5EF4-FFF2-40B4-BE49-F238E27FC236}">
-                <a16:creationId xmlns:a16="http://schemas.microsoft.com/office/drawing/2014/main" id="{86D9F5B1-B635-4479-A426-B1D4066502DB}"/>
+                <a16:creationId xmlns:a16="http://schemas.microsoft.com/office/drawing/2014/main" id="{49D8705E-925D-4F57-8268-107CE3CF4C45}"/>
               </a:ext>
             </a:extLst>
           </p:cNvPr>
@@ -3136,7 +3156,7 @@
           <a:bodyPr/>
           <a:lstStyle/>
           <a:p>
-            <a:fld id="{5906E087-9EB9-42E7-B62A-9B8FE3556101}" type="datetimeFigureOut">
+            <a:fld id="{A3A72485-1B57-41B4-A998-97848CC136C2}" type="datetimeFigureOut">
               <a:rPr lang="en-US" dirty="0"/>
               <a:t>1/19/2025</a:t>
             </a:fld>
@@ -3149,7 +3169,7 @@
           <p:cNvPr id="5" name="Footer Placeholder 4">
             <a:extLst>
               <a:ext uri="{FF2B5EF4-FFF2-40B4-BE49-F238E27FC236}">
-                <a16:creationId xmlns:a16="http://schemas.microsoft.com/office/drawing/2014/main" id="{6B833098-8769-47C3-80B2-C2942F984D68}"/>
+                <a16:creationId xmlns:a16="http://schemas.microsoft.com/office/drawing/2014/main" id="{50FE207E-070D-4EC8-A44C-21F1815FDAAC}"/>
               </a:ext>
             </a:extLst>
           </p:cNvPr>
@@ -3178,7 +3198,7 @@
           <p:cNvPr id="6" name="Slide Number Placeholder 5">
             <a:extLst>
               <a:ext uri="{FF2B5EF4-FFF2-40B4-BE49-F238E27FC236}">
-                <a16:creationId xmlns:a16="http://schemas.microsoft.com/office/drawing/2014/main" id="{E5EA9297-65D4-45BE-BE6C-5531FC6A5E1E}"/>
+                <a16:creationId xmlns:a16="http://schemas.microsoft.com/office/drawing/2014/main" id="{715D01D1-C266-4161-A820-C084B980131C}"/>
               </a:ext>
             </a:extLst>
           </p:cNvPr>
@@ -3194,7 +3214,7 @@
           <a:bodyPr/>
           <a:lstStyle/>
           <a:p>
-            <a:fld id="{24578CCF-2EC4-44CB-A694-F6F6E59A3985}" type="slidenum">
+            <a:fld id="{70C12960-6E85-460F-B6E3-5B82CB31AF3D}" type="slidenum">
               <a:rPr lang="en-US" dirty="0"/>
               <a:t>‹#›</a:t>
             </a:fld>
@@ -3205,7 +3225,7 @@
     </p:spTree>
     <p:extLst>
       <p:ext uri="{BB962C8B-B14F-4D97-AF65-F5344CB8AC3E}">
-        <p14:creationId xmlns:p14="http://schemas.microsoft.com/office/powerpoint/2010/main" val="178492007"/>
+        <p14:creationId xmlns:p14="http://schemas.microsoft.com/office/powerpoint/2010/main" val="2218170835"/>
       </p:ext>
     </p:extLst>
   </p:cSld>
@@ -3237,7 +3257,7 @@
           <p:cNvPr id="2" name="Title 1">
             <a:extLst>
               <a:ext uri="{FF2B5EF4-FFF2-40B4-BE49-F238E27FC236}">
-                <a16:creationId xmlns:a16="http://schemas.microsoft.com/office/drawing/2014/main" id="{DC9BA523-EF01-4656-9D54-347E984FD329}"/>
+                <a16:creationId xmlns:a16="http://schemas.microsoft.com/office/drawing/2014/main" id="{1E08B246-6A68-46BE-9DBD-614FA8CF4E26}"/>
               </a:ext>
             </a:extLst>
           </p:cNvPr>
@@ -3265,7 +3285,7 @@
           <p:cNvPr id="3" name="Content Placeholder 2">
             <a:extLst>
               <a:ext uri="{FF2B5EF4-FFF2-40B4-BE49-F238E27FC236}">
-                <a16:creationId xmlns:a16="http://schemas.microsoft.com/office/drawing/2014/main" id="{2AD52871-79D5-420E-8207-BEF7BE44A9B6}"/>
+                <a16:creationId xmlns:a16="http://schemas.microsoft.com/office/drawing/2014/main" id="{03E47706-8D18-4093-A7C1-F30D7543CEDE}"/>
               </a:ext>
             </a:extLst>
           </p:cNvPr>
@@ -3322,7 +3342,7 @@
           <p:cNvPr id="4" name="Date Placeholder 3">
             <a:extLst>
               <a:ext uri="{FF2B5EF4-FFF2-40B4-BE49-F238E27FC236}">
-                <a16:creationId xmlns:a16="http://schemas.microsoft.com/office/drawing/2014/main" id="{896D32D3-8223-4851-BB8E-CB489B975FD6}"/>
+                <a16:creationId xmlns:a16="http://schemas.microsoft.com/office/drawing/2014/main" id="{3EC7C8FC-AAEA-4AB6-9DB5-2503F58F0E69}"/>
               </a:ext>
             </a:extLst>
           </p:cNvPr>
@@ -3338,7 +3358,7 @@
           <a:bodyPr/>
           <a:lstStyle/>
           <a:p>
-            <a:fld id="{10C57B2A-1291-46F4-B4CC-8BAFDF935B56}" type="datetimeFigureOut">
+            <a:fld id="{BA576E92-E5C8-4FF8-B2BE-A516F6A1724E}" type="datetimeFigureOut">
               <a:rPr lang="en-US" dirty="0"/>
               <a:t>1/19/2025</a:t>
             </a:fld>
@@ -3351,7 +3371,7 @@
           <p:cNvPr id="5" name="Footer Placeholder 4">
             <a:extLst>
               <a:ext uri="{FF2B5EF4-FFF2-40B4-BE49-F238E27FC236}">
-                <a16:creationId xmlns:a16="http://schemas.microsoft.com/office/drawing/2014/main" id="{9E94444B-9FC3-414D-8EA0-15AB806D5E32}"/>
+                <a16:creationId xmlns:a16="http://schemas.microsoft.com/office/drawing/2014/main" id="{E8B1616B-3F08-4869-A522-773C38940F66}"/>
               </a:ext>
             </a:extLst>
           </p:cNvPr>
@@ -3380,7 +3400,7 @@
           <p:cNvPr id="6" name="Slide Number Placeholder 5">
             <a:extLst>
               <a:ext uri="{FF2B5EF4-FFF2-40B4-BE49-F238E27FC236}">
-                <a16:creationId xmlns:a16="http://schemas.microsoft.com/office/drawing/2014/main" id="{DBBC448B-FCF6-40C5-8BB6-15B70E8897CB}"/>
+                <a16:creationId xmlns:a16="http://schemas.microsoft.com/office/drawing/2014/main" id="{3E030CE6-9124-4B3A-A912-AE16B5C34003}"/>
               </a:ext>
             </a:extLst>
           </p:cNvPr>
@@ -3396,7 +3416,7 @@
           <a:bodyPr/>
           <a:lstStyle/>
           <a:p>
-            <a:fld id="{24578CCF-2EC4-44CB-A694-F6F6E59A3985}" type="slidenum">
+            <a:fld id="{70C12960-6E85-460F-B6E3-5B82CB31AF3D}" type="slidenum">
               <a:rPr lang="en-US" dirty="0"/>
               <a:t>‹#›</a:t>
             </a:fld>
@@ -3407,7 +3427,7 @@
     </p:spTree>
     <p:extLst>
       <p:ext uri="{BB962C8B-B14F-4D97-AF65-F5344CB8AC3E}">
-        <p14:creationId xmlns:p14="http://schemas.microsoft.com/office/powerpoint/2010/main" val="244060458"/>
+        <p14:creationId xmlns:p14="http://schemas.microsoft.com/office/powerpoint/2010/main" val="660346229"/>
       </p:ext>
     </p:extLst>
   </p:cSld>
@@ -3439,7 +3459,7 @@
           <p:cNvPr id="2" name="Title 1">
             <a:extLst>
               <a:ext uri="{FF2B5EF4-FFF2-40B4-BE49-F238E27FC236}">
-                <a16:creationId xmlns:a16="http://schemas.microsoft.com/office/drawing/2014/main" id="{D14F79BA-620F-4443-807B-BE44F36F98F1}"/>
+                <a16:creationId xmlns:a16="http://schemas.microsoft.com/office/drawing/2014/main" id="{16C78885-57B2-4930-BD7D-CBF916EDF1C6}"/>
               </a:ext>
             </a:extLst>
           </p:cNvPr>
@@ -3452,8 +3472,8 @@
         </p:nvSpPr>
         <p:spPr>
           <a:xfrm>
-            <a:off x="1069848" y="1709738"/>
-            <a:ext cx="9430811" cy="2852737"/>
+            <a:off x="912629" y="1709738"/>
+            <a:ext cx="9214884" cy="3159974"/>
           </a:xfrm>
         </p:spPr>
         <p:txBody>
@@ -3462,7 +3482,7 @@
           </a:bodyPr>
           <a:lstStyle>
             <a:lvl1pPr>
-              <a:defRPr sz="5400"/>
+              <a:defRPr sz="4800"/>
             </a:lvl1pPr>
           </a:lstStyle>
           <a:p>
@@ -3478,7 +3498,7 @@
           <p:cNvPr id="3" name="Text Placeholder 2">
             <a:extLst>
               <a:ext uri="{FF2B5EF4-FFF2-40B4-BE49-F238E27FC236}">
-                <a16:creationId xmlns:a16="http://schemas.microsoft.com/office/drawing/2014/main" id="{30C9A625-6442-4047-B545-433C4451210A}"/>
+                <a16:creationId xmlns:a16="http://schemas.microsoft.com/office/drawing/2014/main" id="{9BE495E4-2F8B-4CC7-88AC-A312067E60D2}"/>
               </a:ext>
             </a:extLst>
           </p:cNvPr>
@@ -3491,16 +3511,18 @@
         </p:nvSpPr>
         <p:spPr>
           <a:xfrm>
-            <a:off x="1069848" y="4589463"/>
-            <a:ext cx="9430811" cy="1500187"/>
+            <a:off x="912628" y="5018567"/>
+            <a:ext cx="7907079" cy="1073889"/>
           </a:xfrm>
         </p:spPr>
         <p:txBody>
-          <a:bodyPr/>
+          <a:bodyPr>
+            <a:normAutofit/>
+          </a:bodyPr>
           <a:lstStyle>
             <a:lvl1pPr marL="0" indent="0">
               <a:buNone/>
-              <a:defRPr sz="2400">
+              <a:defRPr sz="2000">
                 <a:solidFill>
                   <a:schemeClr val="tx1">
                     <a:tint val="75000"/>
@@ -3603,7 +3625,7 @@
           <p:cNvPr id="4" name="Date Placeholder 3">
             <a:extLst>
               <a:ext uri="{FF2B5EF4-FFF2-40B4-BE49-F238E27FC236}">
-                <a16:creationId xmlns:a16="http://schemas.microsoft.com/office/drawing/2014/main" id="{5F8EAA30-3B1A-4BEA-9835-33D2072451F9}"/>
+                <a16:creationId xmlns:a16="http://schemas.microsoft.com/office/drawing/2014/main" id="{F8585CC9-BAD3-4807-90BB-97DA2D6A6BE2}"/>
               </a:ext>
             </a:extLst>
           </p:cNvPr>
@@ -3619,7 +3641,7 @@
           <a:bodyPr/>
           <a:lstStyle/>
           <a:p>
-            <a:fld id="{2E76B3B4-A63D-42FA-B9D1-41D36384F384}" type="datetimeFigureOut">
+            <a:fld id="{06DDB232-C681-46A2-B21F-2BD21E9CA134}" type="datetimeFigureOut">
               <a:rPr lang="en-US" dirty="0"/>
               <a:t>1/19/2025</a:t>
             </a:fld>
@@ -3632,7 +3654,7 @@
           <p:cNvPr id="5" name="Footer Placeholder 4">
             <a:extLst>
               <a:ext uri="{FF2B5EF4-FFF2-40B4-BE49-F238E27FC236}">
-                <a16:creationId xmlns:a16="http://schemas.microsoft.com/office/drawing/2014/main" id="{BB256440-3149-446F-8105-485333B183A0}"/>
+                <a16:creationId xmlns:a16="http://schemas.microsoft.com/office/drawing/2014/main" id="{5F108CEF-165F-4D7E-9666-5CD0156B497C}"/>
               </a:ext>
             </a:extLst>
           </p:cNvPr>
@@ -3661,7 +3683,7 @@
           <p:cNvPr id="6" name="Slide Number Placeholder 5">
             <a:extLst>
               <a:ext uri="{FF2B5EF4-FFF2-40B4-BE49-F238E27FC236}">
-                <a16:creationId xmlns:a16="http://schemas.microsoft.com/office/drawing/2014/main" id="{4E0FEDB1-D604-4E10-B334-5DB303498B12}"/>
+                <a16:creationId xmlns:a16="http://schemas.microsoft.com/office/drawing/2014/main" id="{FE0EBC3D-3277-4D34-9F67-71040C21E3B3}"/>
               </a:ext>
             </a:extLst>
           </p:cNvPr>
@@ -3677,7 +3699,7 @@
           <a:bodyPr/>
           <a:lstStyle/>
           <a:p>
-            <a:fld id="{24578CCF-2EC4-44CB-A694-F6F6E59A3985}" type="slidenum">
+            <a:fld id="{70C12960-6E85-460F-B6E3-5B82CB31AF3D}" type="slidenum">
               <a:rPr lang="en-US" dirty="0"/>
               <a:t>‹#›</a:t>
             </a:fld>
@@ -3688,7 +3710,7 @@
     </p:spTree>
     <p:extLst>
       <p:ext uri="{BB962C8B-B14F-4D97-AF65-F5344CB8AC3E}">
-        <p14:creationId xmlns:p14="http://schemas.microsoft.com/office/powerpoint/2010/main" val="579403230"/>
+        <p14:creationId xmlns:p14="http://schemas.microsoft.com/office/powerpoint/2010/main" val="3594704651"/>
       </p:ext>
     </p:extLst>
   </p:cSld>
@@ -3720,7 +3742,7 @@
           <p:cNvPr id="2" name="Title 1">
             <a:extLst>
               <a:ext uri="{FF2B5EF4-FFF2-40B4-BE49-F238E27FC236}">
-                <a16:creationId xmlns:a16="http://schemas.microsoft.com/office/drawing/2014/main" id="{56F6E563-D552-439E-8DF5-45062D87549B}"/>
+                <a16:creationId xmlns:a16="http://schemas.microsoft.com/office/drawing/2014/main" id="{CDB477A4-4D01-45B6-9563-0BF13BA72F7C}"/>
               </a:ext>
             </a:extLst>
           </p:cNvPr>
@@ -3748,7 +3770,7 @@
           <p:cNvPr id="3" name="Content Placeholder 2">
             <a:extLst>
               <a:ext uri="{FF2B5EF4-FFF2-40B4-BE49-F238E27FC236}">
-                <a16:creationId xmlns:a16="http://schemas.microsoft.com/office/drawing/2014/main" id="{C0136873-2DD5-456E-A3A9-FE408419E30D}"/>
+                <a16:creationId xmlns:a16="http://schemas.microsoft.com/office/drawing/2014/main" id="{2EE17E00-96AC-45F0-82B2-9F601E9B93C2}"/>
               </a:ext>
             </a:extLst>
           </p:cNvPr>
@@ -3761,8 +3783,8 @@
         </p:nvSpPr>
         <p:spPr>
           <a:xfrm>
-            <a:off x="1069848" y="1825625"/>
-            <a:ext cx="4684057" cy="4351338"/>
+            <a:off x="914400" y="2849526"/>
+            <a:ext cx="5105400" cy="3210479"/>
           </a:xfrm>
         </p:spPr>
         <p:txBody>
@@ -3810,7 +3832,7 @@
           <p:cNvPr id="4" name="Content Placeholder 3">
             <a:extLst>
               <a:ext uri="{FF2B5EF4-FFF2-40B4-BE49-F238E27FC236}">
-                <a16:creationId xmlns:a16="http://schemas.microsoft.com/office/drawing/2014/main" id="{00C6B04C-FB9E-4A9E-8892-4B5B702898B4}"/>
+                <a16:creationId xmlns:a16="http://schemas.microsoft.com/office/drawing/2014/main" id="{72BA30CD-95C0-427B-A571-A7D8A53278F4}"/>
               </a:ext>
             </a:extLst>
           </p:cNvPr>
@@ -3823,8 +3845,8 @@
         </p:nvSpPr>
         <p:spPr>
           <a:xfrm>
-            <a:off x="6019802" y="1825625"/>
-            <a:ext cx="4684058" cy="4351338"/>
+            <a:off x="6172200" y="2849526"/>
+            <a:ext cx="5105400" cy="3210480"/>
           </a:xfrm>
         </p:spPr>
         <p:txBody>
@@ -3872,7 +3894,7 @@
           <p:cNvPr id="5" name="Date Placeholder 4">
             <a:extLst>
               <a:ext uri="{FF2B5EF4-FFF2-40B4-BE49-F238E27FC236}">
-                <a16:creationId xmlns:a16="http://schemas.microsoft.com/office/drawing/2014/main" id="{42E2F0B4-0E86-473E-BC42-78D856A00C2E}"/>
+                <a16:creationId xmlns:a16="http://schemas.microsoft.com/office/drawing/2014/main" id="{86F67CAC-53E4-44AF-BEAC-8FFB96F05A86}"/>
               </a:ext>
             </a:extLst>
           </p:cNvPr>
@@ -3888,7 +3910,7 @@
           <a:bodyPr/>
           <a:lstStyle/>
           <a:p>
-            <a:fld id="{1BBF0803-F60A-46DD-B88E-307855619A34}" type="datetimeFigureOut">
+            <a:fld id="{30ABE26E-66F9-4E5F-9E07-CA7CDB200281}" type="datetimeFigureOut">
               <a:rPr lang="en-US" dirty="0"/>
               <a:t>1/19/2025</a:t>
             </a:fld>
@@ -3901,7 +3923,7 @@
           <p:cNvPr id="6" name="Footer Placeholder 5">
             <a:extLst>
               <a:ext uri="{FF2B5EF4-FFF2-40B4-BE49-F238E27FC236}">
-                <a16:creationId xmlns:a16="http://schemas.microsoft.com/office/drawing/2014/main" id="{782B9537-F43C-4042-B165-A00358F9E24F}"/>
+                <a16:creationId xmlns:a16="http://schemas.microsoft.com/office/drawing/2014/main" id="{083D9F3A-E7F0-45E7-AFA8-0D4A669EC16C}"/>
               </a:ext>
             </a:extLst>
           </p:cNvPr>
@@ -3930,7 +3952,7 @@
           <p:cNvPr id="7" name="Slide Number Placeholder 6">
             <a:extLst>
               <a:ext uri="{FF2B5EF4-FFF2-40B4-BE49-F238E27FC236}">
-                <a16:creationId xmlns:a16="http://schemas.microsoft.com/office/drawing/2014/main" id="{FEF9F52F-61F2-4FEE-8989-2FB400190C4C}"/>
+                <a16:creationId xmlns:a16="http://schemas.microsoft.com/office/drawing/2014/main" id="{3C5F008B-58BB-45FF-923F-5909DAB49D34}"/>
               </a:ext>
             </a:extLst>
           </p:cNvPr>
@@ -3946,7 +3968,7 @@
           <a:bodyPr/>
           <a:lstStyle/>
           <a:p>
-            <a:fld id="{24578CCF-2EC4-44CB-A694-F6F6E59A3985}" type="slidenum">
+            <a:fld id="{70C12960-6E85-460F-B6E3-5B82CB31AF3D}" type="slidenum">
               <a:rPr lang="en-US" dirty="0"/>
               <a:t>‹#›</a:t>
             </a:fld>
@@ -3957,7 +3979,7 @@
     </p:spTree>
     <p:extLst>
       <p:ext uri="{BB962C8B-B14F-4D97-AF65-F5344CB8AC3E}">
-        <p14:creationId xmlns:p14="http://schemas.microsoft.com/office/powerpoint/2010/main" val="1468882378"/>
+        <p14:creationId xmlns:p14="http://schemas.microsoft.com/office/powerpoint/2010/main" val="2708240274"/>
       </p:ext>
     </p:extLst>
   </p:cSld>
@@ -3989,7 +4011,7 @@
           <p:cNvPr id="2" name="Title 1">
             <a:extLst>
               <a:ext uri="{FF2B5EF4-FFF2-40B4-BE49-F238E27FC236}">
-                <a16:creationId xmlns:a16="http://schemas.microsoft.com/office/drawing/2014/main" id="{66832E5C-0B2D-4DB5-95F6-3C2C825DFE54}"/>
+                <a16:creationId xmlns:a16="http://schemas.microsoft.com/office/drawing/2014/main" id="{EA97B549-9E51-42E0-992A-73E775957773}"/>
               </a:ext>
             </a:extLst>
           </p:cNvPr>
@@ -4002,8 +4024,8 @@
         </p:nvSpPr>
         <p:spPr>
           <a:xfrm>
-            <a:off x="839788" y="365125"/>
-            <a:ext cx="9899930" cy="1325563"/>
+            <a:off x="912628" y="1371599"/>
+            <a:ext cx="10442760" cy="939753"/>
           </a:xfrm>
         </p:spPr>
         <p:txBody>
@@ -4022,7 +4044,7 @@
           <p:cNvPr id="3" name="Text Placeholder 2">
             <a:extLst>
               <a:ext uri="{FF2B5EF4-FFF2-40B4-BE49-F238E27FC236}">
-                <a16:creationId xmlns:a16="http://schemas.microsoft.com/office/drawing/2014/main" id="{818F1C53-3F27-42E6-BE80-1DF57985741C}"/>
+                <a16:creationId xmlns:a16="http://schemas.microsoft.com/office/drawing/2014/main" id="{C81A5FDC-7C4B-45FB-8462-E2CE79919F33}"/>
               </a:ext>
             </a:extLst>
           </p:cNvPr>
@@ -4035,26 +4057,26 @@
         </p:nvSpPr>
         <p:spPr>
           <a:xfrm>
-            <a:off x="839789" y="1681163"/>
-            <a:ext cx="4872132" cy="823912"/>
+            <a:off x="912628" y="2311353"/>
+            <a:ext cx="5084947" cy="695372"/>
           </a:xfrm>
         </p:spPr>
         <p:txBody>
           <a:bodyPr anchor="b">
-            <a:noAutofit/>
+            <a:normAutofit/>
           </a:bodyPr>
           <a:lstStyle>
             <a:lvl1pPr marL="0" indent="0">
               <a:buNone/>
-              <a:defRPr sz="1600" b="1" cap="all" spc="300" baseline="0"/>
+              <a:defRPr sz="1800" b="1" cap="all" spc="300" baseline="0"/>
             </a:lvl1pPr>
             <a:lvl2pPr marL="457200" indent="0">
               <a:buNone/>
-              <a:defRPr sz="1600" b="1"/>
+              <a:defRPr sz="1800" b="1"/>
             </a:lvl2pPr>
             <a:lvl3pPr marL="914400" indent="0">
               <a:buNone/>
-              <a:defRPr sz="1600" b="1"/>
+              <a:defRPr sz="1800" b="1"/>
             </a:lvl3pPr>
             <a:lvl4pPr marL="1371600" indent="0">
               <a:buNone/>
@@ -4095,7 +4117,7 @@
           <p:cNvPr id="4" name="Content Placeholder 3">
             <a:extLst>
               <a:ext uri="{FF2B5EF4-FFF2-40B4-BE49-F238E27FC236}">
-                <a16:creationId xmlns:a16="http://schemas.microsoft.com/office/drawing/2014/main" id="{938CC6CB-F028-4322-B54F-571203106F23}"/>
+                <a16:creationId xmlns:a16="http://schemas.microsoft.com/office/drawing/2014/main" id="{CBD8B686-2E92-45B9-A3D7-9DCAA0C50B36}"/>
               </a:ext>
             </a:extLst>
           </p:cNvPr>
@@ -4108,20 +4130,13 @@
         </p:nvSpPr>
         <p:spPr>
           <a:xfrm>
-            <a:off x="839787" y="2510632"/>
-            <a:ext cx="4872133" cy="3684588"/>
+            <a:off x="912628" y="3006725"/>
+            <a:ext cx="5084947" cy="3182937"/>
           </a:xfrm>
         </p:spPr>
         <p:txBody>
           <a:bodyPr/>
-          <a:lstStyle>
-            <a:lvl2pPr>
-              <a:defRPr b="1"/>
-            </a:lvl2pPr>
-            <a:lvl3pPr>
-              <a:defRPr b="0"/>
-            </a:lvl3pPr>
-          </a:lstStyle>
+          <a:lstStyle/>
           <a:p>
             <a:pPr lvl="0"/>
             <a:r>
@@ -4164,7 +4179,7 @@
           <p:cNvPr id="5" name="Text Placeholder 4">
             <a:extLst>
               <a:ext uri="{FF2B5EF4-FFF2-40B4-BE49-F238E27FC236}">
-                <a16:creationId xmlns:a16="http://schemas.microsoft.com/office/drawing/2014/main" id="{82AD2CD7-554E-4EAA-BAF6-86ABB7E81D25}"/>
+                <a16:creationId xmlns:a16="http://schemas.microsoft.com/office/drawing/2014/main" id="{86ADB526-4A44-47B6-8D14-93202E590AA7}"/>
               </a:ext>
             </a:extLst>
           </p:cNvPr>
@@ -4177,26 +4192,26 @@
         </p:nvSpPr>
         <p:spPr>
           <a:xfrm>
-            <a:off x="5889809" y="1681163"/>
-            <a:ext cx="4849909" cy="823912"/>
+            <a:off x="6172200" y="2311353"/>
+            <a:ext cx="5183188" cy="695372"/>
           </a:xfrm>
         </p:spPr>
         <p:txBody>
           <a:bodyPr anchor="b">
-            <a:noAutofit/>
+            <a:normAutofit/>
           </a:bodyPr>
           <a:lstStyle>
             <a:lvl1pPr marL="0" indent="0">
               <a:buNone/>
-              <a:defRPr sz="1600" b="1" cap="all" spc="300" baseline="0"/>
+              <a:defRPr sz="1800" b="1" cap="all" spc="300" baseline="0"/>
             </a:lvl1pPr>
             <a:lvl2pPr marL="457200" indent="0">
               <a:buNone/>
-              <a:defRPr sz="1600" b="1"/>
+              <a:defRPr sz="1800" b="1"/>
             </a:lvl2pPr>
             <a:lvl3pPr marL="914400" indent="0">
               <a:buNone/>
-              <a:defRPr sz="1600" b="1"/>
+              <a:defRPr sz="1800" b="1"/>
             </a:lvl3pPr>
             <a:lvl4pPr marL="1371600" indent="0">
               <a:buNone/>
@@ -4237,7 +4252,7 @@
           <p:cNvPr id="6" name="Content Placeholder 5">
             <a:extLst>
               <a:ext uri="{FF2B5EF4-FFF2-40B4-BE49-F238E27FC236}">
-                <a16:creationId xmlns:a16="http://schemas.microsoft.com/office/drawing/2014/main" id="{1982A2D6-379C-4D26-90AC-9F2F46DCE7F3}"/>
+                <a16:creationId xmlns:a16="http://schemas.microsoft.com/office/drawing/2014/main" id="{574177CA-5C13-4311-BFD3-B98FBD942DA5}"/>
               </a:ext>
             </a:extLst>
           </p:cNvPr>
@@ -4250,20 +4265,13 @@
         </p:nvSpPr>
         <p:spPr>
           <a:xfrm>
-            <a:off x="5889810" y="2505075"/>
-            <a:ext cx="4872134" cy="3684588"/>
+            <a:off x="6172200" y="3006725"/>
+            <a:ext cx="5183188" cy="3182937"/>
           </a:xfrm>
         </p:spPr>
         <p:txBody>
           <a:bodyPr/>
-          <a:lstStyle>
-            <a:lvl2pPr>
-              <a:defRPr b="1"/>
-            </a:lvl2pPr>
-            <a:lvl3pPr>
-              <a:defRPr b="0"/>
-            </a:lvl3pPr>
-          </a:lstStyle>
+          <a:lstStyle/>
           <a:p>
             <a:pPr lvl="0"/>
             <a:r>
@@ -4306,7 +4314,7 @@
           <p:cNvPr id="7" name="Date Placeholder 6">
             <a:extLst>
               <a:ext uri="{FF2B5EF4-FFF2-40B4-BE49-F238E27FC236}">
-                <a16:creationId xmlns:a16="http://schemas.microsoft.com/office/drawing/2014/main" id="{DEA0E4F3-8A65-4788-AE96-1FB2060F48D2}"/>
+                <a16:creationId xmlns:a16="http://schemas.microsoft.com/office/drawing/2014/main" id="{4DEA255A-4CB5-40CA-B756-1AA5E27C20BF}"/>
               </a:ext>
             </a:extLst>
           </p:cNvPr>
@@ -4322,7 +4330,7 @@
           <a:bodyPr/>
           <a:lstStyle/>
           <a:p>
-            <a:fld id="{583B4245-B7F0-48F5-9A59-408A637F0829}" type="datetimeFigureOut">
+            <a:fld id="{85A1A01C-F286-49E7-998E-3D5BB613F99A}" type="datetimeFigureOut">
               <a:rPr lang="en-US" dirty="0"/>
               <a:t>1/19/2025</a:t>
             </a:fld>
@@ -4335,7 +4343,7 @@
           <p:cNvPr id="8" name="Footer Placeholder 7">
             <a:extLst>
               <a:ext uri="{FF2B5EF4-FFF2-40B4-BE49-F238E27FC236}">
-                <a16:creationId xmlns:a16="http://schemas.microsoft.com/office/drawing/2014/main" id="{97522DA4-5EE1-440C-ADDE-D7B4F77B4E18}"/>
+                <a16:creationId xmlns:a16="http://schemas.microsoft.com/office/drawing/2014/main" id="{FF3072C4-10F1-49B8-B0BF-69204EDDCFAE}"/>
               </a:ext>
             </a:extLst>
           </p:cNvPr>
@@ -4364,7 +4372,7 @@
           <p:cNvPr id="9" name="Slide Number Placeholder 8">
             <a:extLst>
               <a:ext uri="{FF2B5EF4-FFF2-40B4-BE49-F238E27FC236}">
-                <a16:creationId xmlns:a16="http://schemas.microsoft.com/office/drawing/2014/main" id="{D6BC291E-B8EF-4ED7-A04A-23426C220CF0}"/>
+                <a16:creationId xmlns:a16="http://schemas.microsoft.com/office/drawing/2014/main" id="{4A5ACC97-44C1-4887-909B-E6732D3C1FFE}"/>
               </a:ext>
             </a:extLst>
           </p:cNvPr>
@@ -4380,7 +4388,7 @@
           <a:bodyPr/>
           <a:lstStyle/>
           <a:p>
-            <a:fld id="{24578CCF-2EC4-44CB-A694-F6F6E59A3985}" type="slidenum">
+            <a:fld id="{70C12960-6E85-460F-B6E3-5B82CB31AF3D}" type="slidenum">
               <a:rPr lang="en-US" dirty="0"/>
               <a:t>‹#›</a:t>
             </a:fld>
@@ -4391,7 +4399,7 @@
     </p:spTree>
     <p:extLst>
       <p:ext uri="{BB962C8B-B14F-4D97-AF65-F5344CB8AC3E}">
-        <p14:creationId xmlns:p14="http://schemas.microsoft.com/office/powerpoint/2010/main" val="2517609766"/>
+        <p14:creationId xmlns:p14="http://schemas.microsoft.com/office/powerpoint/2010/main" val="3619342396"/>
       </p:ext>
     </p:extLst>
   </p:cSld>
@@ -4423,7 +4431,7 @@
           <p:cNvPr id="2" name="Title 1">
             <a:extLst>
               <a:ext uri="{FF2B5EF4-FFF2-40B4-BE49-F238E27FC236}">
-                <a16:creationId xmlns:a16="http://schemas.microsoft.com/office/drawing/2014/main" id="{A01CB818-E8D0-497B-9A7E-4F281D0DBCCD}"/>
+                <a16:creationId xmlns:a16="http://schemas.microsoft.com/office/drawing/2014/main" id="{AE27D313-943A-47E0-8A7A-DFFBCC297AB7}"/>
               </a:ext>
             </a:extLst>
           </p:cNvPr>
@@ -4451,7 +4459,7 @@
           <p:cNvPr id="3" name="Date Placeholder 2">
             <a:extLst>
               <a:ext uri="{FF2B5EF4-FFF2-40B4-BE49-F238E27FC236}">
-                <a16:creationId xmlns:a16="http://schemas.microsoft.com/office/drawing/2014/main" id="{CFE82B9D-CD58-4C05-8A78-CB6E0E9D49DC}"/>
+                <a16:creationId xmlns:a16="http://schemas.microsoft.com/office/drawing/2014/main" id="{23AC25A7-81C8-4AA1-AD9F-C78A451FDE2E}"/>
               </a:ext>
             </a:extLst>
           </p:cNvPr>
@@ -4467,7 +4475,7 @@
           <a:bodyPr/>
           <a:lstStyle/>
           <a:p>
-            <a:fld id="{C1A9FBFC-AFD0-49F7-9AAB-86AF5F4471C2}" type="datetimeFigureOut">
+            <a:fld id="{B7CC2C0A-F771-42D9-AAB0-90C3A2B0FEAD}" type="datetimeFigureOut">
               <a:rPr lang="en-US" dirty="0"/>
               <a:t>1/19/2025</a:t>
             </a:fld>
@@ -4480,7 +4488,7 @@
           <p:cNvPr id="4" name="Footer Placeholder 3">
             <a:extLst>
               <a:ext uri="{FF2B5EF4-FFF2-40B4-BE49-F238E27FC236}">
-                <a16:creationId xmlns:a16="http://schemas.microsoft.com/office/drawing/2014/main" id="{BADE60CD-D6F3-40A7-BB8B-FEC8E3156AFB}"/>
+                <a16:creationId xmlns:a16="http://schemas.microsoft.com/office/drawing/2014/main" id="{6EF54740-6022-46B2-9C55-B60E9651684F}"/>
               </a:ext>
             </a:extLst>
           </p:cNvPr>
@@ -4509,7 +4517,7 @@
           <p:cNvPr id="5" name="Slide Number Placeholder 4">
             <a:extLst>
               <a:ext uri="{FF2B5EF4-FFF2-40B4-BE49-F238E27FC236}">
-                <a16:creationId xmlns:a16="http://schemas.microsoft.com/office/drawing/2014/main" id="{7C02B832-C4FE-4F88-85EA-DDC16A82B9A9}"/>
+                <a16:creationId xmlns:a16="http://schemas.microsoft.com/office/drawing/2014/main" id="{089497C9-6B5E-46D6-8FE9-0A5E0CF7F95B}"/>
               </a:ext>
             </a:extLst>
           </p:cNvPr>
@@ -4525,7 +4533,7 @@
           <a:bodyPr/>
           <a:lstStyle/>
           <a:p>
-            <a:fld id="{24578CCF-2EC4-44CB-A694-F6F6E59A3985}" type="slidenum">
+            <a:fld id="{70C12960-6E85-460F-B6E3-5B82CB31AF3D}" type="slidenum">
               <a:rPr lang="en-US" dirty="0"/>
               <a:t>‹#›</a:t>
             </a:fld>
@@ -4536,7 +4544,7 @@
     </p:spTree>
     <p:extLst>
       <p:ext uri="{BB962C8B-B14F-4D97-AF65-F5344CB8AC3E}">
-        <p14:creationId xmlns:p14="http://schemas.microsoft.com/office/powerpoint/2010/main" val="2081377650"/>
+        <p14:creationId xmlns:p14="http://schemas.microsoft.com/office/powerpoint/2010/main" val="2144708272"/>
       </p:ext>
     </p:extLst>
   </p:cSld>
@@ -4568,7 +4576,7 @@
           <p:cNvPr id="2" name="Date Placeholder 1">
             <a:extLst>
               <a:ext uri="{FF2B5EF4-FFF2-40B4-BE49-F238E27FC236}">
-                <a16:creationId xmlns:a16="http://schemas.microsoft.com/office/drawing/2014/main" id="{3C75B2FC-801A-44A4-96BF-26A9E8B2A1C6}"/>
+                <a16:creationId xmlns:a16="http://schemas.microsoft.com/office/drawing/2014/main" id="{92740D3C-270A-401A-810C-2F86BBBB87D4}"/>
               </a:ext>
             </a:extLst>
           </p:cNvPr>
@@ -4584,7 +4592,7 @@
           <a:bodyPr/>
           <a:lstStyle/>
           <a:p>
-            <a:fld id="{46DAEFA3-A6B6-4916-BD87-2F7F0B6DE4AC}" type="datetimeFigureOut">
+            <a:fld id="{2CA2A270-409D-4410-9649-B7481576446C}" type="datetimeFigureOut">
               <a:rPr lang="en-US" dirty="0"/>
               <a:t>1/19/2025</a:t>
             </a:fld>
@@ -4597,7 +4605,7 @@
           <p:cNvPr id="3" name="Footer Placeholder 2">
             <a:extLst>
               <a:ext uri="{FF2B5EF4-FFF2-40B4-BE49-F238E27FC236}">
-                <a16:creationId xmlns:a16="http://schemas.microsoft.com/office/drawing/2014/main" id="{A8127F04-7E7E-485C-8B30-6B89E5A69F0A}"/>
+                <a16:creationId xmlns:a16="http://schemas.microsoft.com/office/drawing/2014/main" id="{DDCBE9F8-1765-4F36-A4DE-1DB136025AC9}"/>
               </a:ext>
             </a:extLst>
           </p:cNvPr>
@@ -4626,7 +4634,7 @@
           <p:cNvPr id="4" name="Slide Number Placeholder 3">
             <a:extLst>
               <a:ext uri="{FF2B5EF4-FFF2-40B4-BE49-F238E27FC236}">
-                <a16:creationId xmlns:a16="http://schemas.microsoft.com/office/drawing/2014/main" id="{90933C81-AA74-4BCE-AA9E-56E5791D078C}"/>
+                <a16:creationId xmlns:a16="http://schemas.microsoft.com/office/drawing/2014/main" id="{7790CF9E-A6C6-4873-ADBE-7A2939319E58}"/>
               </a:ext>
             </a:extLst>
           </p:cNvPr>
@@ -4642,7 +4650,7 @@
           <a:bodyPr/>
           <a:lstStyle/>
           <a:p>
-            <a:fld id="{24578CCF-2EC4-44CB-A694-F6F6E59A3985}" type="slidenum">
+            <a:fld id="{70C12960-6E85-460F-B6E3-5B82CB31AF3D}" type="slidenum">
               <a:rPr lang="en-US" dirty="0"/>
               <a:t>‹#›</a:t>
             </a:fld>
@@ -4653,7 +4661,7 @@
     </p:spTree>
     <p:extLst>
       <p:ext uri="{BB962C8B-B14F-4D97-AF65-F5344CB8AC3E}">
-        <p14:creationId xmlns:p14="http://schemas.microsoft.com/office/powerpoint/2010/main" val="4027358151"/>
+        <p14:creationId xmlns:p14="http://schemas.microsoft.com/office/powerpoint/2010/main" val="87297976"/>
       </p:ext>
     </p:extLst>
   </p:cSld>
@@ -4685,7 +4693,7 @@
           <p:cNvPr id="2" name="Title 1">
             <a:extLst>
               <a:ext uri="{FF2B5EF4-FFF2-40B4-BE49-F238E27FC236}">
-                <a16:creationId xmlns:a16="http://schemas.microsoft.com/office/drawing/2014/main" id="{98DFD3CB-0541-46AD-B35E-0E0A1375E8A2}"/>
+                <a16:creationId xmlns:a16="http://schemas.microsoft.com/office/drawing/2014/main" id="{2F08CDF8-00AD-4441-A6D5-9D7A659EB6C0}"/>
               </a:ext>
             </a:extLst>
           </p:cNvPr>
@@ -4698,12 +4706,12 @@
         </p:nvSpPr>
         <p:spPr>
           <a:xfrm>
-            <a:off x="839788" y="457200"/>
-            <a:ext cx="3932237" cy="1600200"/>
+            <a:off x="912628" y="1463038"/>
+            <a:ext cx="3859397" cy="1471548"/>
           </a:xfrm>
         </p:spPr>
         <p:txBody>
-          <a:bodyPr anchor="b"/>
+          <a:bodyPr anchor="t"/>
           <a:lstStyle>
             <a:lvl1pPr>
               <a:defRPr sz="3200"/>
@@ -4722,7 +4730,7 @@
           <p:cNvPr id="3" name="Content Placeholder 2">
             <a:extLst>
               <a:ext uri="{FF2B5EF4-FFF2-40B4-BE49-F238E27FC236}">
-                <a16:creationId xmlns:a16="http://schemas.microsoft.com/office/drawing/2014/main" id="{EBF8EFDE-1D7D-46B8-AB55-A3C02EDD1888}"/>
+                <a16:creationId xmlns:a16="http://schemas.microsoft.com/office/drawing/2014/main" id="{28C330AF-CB7E-420A-AE8A-E02E90325885}"/>
               </a:ext>
             </a:extLst>
           </p:cNvPr>
@@ -4735,39 +4743,41 @@
         </p:nvSpPr>
         <p:spPr>
           <a:xfrm>
-            <a:off x="5183188" y="457201"/>
-            <a:ext cx="5652153" cy="5403850"/>
+            <a:off x="5183188" y="987425"/>
+            <a:ext cx="6172200" cy="4873625"/>
           </a:xfrm>
         </p:spPr>
         <p:txBody>
-          <a:bodyPr/>
+          <a:bodyPr>
+            <a:normAutofit/>
+          </a:bodyPr>
           <a:lstStyle>
             <a:lvl1pPr>
-              <a:defRPr sz="3200"/>
+              <a:defRPr sz="2800"/>
             </a:lvl1pPr>
             <a:lvl2pPr>
-              <a:defRPr sz="2800" b="1"/>
+              <a:defRPr sz="2400"/>
             </a:lvl2pPr>
             <a:lvl3pPr>
-              <a:defRPr sz="2400" b="0"/>
+              <a:defRPr sz="2000"/>
             </a:lvl3pPr>
             <a:lvl4pPr>
-              <a:defRPr sz="2000"/>
+              <a:defRPr sz="1800"/>
             </a:lvl4pPr>
             <a:lvl5pPr>
-              <a:defRPr sz="2000"/>
+              <a:defRPr sz="1800"/>
             </a:lvl5pPr>
             <a:lvl6pPr>
-              <a:defRPr sz="2000"/>
+              <a:defRPr sz="1800"/>
             </a:lvl6pPr>
             <a:lvl7pPr>
-              <a:defRPr sz="2000"/>
+              <a:defRPr sz="1800"/>
             </a:lvl7pPr>
             <a:lvl8pPr>
-              <a:defRPr sz="2000"/>
+              <a:defRPr sz="1800"/>
             </a:lvl8pPr>
             <a:lvl9pPr>
-              <a:defRPr sz="2000"/>
+              <a:defRPr sz="1800"/>
             </a:lvl9pPr>
           </a:lstStyle>
           <a:p>
@@ -4812,7 +4822,7 @@
           <p:cNvPr id="4" name="Text Placeholder 3">
             <a:extLst>
               <a:ext uri="{FF2B5EF4-FFF2-40B4-BE49-F238E27FC236}">
-                <a16:creationId xmlns:a16="http://schemas.microsoft.com/office/drawing/2014/main" id="{6411D2F5-DB36-4943-8A14-96AFC4883065}"/>
+                <a16:creationId xmlns:a16="http://schemas.microsoft.com/office/drawing/2014/main" id="{F43257AD-2422-4CDA-9C55-700F4B5BF251}"/>
               </a:ext>
             </a:extLst>
           </p:cNvPr>
@@ -4825,8 +4835,8 @@
         </p:nvSpPr>
         <p:spPr>
           <a:xfrm>
-            <a:off x="839788" y="2057400"/>
-            <a:ext cx="3932237" cy="3811588"/>
+            <a:off x="912628" y="2934586"/>
+            <a:ext cx="3859397" cy="2934401"/>
           </a:xfrm>
         </p:spPr>
         <p:txBody>
@@ -4883,7 +4893,7 @@
           <p:cNvPr id="5" name="Date Placeholder 4">
             <a:extLst>
               <a:ext uri="{FF2B5EF4-FFF2-40B4-BE49-F238E27FC236}">
-                <a16:creationId xmlns:a16="http://schemas.microsoft.com/office/drawing/2014/main" id="{106C07D4-6597-444C-9EFD-62021AE7618C}"/>
+                <a16:creationId xmlns:a16="http://schemas.microsoft.com/office/drawing/2014/main" id="{E51B7454-C1CC-46F2-A6FB-1FE786C48F49}"/>
               </a:ext>
             </a:extLst>
           </p:cNvPr>
@@ -4899,7 +4909,7 @@
           <a:bodyPr/>
           <a:lstStyle/>
           <a:p>
-            <a:fld id="{3D928FE2-E902-4B86-B2C7-4AE6B54CDB70}" type="datetimeFigureOut">
+            <a:fld id="{42200AA3-798A-4433-8927-6E115914B6EF}" type="datetimeFigureOut">
               <a:rPr lang="en-US" dirty="0"/>
               <a:t>1/19/2025</a:t>
             </a:fld>
@@ -4912,7 +4922,7 @@
           <p:cNvPr id="6" name="Footer Placeholder 5">
             <a:extLst>
               <a:ext uri="{FF2B5EF4-FFF2-40B4-BE49-F238E27FC236}">
-                <a16:creationId xmlns:a16="http://schemas.microsoft.com/office/drawing/2014/main" id="{712D0D2C-70E8-4A24-9727-BEAF10B17D6C}"/>
+                <a16:creationId xmlns:a16="http://schemas.microsoft.com/office/drawing/2014/main" id="{49077DBE-6CC7-421B-AB5E-341E20BD922B}"/>
               </a:ext>
             </a:extLst>
           </p:cNvPr>
@@ -4941,7 +4951,7 @@
           <p:cNvPr id="7" name="Slide Number Placeholder 6">
             <a:extLst>
               <a:ext uri="{FF2B5EF4-FFF2-40B4-BE49-F238E27FC236}">
-                <a16:creationId xmlns:a16="http://schemas.microsoft.com/office/drawing/2014/main" id="{F0D9E0F6-7216-48A1-8BCA-770C6DE3875B}"/>
+                <a16:creationId xmlns:a16="http://schemas.microsoft.com/office/drawing/2014/main" id="{FD6EAB8F-7526-4CDB-B782-FAD8B3E70B0A}"/>
               </a:ext>
             </a:extLst>
           </p:cNvPr>
@@ -4957,7 +4967,7 @@
           <a:bodyPr/>
           <a:lstStyle/>
           <a:p>
-            <a:fld id="{24578CCF-2EC4-44CB-A694-F6F6E59A3985}" type="slidenum">
+            <a:fld id="{70C12960-6E85-460F-B6E3-5B82CB31AF3D}" type="slidenum">
               <a:rPr lang="en-US" dirty="0"/>
               <a:t>‹#›</a:t>
             </a:fld>
@@ -4968,7 +4978,7 @@
     </p:spTree>
     <p:extLst>
       <p:ext uri="{BB962C8B-B14F-4D97-AF65-F5344CB8AC3E}">
-        <p14:creationId xmlns:p14="http://schemas.microsoft.com/office/powerpoint/2010/main" val="1709985679"/>
+        <p14:creationId xmlns:p14="http://schemas.microsoft.com/office/powerpoint/2010/main" val="4257308961"/>
       </p:ext>
     </p:extLst>
   </p:cSld>
@@ -5000,7 +5010,7 @@
           <p:cNvPr id="2" name="Title 1">
             <a:extLst>
               <a:ext uri="{FF2B5EF4-FFF2-40B4-BE49-F238E27FC236}">
-                <a16:creationId xmlns:a16="http://schemas.microsoft.com/office/drawing/2014/main" id="{1E4CBEBD-5F1A-4111-A7F2-1CE82C9A69D8}"/>
+                <a16:creationId xmlns:a16="http://schemas.microsoft.com/office/drawing/2014/main" id="{1231647F-5A61-44C9-81DC-331C9AE5DDAE}"/>
               </a:ext>
             </a:extLst>
           </p:cNvPr>
@@ -5013,12 +5023,12 @@
         </p:nvSpPr>
         <p:spPr>
           <a:xfrm>
-            <a:off x="839788" y="457200"/>
-            <a:ext cx="3932237" cy="1600200"/>
+            <a:off x="912628" y="1463038"/>
+            <a:ext cx="3859397" cy="1471548"/>
           </a:xfrm>
         </p:spPr>
         <p:txBody>
-          <a:bodyPr anchor="b"/>
+          <a:bodyPr anchor="t"/>
           <a:lstStyle>
             <a:lvl1pPr>
               <a:defRPr sz="3200"/>
@@ -5037,7 +5047,7 @@
           <p:cNvPr id="3" name="Picture Placeholder 2">
             <a:extLst>
               <a:ext uri="{FF2B5EF4-FFF2-40B4-BE49-F238E27FC236}">
-                <a16:creationId xmlns:a16="http://schemas.microsoft.com/office/drawing/2014/main" id="{C00517FB-4008-4F68-B193-482971BA720D}"/>
+                <a16:creationId xmlns:a16="http://schemas.microsoft.com/office/drawing/2014/main" id="{31627A0F-F1B8-49BE-A0FF-7FE16E3BDCC1}"/>
               </a:ext>
             </a:extLst>
           </p:cNvPr>
@@ -5104,7 +5114,7 @@
           <p:cNvPr id="4" name="Text Placeholder 3">
             <a:extLst>
               <a:ext uri="{FF2B5EF4-FFF2-40B4-BE49-F238E27FC236}">
-                <a16:creationId xmlns:a16="http://schemas.microsoft.com/office/drawing/2014/main" id="{92606C5F-0885-458F-9B21-47E60171BF0E}"/>
+                <a16:creationId xmlns:a16="http://schemas.microsoft.com/office/drawing/2014/main" id="{C86D1BD6-1519-4431-9FAF-7D4F4129972C}"/>
               </a:ext>
             </a:extLst>
           </p:cNvPr>
@@ -5117,8 +5127,8 @@
         </p:nvSpPr>
         <p:spPr>
           <a:xfrm>
-            <a:off x="839788" y="2057400"/>
-            <a:ext cx="3932237" cy="3811588"/>
+            <a:off x="912628" y="2934586"/>
+            <a:ext cx="3859397" cy="2934401"/>
           </a:xfrm>
         </p:spPr>
         <p:txBody>
@@ -5175,7 +5185,7 @@
           <p:cNvPr id="5" name="Date Placeholder 4">
             <a:extLst>
               <a:ext uri="{FF2B5EF4-FFF2-40B4-BE49-F238E27FC236}">
-                <a16:creationId xmlns:a16="http://schemas.microsoft.com/office/drawing/2014/main" id="{04886F2E-B752-4D78-8DC4-C96A1A00E670}"/>
+                <a16:creationId xmlns:a16="http://schemas.microsoft.com/office/drawing/2014/main" id="{25A587A0-353B-42C2-BA96-B1ADEDF642BE}"/>
               </a:ext>
             </a:extLst>
           </p:cNvPr>
@@ -5191,7 +5201,7 @@
           <a:bodyPr/>
           <a:lstStyle/>
           <a:p>
-            <a:fld id="{E8674E58-F253-4E0F-B41E-2DC0E51ABEA1}" type="datetimeFigureOut">
+            <a:fld id="{36322871-0F85-43DC-99D7-CA8E7437E2EC}" type="datetimeFigureOut">
               <a:rPr lang="en-US" dirty="0"/>
               <a:t>1/19/2025</a:t>
             </a:fld>
@@ -5204,7 +5214,7 @@
           <p:cNvPr id="6" name="Footer Placeholder 5">
             <a:extLst>
               <a:ext uri="{FF2B5EF4-FFF2-40B4-BE49-F238E27FC236}">
-                <a16:creationId xmlns:a16="http://schemas.microsoft.com/office/drawing/2014/main" id="{4FC37751-8BB8-4224-870A-A2953E76073F}"/>
+                <a16:creationId xmlns:a16="http://schemas.microsoft.com/office/drawing/2014/main" id="{44D5A88E-3957-4B76-B1BE-4164029217B5}"/>
               </a:ext>
             </a:extLst>
           </p:cNvPr>
@@ -5233,7 +5243,7 @@
           <p:cNvPr id="7" name="Slide Number Placeholder 6">
             <a:extLst>
               <a:ext uri="{FF2B5EF4-FFF2-40B4-BE49-F238E27FC236}">
-                <a16:creationId xmlns:a16="http://schemas.microsoft.com/office/drawing/2014/main" id="{6242CE94-BD7E-44B3-9B5E-67D4BD317E99}"/>
+                <a16:creationId xmlns:a16="http://schemas.microsoft.com/office/drawing/2014/main" id="{A5F7C5FD-E56A-4C66-8F23-087F95A2FD0E}"/>
               </a:ext>
             </a:extLst>
           </p:cNvPr>
@@ -5249,7 +5259,7 @@
           <a:bodyPr/>
           <a:lstStyle/>
           <a:p>
-            <a:fld id="{24578CCF-2EC4-44CB-A694-F6F6E59A3985}" type="slidenum">
+            <a:fld id="{70C12960-6E85-460F-B6E3-5B82CB31AF3D}" type="slidenum">
               <a:rPr lang="en-US" dirty="0"/>
               <a:t>‹#›</a:t>
             </a:fld>
@@ -5260,7 +5270,7 @@
     </p:spTree>
     <p:extLst>
       <p:ext uri="{BB962C8B-B14F-4D97-AF65-F5344CB8AC3E}">
-        <p14:creationId xmlns:p14="http://schemas.microsoft.com/office/powerpoint/2010/main" val="125614212"/>
+        <p14:creationId xmlns:p14="http://schemas.microsoft.com/office/powerpoint/2010/main" val="3523252912"/>
       </p:ext>
     </p:extLst>
   </p:cSld>
@@ -5292,2779 +5302,12 @@
           <a:chExt cx="0" cy="0"/>
         </a:xfrm>
       </p:grpSpPr>
-      <p:grpSp>
-        <p:nvGrpSpPr>
-          <p:cNvPr id="7" name="Group 6">
-            <a:extLst>
-              <a:ext uri="{FF2B5EF4-FFF2-40B4-BE49-F238E27FC236}">
-                <a16:creationId xmlns:a16="http://schemas.microsoft.com/office/drawing/2014/main" id="{71AFD227-869A-489C-A9B5-3F0498DF3C0C}"/>
-              </a:ext>
-            </a:extLst>
-          </p:cNvPr>
-          <p:cNvGrpSpPr/>
-          <p:nvPr/>
-        </p:nvGrpSpPr>
-        <p:grpSpPr>
-          <a:xfrm>
-            <a:off x="11096450" y="13394"/>
-            <a:ext cx="494218" cy="6814823"/>
-            <a:chOff x="11096450" y="13394"/>
-            <a:chExt cx="494218" cy="6814823"/>
-          </a:xfrm>
-          <a:solidFill>
-            <a:schemeClr val="bg2">
-              <a:lumMod val="90000"/>
-            </a:schemeClr>
-          </a:solidFill>
-        </p:grpSpPr>
-        <p:sp>
-          <p:nvSpPr>
-            <p:cNvPr id="8" name="Freeform 8">
-              <a:extLst>
-                <a:ext uri="{FF2B5EF4-FFF2-40B4-BE49-F238E27FC236}">
-                  <a16:creationId xmlns:a16="http://schemas.microsoft.com/office/drawing/2014/main" id="{62704B34-199B-4964-9C78-3AB9735915AA}"/>
-                </a:ext>
-              </a:extLst>
-            </p:cNvPr>
-            <p:cNvSpPr/>
-            <p:nvPr/>
-          </p:nvSpPr>
-          <p:spPr bwMode="auto">
-            <a:xfrm rot="5400000">
-              <a:off x="11108009" y="6718576"/>
-              <a:ext cx="131153" cy="88130"/>
-            </a:xfrm>
-            <a:custGeom>
-              <a:avLst/>
-              <a:gdLst/>
-              <a:ahLst/>
-              <a:cxnLst/>
-              <a:rect l="0" t="0" r="r" b="b"/>
-              <a:pathLst>
-                <a:path w="40" h="29">
-                  <a:moveTo>
-                    <a:pt x="26" y="0"/>
-                  </a:moveTo>
-                  <a:cubicBezTo>
-                    <a:pt x="34" y="0"/>
-                    <a:pt x="40" y="10"/>
-                    <a:pt x="39" y="20"/>
-                  </a:cubicBezTo>
-                  <a:cubicBezTo>
-                    <a:pt x="17" y="29"/>
-                    <a:pt x="0" y="10"/>
-                    <a:pt x="26" y="0"/>
-                  </a:cubicBezTo>
-                  <a:close/>
-                </a:path>
-              </a:pathLst>
-            </a:custGeom>
-            <a:grpFill/>
-            <a:ln>
-              <a:noFill/>
-            </a:ln>
-          </p:spPr>
-        </p:sp>
-        <p:sp>
-          <p:nvSpPr>
-            <p:cNvPr id="9" name="Freeform 10">
-              <a:extLst>
-                <a:ext uri="{FF2B5EF4-FFF2-40B4-BE49-F238E27FC236}">
-                  <a16:creationId xmlns:a16="http://schemas.microsoft.com/office/drawing/2014/main" id="{8B1E8DB8-017D-454E-849F-EE5742849FD4}"/>
-                </a:ext>
-              </a:extLst>
-            </p:cNvPr>
-            <p:cNvSpPr/>
-            <p:nvPr/>
-          </p:nvSpPr>
-          <p:spPr bwMode="auto">
-            <a:xfrm rot="5400000">
-              <a:off x="11475034" y="77813"/>
-              <a:ext cx="138242" cy="88130"/>
-            </a:xfrm>
-            <a:custGeom>
-              <a:avLst/>
-              <a:gdLst/>
-              <a:ahLst/>
-              <a:cxnLst/>
-              <a:rect l="0" t="0" r="r" b="b"/>
-              <a:pathLst>
-                <a:path w="42" h="29">
-                  <a:moveTo>
-                    <a:pt x="22" y="0"/>
-                  </a:moveTo>
-                  <a:cubicBezTo>
-                    <a:pt x="42" y="7"/>
-                    <a:pt x="28" y="29"/>
-                    <a:pt x="14" y="25"/>
-                  </a:cubicBezTo>
-                  <a:cubicBezTo>
-                    <a:pt x="0" y="18"/>
-                    <a:pt x="8" y="1"/>
-                    <a:pt x="22" y="0"/>
-                  </a:cubicBezTo>
-                  <a:close/>
-                </a:path>
-              </a:pathLst>
-            </a:custGeom>
-            <a:grpFill/>
-            <a:ln>
-              <a:noFill/>
-            </a:ln>
-          </p:spPr>
-        </p:sp>
-        <p:sp>
-          <p:nvSpPr>
-            <p:cNvPr id="10" name="Freeform 15">
-              <a:extLst>
-                <a:ext uri="{FF2B5EF4-FFF2-40B4-BE49-F238E27FC236}">
-                  <a16:creationId xmlns:a16="http://schemas.microsoft.com/office/drawing/2014/main" id="{16D80E5D-5099-41C4-A80A-1B1538C382FC}"/>
-                </a:ext>
-              </a:extLst>
-            </p:cNvPr>
-            <p:cNvSpPr/>
-            <p:nvPr/>
-          </p:nvSpPr>
-          <p:spPr bwMode="auto">
-            <a:xfrm rot="5400000">
-              <a:off x="11478964" y="592010"/>
-              <a:ext cx="121406" cy="72626"/>
-            </a:xfrm>
-            <a:custGeom>
-              <a:avLst/>
-              <a:gdLst/>
-              <a:ahLst/>
-              <a:cxnLst/>
-              <a:rect l="0" t="0" r="r" b="b"/>
-              <a:pathLst>
-                <a:path w="37" h="24">
-                  <a:moveTo>
-                    <a:pt x="16" y="0"/>
-                  </a:moveTo>
-                  <a:cubicBezTo>
-                    <a:pt x="37" y="6"/>
-                    <a:pt x="30" y="20"/>
-                    <a:pt x="11" y="24"/>
-                  </a:cubicBezTo>
-                  <a:cubicBezTo>
-                    <a:pt x="0" y="17"/>
-                    <a:pt x="5" y="3"/>
-                    <a:pt x="16" y="0"/>
-                  </a:cubicBezTo>
-                  <a:close/>
-                </a:path>
-              </a:pathLst>
-            </a:custGeom>
-            <a:grpFill/>
-            <a:ln>
-              <a:noFill/>
-            </a:ln>
-          </p:spPr>
-        </p:sp>
-        <p:sp>
-          <p:nvSpPr>
-            <p:cNvPr id="11" name="Freeform 18">
-              <a:extLst>
-                <a:ext uri="{FF2B5EF4-FFF2-40B4-BE49-F238E27FC236}">
-                  <a16:creationId xmlns:a16="http://schemas.microsoft.com/office/drawing/2014/main" id="{947751E1-E2F4-467E-B547-3BD4BAB7F560}"/>
-                </a:ext>
-              </a:extLst>
-            </p:cNvPr>
-            <p:cNvSpPr/>
-            <p:nvPr/>
-          </p:nvSpPr>
-          <p:spPr bwMode="auto">
-            <a:xfrm rot="5400000">
-              <a:off x="11482378" y="335267"/>
-              <a:ext cx="138242" cy="78339"/>
-            </a:xfrm>
-            <a:custGeom>
-              <a:avLst/>
-              <a:gdLst/>
-              <a:ahLst/>
-              <a:cxnLst/>
-              <a:rect l="0" t="0" r="r" b="b"/>
-              <a:pathLst>
-                <a:path w="42" h="26">
-                  <a:moveTo>
-                    <a:pt x="6" y="6"/>
-                  </a:moveTo>
-                  <a:cubicBezTo>
-                    <a:pt x="25" y="0"/>
-                    <a:pt x="42" y="17"/>
-                    <a:pt x="21" y="26"/>
-                  </a:cubicBezTo>
-                  <a:cubicBezTo>
-                    <a:pt x="9" y="26"/>
-                    <a:pt x="0" y="16"/>
-                    <a:pt x="6" y="6"/>
-                  </a:cubicBezTo>
-                  <a:close/>
-                </a:path>
-              </a:pathLst>
-            </a:custGeom>
-            <a:grpFill/>
-            <a:ln>
-              <a:noFill/>
-            </a:ln>
-          </p:spPr>
-        </p:sp>
-        <p:sp>
-          <p:nvSpPr>
-            <p:cNvPr id="12" name="Freeform 19">
-              <a:extLst>
-                <a:ext uri="{FF2B5EF4-FFF2-40B4-BE49-F238E27FC236}">
-                  <a16:creationId xmlns:a16="http://schemas.microsoft.com/office/drawing/2014/main" id="{55D8869B-B701-4268-9856-876345C8AE3F}"/>
-                </a:ext>
-              </a:extLst>
-            </p:cNvPr>
-            <p:cNvSpPr/>
-            <p:nvPr/>
-          </p:nvSpPr>
-          <p:spPr bwMode="auto">
-            <a:xfrm rot="5400000">
-              <a:off x="11407714" y="2021691"/>
-              <a:ext cx="124951" cy="69362"/>
-            </a:xfrm>
-            <a:custGeom>
-              <a:avLst/>
-              <a:gdLst/>
-              <a:ahLst/>
-              <a:cxnLst/>
-              <a:rect l="0" t="0" r="r" b="b"/>
-              <a:pathLst>
-                <a:path w="38" h="23">
-                  <a:moveTo>
-                    <a:pt x="16" y="0"/>
-                  </a:moveTo>
-                  <a:cubicBezTo>
-                    <a:pt x="38" y="8"/>
-                    <a:pt x="31" y="18"/>
-                    <a:pt x="10" y="23"/>
-                  </a:cubicBezTo>
-                  <a:cubicBezTo>
-                    <a:pt x="0" y="16"/>
-                    <a:pt x="4" y="3"/>
-                    <a:pt x="16" y="0"/>
-                  </a:cubicBezTo>
-                  <a:close/>
-                </a:path>
-              </a:pathLst>
-            </a:custGeom>
-            <a:grpFill/>
-            <a:ln>
-              <a:noFill/>
-            </a:ln>
-          </p:spPr>
-        </p:sp>
-        <p:sp>
-          <p:nvSpPr>
-            <p:cNvPr id="13" name="Freeform 20">
-              <a:extLst>
-                <a:ext uri="{FF2B5EF4-FFF2-40B4-BE49-F238E27FC236}">
-                  <a16:creationId xmlns:a16="http://schemas.microsoft.com/office/drawing/2014/main" id="{A25CA59C-849F-4CE4-A9B0-293F98DE2C7C}"/>
-                </a:ext>
-              </a:extLst>
-            </p:cNvPr>
-            <p:cNvSpPr/>
-            <p:nvPr/>
-          </p:nvSpPr>
-          <p:spPr bwMode="auto">
-            <a:xfrm rot="5400000">
-              <a:off x="11414629" y="2272420"/>
-              <a:ext cx="128495" cy="78339"/>
-            </a:xfrm>
-            <a:custGeom>
-              <a:avLst/>
-              <a:gdLst/>
-              <a:ahLst/>
-              <a:cxnLst/>
-              <a:rect l="0" t="0" r="r" b="b"/>
-              <a:pathLst>
-                <a:path w="39" h="26">
-                  <a:moveTo>
-                    <a:pt x="24" y="0"/>
-                  </a:moveTo>
-                  <a:cubicBezTo>
-                    <a:pt x="39" y="3"/>
-                    <a:pt x="36" y="26"/>
-                    <a:pt x="20" y="26"/>
-                  </a:cubicBezTo>
-                  <a:cubicBezTo>
-                    <a:pt x="0" y="18"/>
-                    <a:pt x="3" y="3"/>
-                    <a:pt x="24" y="0"/>
-                  </a:cubicBezTo>
-                  <a:close/>
-                </a:path>
-              </a:pathLst>
-            </a:custGeom>
-            <a:grpFill/>
-            <a:ln>
-              <a:noFill/>
-            </a:ln>
-          </p:spPr>
-        </p:sp>
-        <p:sp>
-          <p:nvSpPr>
-            <p:cNvPr id="14" name="Freeform 22">
-              <a:extLst>
-                <a:ext uri="{FF2B5EF4-FFF2-40B4-BE49-F238E27FC236}">
-                  <a16:creationId xmlns:a16="http://schemas.microsoft.com/office/drawing/2014/main" id="{FE000DB1-AAA1-4BFF-8F14-53624C2F9E0B}"/>
-                </a:ext>
-              </a:extLst>
-            </p:cNvPr>
-            <p:cNvSpPr/>
-            <p:nvPr/>
-          </p:nvSpPr>
-          <p:spPr bwMode="auto">
-            <a:xfrm rot="5400000">
-              <a:off x="11426398" y="1049544"/>
-              <a:ext cx="150648" cy="99554"/>
-            </a:xfrm>
-            <a:custGeom>
-              <a:avLst/>
-              <a:gdLst/>
-              <a:ahLst/>
-              <a:cxnLst/>
-              <a:rect l="0" t="0" r="r" b="b"/>
-              <a:pathLst>
-                <a:path w="46" h="33">
-                  <a:moveTo>
-                    <a:pt x="26" y="0"/>
-                  </a:moveTo>
-                  <a:cubicBezTo>
-                    <a:pt x="29" y="0"/>
-                    <a:pt x="46" y="16"/>
-                    <a:pt x="38" y="22"/>
-                  </a:cubicBezTo>
-                  <a:cubicBezTo>
-                    <a:pt x="16" y="33"/>
-                    <a:pt x="0" y="5"/>
-                    <a:pt x="26" y="0"/>
-                  </a:cubicBezTo>
-                  <a:close/>
-                </a:path>
-              </a:pathLst>
-            </a:custGeom>
-            <a:grpFill/>
-            <a:ln>
-              <a:noFill/>
-            </a:ln>
-          </p:spPr>
-        </p:sp>
-        <p:sp>
-          <p:nvSpPr>
-            <p:cNvPr id="15" name="Freeform 23">
-              <a:extLst>
-                <a:ext uri="{FF2B5EF4-FFF2-40B4-BE49-F238E27FC236}">
-                  <a16:creationId xmlns:a16="http://schemas.microsoft.com/office/drawing/2014/main" id="{5EEFBC14-7E5B-47B2-B5E3-E90991F89191}"/>
-                </a:ext>
-              </a:extLst>
-            </p:cNvPr>
-            <p:cNvSpPr/>
-            <p:nvPr/>
-          </p:nvSpPr>
-          <p:spPr bwMode="auto">
-            <a:xfrm rot="5400000">
-              <a:off x="11440085" y="836978"/>
-              <a:ext cx="134697" cy="81603"/>
-            </a:xfrm>
-            <a:custGeom>
-              <a:avLst/>
-              <a:gdLst/>
-              <a:ahLst/>
-              <a:cxnLst/>
-              <a:rect l="0" t="0" r="r" b="b"/>
-              <a:pathLst>
-                <a:path w="41" h="27">
-                  <a:moveTo>
-                    <a:pt x="19" y="0"/>
-                  </a:moveTo>
-                  <a:cubicBezTo>
-                    <a:pt x="41" y="10"/>
-                    <a:pt x="28" y="27"/>
-                    <a:pt x="8" y="20"/>
-                  </a:cubicBezTo>
-                  <a:cubicBezTo>
-                    <a:pt x="0" y="8"/>
-                    <a:pt x="7" y="2"/>
-                    <a:pt x="19" y="0"/>
-                  </a:cubicBezTo>
-                  <a:close/>
-                </a:path>
-              </a:pathLst>
-            </a:custGeom>
-            <a:grpFill/>
-            <a:ln>
-              <a:noFill/>
-            </a:ln>
-          </p:spPr>
-        </p:sp>
-        <p:sp>
-          <p:nvSpPr>
-            <p:cNvPr id="16" name="Freeform 26">
-              <a:extLst>
-                <a:ext uri="{FF2B5EF4-FFF2-40B4-BE49-F238E27FC236}">
-                  <a16:creationId xmlns:a16="http://schemas.microsoft.com/office/drawing/2014/main" id="{00AFF6E4-A34A-4FD3-8C57-BB96114822D1}"/>
-                </a:ext>
-              </a:extLst>
-            </p:cNvPr>
-            <p:cNvSpPr/>
-            <p:nvPr/>
-          </p:nvSpPr>
-          <p:spPr bwMode="auto">
-            <a:xfrm rot="5400000">
-              <a:off x="11427309" y="1320685"/>
-              <a:ext cx="127608" cy="78339"/>
-            </a:xfrm>
-            <a:custGeom>
-              <a:avLst/>
-              <a:gdLst/>
-              <a:ahLst/>
-              <a:cxnLst/>
-              <a:rect l="0" t="0" r="r" b="b"/>
-              <a:pathLst>
-                <a:path w="39" h="26">
-                  <a:moveTo>
-                    <a:pt x="24" y="0"/>
-                  </a:moveTo>
-                  <a:cubicBezTo>
-                    <a:pt x="39" y="2"/>
-                    <a:pt x="36" y="26"/>
-                    <a:pt x="20" y="25"/>
-                  </a:cubicBezTo>
-                  <a:cubicBezTo>
-                    <a:pt x="0" y="18"/>
-                    <a:pt x="3" y="3"/>
-                    <a:pt x="24" y="0"/>
-                  </a:cubicBezTo>
-                  <a:close/>
-                </a:path>
-              </a:pathLst>
-            </a:custGeom>
-            <a:grpFill/>
-            <a:ln>
-              <a:noFill/>
-            </a:ln>
-          </p:spPr>
-        </p:sp>
-        <p:sp>
-          <p:nvSpPr>
-            <p:cNvPr id="17" name="Freeform 27">
-              <a:extLst>
-                <a:ext uri="{FF2B5EF4-FFF2-40B4-BE49-F238E27FC236}">
-                  <a16:creationId xmlns:a16="http://schemas.microsoft.com/office/drawing/2014/main" id="{C63A8474-C075-4441-A0B3-52286EA50093}"/>
-                </a:ext>
-              </a:extLst>
-            </p:cNvPr>
-            <p:cNvSpPr/>
-            <p:nvPr/>
-          </p:nvSpPr>
-          <p:spPr bwMode="auto">
-            <a:xfrm rot="5400000">
-              <a:off x="11407470" y="1778440"/>
-              <a:ext cx="131153" cy="93843"/>
-            </a:xfrm>
-            <a:custGeom>
-              <a:avLst/>
-              <a:gdLst/>
-              <a:ahLst/>
-              <a:cxnLst/>
-              <a:rect l="0" t="0" r="r" b="b"/>
-              <a:pathLst>
-                <a:path w="40" h="31">
-                  <a:moveTo>
-                    <a:pt x="22" y="0"/>
-                  </a:moveTo>
-                  <a:cubicBezTo>
-                    <a:pt x="39" y="3"/>
-                    <a:pt x="40" y="31"/>
-                    <a:pt x="16" y="25"/>
-                  </a:cubicBezTo>
-                  <a:cubicBezTo>
-                    <a:pt x="0" y="7"/>
-                    <a:pt x="13" y="4"/>
-                    <a:pt x="22" y="0"/>
-                  </a:cubicBezTo>
-                  <a:close/>
-                </a:path>
-              </a:pathLst>
-            </a:custGeom>
-            <a:grpFill/>
-            <a:ln>
-              <a:noFill/>
-            </a:ln>
-          </p:spPr>
-        </p:sp>
-        <p:sp>
-          <p:nvSpPr>
-            <p:cNvPr id="18" name="Freeform 28">
-              <a:extLst>
-                <a:ext uri="{FF2B5EF4-FFF2-40B4-BE49-F238E27FC236}">
-                  <a16:creationId xmlns:a16="http://schemas.microsoft.com/office/drawing/2014/main" id="{35DA4698-A2ED-4512-8887-F12D3F14372A}"/>
-                </a:ext>
-              </a:extLst>
-            </p:cNvPr>
-            <p:cNvSpPr/>
-            <p:nvPr/>
-          </p:nvSpPr>
-          <p:spPr bwMode="auto">
-            <a:xfrm rot="5400000">
-              <a:off x="11404869" y="1535195"/>
-              <a:ext cx="127608" cy="69362"/>
-            </a:xfrm>
-            <a:custGeom>
-              <a:avLst/>
-              <a:gdLst/>
-              <a:ahLst/>
-              <a:cxnLst/>
-              <a:rect l="0" t="0" r="r" b="b"/>
-              <a:pathLst>
-                <a:path w="39" h="23">
-                  <a:moveTo>
-                    <a:pt x="16" y="0"/>
-                  </a:moveTo>
-                  <a:cubicBezTo>
-                    <a:pt x="39" y="7"/>
-                    <a:pt x="31" y="17"/>
-                    <a:pt x="11" y="23"/>
-                  </a:cubicBezTo>
-                  <a:cubicBezTo>
-                    <a:pt x="0" y="16"/>
-                    <a:pt x="4" y="2"/>
-                    <a:pt x="16" y="0"/>
-                  </a:cubicBezTo>
-                  <a:close/>
-                </a:path>
-              </a:pathLst>
-            </a:custGeom>
-            <a:grpFill/>
-            <a:ln>
-              <a:noFill/>
-            </a:ln>
-          </p:spPr>
-        </p:sp>
-        <p:sp>
-          <p:nvSpPr>
-            <p:cNvPr id="19" name="Freeform 30">
-              <a:extLst>
-                <a:ext uri="{FF2B5EF4-FFF2-40B4-BE49-F238E27FC236}">
-                  <a16:creationId xmlns:a16="http://schemas.microsoft.com/office/drawing/2014/main" id="{3358E118-D590-4E50-B21C-6CDAA1CCAFCB}"/>
-                </a:ext>
-              </a:extLst>
-            </p:cNvPr>
-            <p:cNvSpPr/>
-            <p:nvPr/>
-          </p:nvSpPr>
-          <p:spPr bwMode="auto">
-            <a:xfrm rot="5400000">
-              <a:off x="11480119" y="1078297"/>
-              <a:ext cx="9748" cy="5712"/>
-            </a:xfrm>
-            <a:custGeom>
-              <a:avLst/>
-              <a:gdLst/>
-              <a:ahLst/>
-              <a:cxnLst/>
-              <a:rect l="0" t="0" r="r" b="b"/>
-              <a:pathLst>
-                <a:path w="3" h="2">
-                  <a:moveTo>
-                    <a:pt x="1" y="0"/>
-                  </a:moveTo>
-                  <a:cubicBezTo>
-                    <a:pt x="2" y="1"/>
-                    <a:pt x="3" y="2"/>
-                    <a:pt x="2" y="2"/>
-                  </a:cubicBezTo>
-                  <a:cubicBezTo>
-                    <a:pt x="1" y="2"/>
-                    <a:pt x="0" y="1"/>
-                    <a:pt x="1" y="0"/>
-                  </a:cubicBezTo>
-                  <a:close/>
-                </a:path>
-              </a:pathLst>
-            </a:custGeom>
-            <a:grpFill/>
-            <a:ln>
-              <a:noFill/>
-            </a:ln>
-          </p:spPr>
-        </p:sp>
-        <p:sp>
-          <p:nvSpPr>
-            <p:cNvPr id="20" name="Freeform 43">
-              <a:extLst>
-                <a:ext uri="{FF2B5EF4-FFF2-40B4-BE49-F238E27FC236}">
-                  <a16:creationId xmlns:a16="http://schemas.microsoft.com/office/drawing/2014/main" id="{F1EE889E-60FF-423F-ADCB-6CBEE853A040}"/>
-                </a:ext>
-              </a:extLst>
-            </p:cNvPr>
-            <p:cNvSpPr/>
-            <p:nvPr/>
-          </p:nvSpPr>
-          <p:spPr bwMode="auto">
-            <a:xfrm rot="5400000">
-              <a:off x="11194111" y="860614"/>
-              <a:ext cx="143559" cy="75075"/>
-            </a:xfrm>
-            <a:custGeom>
-              <a:avLst/>
-              <a:gdLst/>
-              <a:ahLst/>
-              <a:cxnLst/>
-              <a:rect l="0" t="0" r="r" b="b"/>
-              <a:pathLst>
-                <a:path w="44" h="25">
-                  <a:moveTo>
-                    <a:pt x="28" y="0"/>
-                  </a:moveTo>
-                  <a:cubicBezTo>
-                    <a:pt x="44" y="2"/>
-                    <a:pt x="38" y="22"/>
-                    <a:pt x="25" y="25"/>
-                  </a:cubicBezTo>
-                  <a:cubicBezTo>
-                    <a:pt x="0" y="25"/>
-                    <a:pt x="9" y="5"/>
-                    <a:pt x="28" y="0"/>
-                  </a:cubicBezTo>
-                  <a:close/>
-                </a:path>
-              </a:pathLst>
-            </a:custGeom>
-            <a:grpFill/>
-            <a:ln>
-              <a:noFill/>
-            </a:ln>
-          </p:spPr>
-        </p:sp>
-        <p:sp>
-          <p:nvSpPr>
-            <p:cNvPr id="21" name="Freeform 51">
-              <a:extLst>
-                <a:ext uri="{FF2B5EF4-FFF2-40B4-BE49-F238E27FC236}">
-                  <a16:creationId xmlns:a16="http://schemas.microsoft.com/office/drawing/2014/main" id="{A4AA0634-0A7C-4A35-8EB7-775200F129FD}"/>
-                </a:ext>
-              </a:extLst>
-            </p:cNvPr>
-            <p:cNvSpPr/>
-            <p:nvPr/>
-          </p:nvSpPr>
-          <p:spPr bwMode="auto">
-            <a:xfrm rot="5400000">
-              <a:off x="11167080" y="1015030"/>
-              <a:ext cx="115202" cy="90579"/>
-            </a:xfrm>
-            <a:custGeom>
-              <a:avLst/>
-              <a:gdLst/>
-              <a:ahLst/>
-              <a:cxnLst/>
-              <a:rect l="0" t="0" r="r" b="b"/>
-              <a:pathLst>
-                <a:path w="35" h="30">
-                  <a:moveTo>
-                    <a:pt x="19" y="0"/>
-                  </a:moveTo>
-                  <a:cubicBezTo>
-                    <a:pt x="26" y="0"/>
-                    <a:pt x="35" y="8"/>
-                    <a:pt x="33" y="15"/>
-                  </a:cubicBezTo>
-                  <a:cubicBezTo>
-                    <a:pt x="30" y="12"/>
-                    <a:pt x="27" y="17"/>
-                    <a:pt x="25" y="19"/>
-                  </a:cubicBezTo>
-                  <a:cubicBezTo>
-                    <a:pt x="7" y="30"/>
-                    <a:pt x="0" y="5"/>
-                    <a:pt x="19" y="0"/>
-                  </a:cubicBezTo>
-                  <a:close/>
-                </a:path>
-              </a:pathLst>
-            </a:custGeom>
-            <a:grpFill/>
-            <a:ln>
-              <a:noFill/>
-            </a:ln>
-          </p:spPr>
-        </p:sp>
-        <p:sp>
-          <p:nvSpPr>
-            <p:cNvPr id="22" name="Freeform 52">
-              <a:extLst>
-                <a:ext uri="{FF2B5EF4-FFF2-40B4-BE49-F238E27FC236}">
-                  <a16:creationId xmlns:a16="http://schemas.microsoft.com/office/drawing/2014/main" id="{EBA21558-CAC3-445C-8882-5D4A0C6D2A0E}"/>
-                </a:ext>
-              </a:extLst>
-            </p:cNvPr>
-            <p:cNvSpPr/>
-            <p:nvPr/>
-          </p:nvSpPr>
-          <p:spPr bwMode="auto">
-            <a:xfrm rot="5400000">
-              <a:off x="11164085" y="450599"/>
-              <a:ext cx="118747" cy="81603"/>
-            </a:xfrm>
-            <a:custGeom>
-              <a:avLst/>
-              <a:gdLst/>
-              <a:ahLst/>
-              <a:cxnLst/>
-              <a:rect l="0" t="0" r="r" b="b"/>
-              <a:pathLst>
-                <a:path w="36" h="27">
-                  <a:moveTo>
-                    <a:pt x="21" y="0"/>
-                  </a:moveTo>
-                  <a:cubicBezTo>
-                    <a:pt x="33" y="3"/>
-                    <a:pt x="36" y="23"/>
-                    <a:pt x="22" y="27"/>
-                  </a:cubicBezTo>
-                  <a:cubicBezTo>
-                    <a:pt x="3" y="25"/>
-                    <a:pt x="0" y="1"/>
-                    <a:pt x="21" y="0"/>
-                  </a:cubicBezTo>
-                  <a:close/>
-                </a:path>
-              </a:pathLst>
-            </a:custGeom>
-            <a:grpFill/>
-            <a:ln>
-              <a:noFill/>
-            </a:ln>
-          </p:spPr>
-        </p:sp>
-        <p:sp>
-          <p:nvSpPr>
-            <p:cNvPr id="23" name="Freeform 53">
-              <a:extLst>
-                <a:ext uri="{FF2B5EF4-FFF2-40B4-BE49-F238E27FC236}">
-                  <a16:creationId xmlns:a16="http://schemas.microsoft.com/office/drawing/2014/main" id="{2E9415F1-5D31-4C25-9E26-203EEF500877}"/>
-                </a:ext>
-              </a:extLst>
-            </p:cNvPr>
-            <p:cNvSpPr/>
-            <p:nvPr/>
-          </p:nvSpPr>
-          <p:spPr bwMode="auto">
-            <a:xfrm rot="5400000">
-              <a:off x="11155166" y="1253803"/>
-              <a:ext cx="127608" cy="79154"/>
-            </a:xfrm>
-            <a:custGeom>
-              <a:avLst/>
-              <a:gdLst/>
-              <a:ahLst/>
-              <a:cxnLst/>
-              <a:rect l="0" t="0" r="r" b="b"/>
-              <a:pathLst>
-                <a:path w="39" h="26">
-                  <a:moveTo>
-                    <a:pt x="24" y="0"/>
-                  </a:moveTo>
-                  <a:cubicBezTo>
-                    <a:pt x="39" y="3"/>
-                    <a:pt x="36" y="26"/>
-                    <a:pt x="20" y="26"/>
-                  </a:cubicBezTo>
-                  <a:cubicBezTo>
-                    <a:pt x="0" y="18"/>
-                    <a:pt x="3" y="3"/>
-                    <a:pt x="24" y="0"/>
-                  </a:cubicBezTo>
-                  <a:close/>
-                </a:path>
-              </a:pathLst>
-            </a:custGeom>
-            <a:grpFill/>
-            <a:ln>
-              <a:noFill/>
-            </a:ln>
-          </p:spPr>
-        </p:sp>
-        <p:sp>
-          <p:nvSpPr>
-            <p:cNvPr id="24" name="Freeform 54">
-              <a:extLst>
-                <a:ext uri="{FF2B5EF4-FFF2-40B4-BE49-F238E27FC236}">
-                  <a16:creationId xmlns:a16="http://schemas.microsoft.com/office/drawing/2014/main" id="{622FC1F6-879A-45BA-8752-08020C39CE29}"/>
-                </a:ext>
-              </a:extLst>
-            </p:cNvPr>
-            <p:cNvSpPr/>
-            <p:nvPr/>
-          </p:nvSpPr>
-          <p:spPr bwMode="auto">
-            <a:xfrm rot="5400000">
-              <a:off x="11141013" y="614227"/>
-              <a:ext cx="134697" cy="105266"/>
-            </a:xfrm>
-            <a:custGeom>
-              <a:avLst/>
-              <a:gdLst/>
-              <a:ahLst/>
-              <a:cxnLst/>
-              <a:rect l="0" t="0" r="r" b="b"/>
-              <a:pathLst>
-                <a:path w="41" h="35">
-                  <a:moveTo>
-                    <a:pt x="28" y="2"/>
-                  </a:moveTo>
-                  <a:cubicBezTo>
-                    <a:pt x="37" y="0"/>
-                    <a:pt x="41" y="13"/>
-                    <a:pt x="40" y="21"/>
-                  </a:cubicBezTo>
-                  <a:cubicBezTo>
-                    <a:pt x="22" y="35"/>
-                    <a:pt x="0" y="10"/>
-                    <a:pt x="28" y="2"/>
-                  </a:cubicBezTo>
-                  <a:close/>
-                </a:path>
-              </a:pathLst>
-            </a:custGeom>
-            <a:grpFill/>
-            <a:ln>
-              <a:noFill/>
-            </a:ln>
-          </p:spPr>
-        </p:sp>
-        <p:sp>
-          <p:nvSpPr>
-            <p:cNvPr id="25" name="Freeform 55">
-              <a:extLst>
-                <a:ext uri="{FF2B5EF4-FFF2-40B4-BE49-F238E27FC236}">
-                  <a16:creationId xmlns:a16="http://schemas.microsoft.com/office/drawing/2014/main" id="{BA09826C-58E2-48C5-9666-333326C2CA44}"/>
-                </a:ext>
-              </a:extLst>
-            </p:cNvPr>
-            <p:cNvSpPr/>
-            <p:nvPr/>
-          </p:nvSpPr>
-          <p:spPr bwMode="auto">
-            <a:xfrm rot="5400000">
-              <a:off x="11155026" y="1463404"/>
-              <a:ext cx="131153" cy="69362"/>
-            </a:xfrm>
-            <a:custGeom>
-              <a:avLst/>
-              <a:gdLst/>
-              <a:ahLst/>
-              <a:cxnLst/>
-              <a:rect l="0" t="0" r="r" b="b"/>
-              <a:pathLst>
-                <a:path w="40" h="23">
-                  <a:moveTo>
-                    <a:pt x="24" y="0"/>
-                  </a:moveTo>
-                  <a:cubicBezTo>
-                    <a:pt x="40" y="0"/>
-                    <a:pt x="38" y="20"/>
-                    <a:pt x="25" y="23"/>
-                  </a:cubicBezTo>
-                  <a:cubicBezTo>
-                    <a:pt x="0" y="22"/>
-                    <a:pt x="6" y="3"/>
-                    <a:pt x="24" y="0"/>
-                  </a:cubicBezTo>
-                  <a:close/>
-                </a:path>
-              </a:pathLst>
-            </a:custGeom>
-            <a:grpFill/>
-            <a:ln>
-              <a:noFill/>
-            </a:ln>
-          </p:spPr>
-        </p:sp>
-        <p:sp>
-          <p:nvSpPr>
-            <p:cNvPr id="26" name="Freeform 56">
-              <a:extLst>
-                <a:ext uri="{FF2B5EF4-FFF2-40B4-BE49-F238E27FC236}">
-                  <a16:creationId xmlns:a16="http://schemas.microsoft.com/office/drawing/2014/main" id="{A6D3555F-4EA1-4EA7-9D08-2D75CE51927B}"/>
-                </a:ext>
-              </a:extLst>
-            </p:cNvPr>
-            <p:cNvSpPr/>
-            <p:nvPr/>
-          </p:nvSpPr>
-          <p:spPr bwMode="auto">
-            <a:xfrm rot="5400000">
-              <a:off x="11101585" y="2335317"/>
-              <a:ext cx="128495" cy="72626"/>
-            </a:xfrm>
-            <a:custGeom>
-              <a:avLst/>
-              <a:gdLst/>
-              <a:ahLst/>
-              <a:cxnLst/>
-              <a:rect l="0" t="0" r="r" b="b"/>
-              <a:pathLst>
-                <a:path w="39" h="24">
-                  <a:moveTo>
-                    <a:pt x="21" y="0"/>
-                  </a:moveTo>
-                  <a:cubicBezTo>
-                    <a:pt x="37" y="0"/>
-                    <a:pt x="39" y="23"/>
-                    <a:pt x="22" y="24"/>
-                  </a:cubicBezTo>
-                  <a:cubicBezTo>
-                    <a:pt x="7" y="22"/>
-                    <a:pt x="0" y="5"/>
-                    <a:pt x="21" y="0"/>
-                  </a:cubicBezTo>
-                  <a:close/>
-                </a:path>
-              </a:pathLst>
-            </a:custGeom>
-            <a:grpFill/>
-            <a:ln>
-              <a:noFill/>
-            </a:ln>
-          </p:spPr>
-        </p:sp>
-        <p:sp>
-          <p:nvSpPr>
-            <p:cNvPr id="27" name="Freeform 57">
-              <a:extLst>
-                <a:ext uri="{FF2B5EF4-FFF2-40B4-BE49-F238E27FC236}">
-                  <a16:creationId xmlns:a16="http://schemas.microsoft.com/office/drawing/2014/main" id="{60FA20E8-EDAA-4310-B870-97807901AC18}"/>
-                </a:ext>
-              </a:extLst>
-            </p:cNvPr>
-            <p:cNvSpPr/>
-            <p:nvPr/>
-          </p:nvSpPr>
-          <p:spPr bwMode="auto">
-            <a:xfrm rot="5400000">
-              <a:off x="11141175" y="1673149"/>
-              <a:ext cx="140901" cy="93843"/>
-            </a:xfrm>
-            <a:custGeom>
-              <a:avLst/>
-              <a:gdLst/>
-              <a:ahLst/>
-              <a:cxnLst/>
-              <a:rect l="0" t="0" r="r" b="b"/>
-              <a:pathLst>
-                <a:path w="43" h="31">
-                  <a:moveTo>
-                    <a:pt x="27" y="3"/>
-                  </a:moveTo>
-                  <a:cubicBezTo>
-                    <a:pt x="35" y="0"/>
-                    <a:pt x="43" y="17"/>
-                    <a:pt x="40" y="23"/>
-                  </a:cubicBezTo>
-                  <a:cubicBezTo>
-                    <a:pt x="21" y="31"/>
-                    <a:pt x="0" y="15"/>
-                    <a:pt x="27" y="3"/>
-                  </a:cubicBezTo>
-                  <a:close/>
-                </a:path>
-              </a:pathLst>
-            </a:custGeom>
-            <a:grpFill/>
-            <a:ln>
-              <a:noFill/>
-            </a:ln>
-          </p:spPr>
-        </p:sp>
-        <p:sp>
-          <p:nvSpPr>
-            <p:cNvPr id="28" name="Freeform 59">
-              <a:extLst>
-                <a:ext uri="{FF2B5EF4-FFF2-40B4-BE49-F238E27FC236}">
-                  <a16:creationId xmlns:a16="http://schemas.microsoft.com/office/drawing/2014/main" id="{F5552AA2-C2AB-4D59-B6EF-E8E5EE110E52}"/>
-                </a:ext>
-              </a:extLst>
-            </p:cNvPr>
-            <p:cNvSpPr/>
-            <p:nvPr/>
-          </p:nvSpPr>
-          <p:spPr bwMode="auto">
-            <a:xfrm rot="5400000">
-              <a:off x="11120625" y="255502"/>
-              <a:ext cx="124063" cy="78339"/>
-            </a:xfrm>
-            <a:custGeom>
-              <a:avLst/>
-              <a:gdLst/>
-              <a:ahLst/>
-              <a:cxnLst/>
-              <a:rect l="0" t="0" r="r" b="b"/>
-              <a:pathLst>
-                <a:path w="38" h="26">
-                  <a:moveTo>
-                    <a:pt x="22" y="0"/>
-                  </a:moveTo>
-                  <a:cubicBezTo>
-                    <a:pt x="38" y="3"/>
-                    <a:pt x="33" y="25"/>
-                    <a:pt x="18" y="26"/>
-                  </a:cubicBezTo>
-                  <a:cubicBezTo>
-                    <a:pt x="0" y="20"/>
-                    <a:pt x="6" y="3"/>
-                    <a:pt x="22" y="0"/>
-                  </a:cubicBezTo>
-                  <a:close/>
-                </a:path>
-              </a:pathLst>
-            </a:custGeom>
-            <a:grpFill/>
-            <a:ln>
-              <a:noFill/>
-            </a:ln>
-          </p:spPr>
-        </p:sp>
-        <p:sp>
-          <p:nvSpPr>
-            <p:cNvPr id="29" name="Freeform 60">
-              <a:extLst>
-                <a:ext uri="{FF2B5EF4-FFF2-40B4-BE49-F238E27FC236}">
-                  <a16:creationId xmlns:a16="http://schemas.microsoft.com/office/drawing/2014/main" id="{0BA267D0-8F6B-4803-B948-70E29B4587EB}"/>
-                </a:ext>
-              </a:extLst>
-            </p:cNvPr>
-            <p:cNvSpPr/>
-            <p:nvPr/>
-          </p:nvSpPr>
-          <p:spPr bwMode="auto">
-            <a:xfrm rot="5400000">
-              <a:off x="11115856" y="1902943"/>
-              <a:ext cx="131153" cy="69362"/>
-            </a:xfrm>
-            <a:custGeom>
-              <a:avLst/>
-              <a:gdLst/>
-              <a:ahLst/>
-              <a:cxnLst/>
-              <a:rect l="0" t="0" r="r" b="b"/>
-              <a:pathLst>
-                <a:path w="40" h="23">
-                  <a:moveTo>
-                    <a:pt x="24" y="0"/>
-                  </a:moveTo>
-                  <a:cubicBezTo>
-                    <a:pt x="40" y="0"/>
-                    <a:pt x="38" y="20"/>
-                    <a:pt x="25" y="23"/>
-                  </a:cubicBezTo>
-                  <a:cubicBezTo>
-                    <a:pt x="0" y="22"/>
-                    <a:pt x="6" y="4"/>
-                    <a:pt x="24" y="0"/>
-                  </a:cubicBezTo>
-                  <a:close/>
-                </a:path>
-              </a:pathLst>
-            </a:custGeom>
-            <a:grpFill/>
-            <a:ln>
-              <a:noFill/>
-            </a:ln>
-          </p:spPr>
-        </p:sp>
-        <p:sp>
-          <p:nvSpPr>
-            <p:cNvPr id="30" name="Freeform 61">
-              <a:extLst>
-                <a:ext uri="{FF2B5EF4-FFF2-40B4-BE49-F238E27FC236}">
-                  <a16:creationId xmlns:a16="http://schemas.microsoft.com/office/drawing/2014/main" id="{86E372A3-B9F4-4FEE-8B96-D9AD879E214E}"/>
-                </a:ext>
-              </a:extLst>
-            </p:cNvPr>
-            <p:cNvSpPr/>
-            <p:nvPr/>
-          </p:nvSpPr>
-          <p:spPr bwMode="auto">
-            <a:xfrm rot="5400000">
-              <a:off x="11082153" y="2137303"/>
-              <a:ext cx="137356" cy="99554"/>
-            </a:xfrm>
-            <a:custGeom>
-              <a:avLst/>
-              <a:gdLst/>
-              <a:ahLst/>
-              <a:cxnLst/>
-              <a:rect l="0" t="0" r="r" b="b"/>
-              <a:pathLst>
-                <a:path w="42" h="33">
-                  <a:moveTo>
-                    <a:pt x="25" y="1"/>
-                  </a:moveTo>
-                  <a:cubicBezTo>
-                    <a:pt x="42" y="14"/>
-                    <a:pt x="15" y="33"/>
-                    <a:pt x="4" y="19"/>
-                  </a:cubicBezTo>
-                  <a:cubicBezTo>
-                    <a:pt x="0" y="5"/>
-                    <a:pt x="16" y="0"/>
-                    <a:pt x="25" y="1"/>
-                  </a:cubicBezTo>
-                  <a:close/>
-                </a:path>
-              </a:pathLst>
-            </a:custGeom>
-            <a:grpFill/>
-            <a:ln>
-              <a:noFill/>
-            </a:ln>
-          </p:spPr>
-        </p:sp>
-        <p:sp>
-          <p:nvSpPr>
-            <p:cNvPr id="31" name="Freeform 5">
-              <a:extLst>
-                <a:ext uri="{FF2B5EF4-FFF2-40B4-BE49-F238E27FC236}">
-                  <a16:creationId xmlns:a16="http://schemas.microsoft.com/office/drawing/2014/main" id="{FF0C4564-5DA6-4224-A8B7-85CE1323DE8F}"/>
-                </a:ext>
-              </a:extLst>
-            </p:cNvPr>
-            <p:cNvSpPr/>
-            <p:nvPr/>
-          </p:nvSpPr>
-          <p:spPr bwMode="auto">
-            <a:xfrm rot="5400000">
-              <a:off x="11410824" y="2818299"/>
-              <a:ext cx="121406" cy="81603"/>
-            </a:xfrm>
-            <a:custGeom>
-              <a:avLst/>
-              <a:gdLst/>
-              <a:ahLst/>
-              <a:cxnLst/>
-              <a:rect l="0" t="0" r="r" b="b"/>
-              <a:pathLst>
-                <a:path w="37" h="27">
-                  <a:moveTo>
-                    <a:pt x="20" y="1"/>
-                  </a:moveTo>
-                  <a:cubicBezTo>
-                    <a:pt x="31" y="1"/>
-                    <a:pt x="37" y="24"/>
-                    <a:pt x="22" y="27"/>
-                  </a:cubicBezTo>
-                  <a:cubicBezTo>
-                    <a:pt x="2" y="27"/>
-                    <a:pt x="0" y="0"/>
-                    <a:pt x="20" y="1"/>
-                  </a:cubicBezTo>
-                  <a:close/>
-                </a:path>
-              </a:pathLst>
-            </a:custGeom>
-            <a:grpFill/>
-            <a:ln>
-              <a:noFill/>
-            </a:ln>
-          </p:spPr>
-        </p:sp>
-        <p:sp>
-          <p:nvSpPr>
-            <p:cNvPr id="32" name="Freeform 6">
-              <a:extLst>
-                <a:ext uri="{FF2B5EF4-FFF2-40B4-BE49-F238E27FC236}">
-                  <a16:creationId xmlns:a16="http://schemas.microsoft.com/office/drawing/2014/main" id="{19F31D0D-C43D-4BB0-A13C-9524B84117D4}"/>
-                </a:ext>
-              </a:extLst>
-            </p:cNvPr>
-            <p:cNvSpPr/>
-            <p:nvPr/>
-          </p:nvSpPr>
-          <p:spPr bwMode="auto">
-            <a:xfrm rot="5400000">
-              <a:off x="11391700" y="5088176"/>
-              <a:ext cx="124063" cy="87315"/>
-            </a:xfrm>
-            <a:custGeom>
-              <a:avLst/>
-              <a:gdLst/>
-              <a:ahLst/>
-              <a:cxnLst/>
-              <a:rect l="0" t="0" r="r" b="b"/>
-              <a:pathLst>
-                <a:path w="38" h="29">
-                  <a:moveTo>
-                    <a:pt x="12" y="3"/>
-                  </a:moveTo>
-                  <a:cubicBezTo>
-                    <a:pt x="34" y="0"/>
-                    <a:pt x="38" y="26"/>
-                    <a:pt x="15" y="29"/>
-                  </a:cubicBezTo>
-                  <a:cubicBezTo>
-                    <a:pt x="4" y="23"/>
-                    <a:pt x="0" y="9"/>
-                    <a:pt x="12" y="3"/>
-                  </a:cubicBezTo>
-                  <a:close/>
-                </a:path>
-              </a:pathLst>
-            </a:custGeom>
-            <a:grpFill/>
-            <a:ln>
-              <a:noFill/>
-            </a:ln>
-          </p:spPr>
-        </p:sp>
-        <p:sp>
-          <p:nvSpPr>
-            <p:cNvPr id="33" name="Freeform 7">
-              <a:extLst>
-                <a:ext uri="{FF2B5EF4-FFF2-40B4-BE49-F238E27FC236}">
-                  <a16:creationId xmlns:a16="http://schemas.microsoft.com/office/drawing/2014/main" id="{6B32FB03-B0FE-4731-BE41-C59AFB49FBF5}"/>
-                </a:ext>
-              </a:extLst>
-            </p:cNvPr>
-            <p:cNvSpPr/>
-            <p:nvPr/>
-          </p:nvSpPr>
-          <p:spPr bwMode="auto">
-            <a:xfrm rot="5400000">
-              <a:off x="11371127" y="2531128"/>
-              <a:ext cx="138242" cy="100371"/>
-            </a:xfrm>
-            <a:custGeom>
-              <a:avLst/>
-              <a:gdLst/>
-              <a:ahLst/>
-              <a:cxnLst/>
-              <a:rect l="0" t="0" r="r" b="b"/>
-              <a:pathLst>
-                <a:path w="42" h="33">
-                  <a:moveTo>
-                    <a:pt x="25" y="1"/>
-                  </a:moveTo>
-                  <a:cubicBezTo>
-                    <a:pt x="42" y="14"/>
-                    <a:pt x="15" y="33"/>
-                    <a:pt x="4" y="19"/>
-                  </a:cubicBezTo>
-                  <a:cubicBezTo>
-                    <a:pt x="0" y="6"/>
-                    <a:pt x="15" y="0"/>
-                    <a:pt x="25" y="1"/>
-                  </a:cubicBezTo>
-                  <a:close/>
-                </a:path>
-              </a:pathLst>
-            </a:custGeom>
-            <a:grpFill/>
-            <a:ln>
-              <a:noFill/>
-            </a:ln>
-          </p:spPr>
-        </p:sp>
-        <p:sp>
-          <p:nvSpPr>
-            <p:cNvPr id="34" name="Freeform 8">
-              <a:extLst>
-                <a:ext uri="{FF2B5EF4-FFF2-40B4-BE49-F238E27FC236}">
-                  <a16:creationId xmlns:a16="http://schemas.microsoft.com/office/drawing/2014/main" id="{BDD5B6F0-1E17-4DCD-AE5F-ED8C48892FEF}"/>
-                </a:ext>
-              </a:extLst>
-            </p:cNvPr>
-            <p:cNvSpPr/>
-            <p:nvPr/>
-          </p:nvSpPr>
-          <p:spPr bwMode="auto">
-            <a:xfrm rot="5400000">
-              <a:off x="11401349" y="4735882"/>
-              <a:ext cx="131153" cy="88130"/>
-            </a:xfrm>
-            <a:custGeom>
-              <a:avLst/>
-              <a:gdLst/>
-              <a:ahLst/>
-              <a:cxnLst/>
-              <a:rect l="0" t="0" r="r" b="b"/>
-              <a:pathLst>
-                <a:path w="40" h="29">
-                  <a:moveTo>
-                    <a:pt x="26" y="0"/>
-                  </a:moveTo>
-                  <a:cubicBezTo>
-                    <a:pt x="34" y="0"/>
-                    <a:pt x="40" y="10"/>
-                    <a:pt x="39" y="20"/>
-                  </a:cubicBezTo>
-                  <a:cubicBezTo>
-                    <a:pt x="17" y="29"/>
-                    <a:pt x="0" y="10"/>
-                    <a:pt x="26" y="0"/>
-                  </a:cubicBezTo>
-                  <a:close/>
-                </a:path>
-              </a:pathLst>
-            </a:custGeom>
-            <a:grpFill/>
-            <a:ln>
-              <a:noFill/>
-            </a:ln>
-          </p:spPr>
-        </p:sp>
-        <p:sp>
-          <p:nvSpPr>
-            <p:cNvPr id="35" name="Freeform 9">
-              <a:extLst>
-                <a:ext uri="{FF2B5EF4-FFF2-40B4-BE49-F238E27FC236}">
-                  <a16:creationId xmlns:a16="http://schemas.microsoft.com/office/drawing/2014/main" id="{0290BE17-E89B-4AF9-B3F6-AF4884D52467}"/>
-                </a:ext>
-              </a:extLst>
-            </p:cNvPr>
-            <p:cNvSpPr/>
-            <p:nvPr/>
-          </p:nvSpPr>
-          <p:spPr bwMode="auto">
-            <a:xfrm rot="5400000">
-              <a:off x="11409487" y="4455410"/>
-              <a:ext cx="121406" cy="88130"/>
-            </a:xfrm>
-            <a:custGeom>
-              <a:avLst/>
-              <a:gdLst/>
-              <a:ahLst/>
-              <a:cxnLst/>
-              <a:rect l="0" t="0" r="r" b="b"/>
-              <a:pathLst>
-                <a:path w="37" h="29">
-                  <a:moveTo>
-                    <a:pt x="18" y="4"/>
-                  </a:moveTo>
-                  <a:cubicBezTo>
-                    <a:pt x="35" y="0"/>
-                    <a:pt x="37" y="28"/>
-                    <a:pt x="22" y="29"/>
-                  </a:cubicBezTo>
-                  <a:cubicBezTo>
-                    <a:pt x="7" y="28"/>
-                    <a:pt x="0" y="14"/>
-                    <a:pt x="18" y="4"/>
-                  </a:cubicBezTo>
-                  <a:close/>
-                </a:path>
-              </a:pathLst>
-            </a:custGeom>
-            <a:grpFill/>
-            <a:ln>
-              <a:noFill/>
-            </a:ln>
-          </p:spPr>
-        </p:sp>
-        <p:sp>
-          <p:nvSpPr>
-            <p:cNvPr id="36" name="Freeform 11">
-              <a:extLst>
-                <a:ext uri="{FF2B5EF4-FFF2-40B4-BE49-F238E27FC236}">
-                  <a16:creationId xmlns:a16="http://schemas.microsoft.com/office/drawing/2014/main" id="{85F63089-F77F-4F02-8417-AAC1847FBCA7}"/>
-                </a:ext>
-              </a:extLst>
-            </p:cNvPr>
-            <p:cNvSpPr/>
-            <p:nvPr/>
-          </p:nvSpPr>
-          <p:spPr bwMode="auto">
-            <a:xfrm rot="5400000">
-              <a:off x="11369848" y="4194178"/>
-              <a:ext cx="143559" cy="102819"/>
-            </a:xfrm>
-            <a:custGeom>
-              <a:avLst/>
-              <a:gdLst/>
-              <a:ahLst/>
-              <a:cxnLst/>
-              <a:rect l="0" t="0" r="r" b="b"/>
-              <a:pathLst>
-                <a:path w="44" h="34">
-                  <a:moveTo>
-                    <a:pt x="31" y="1"/>
-                  </a:moveTo>
-                  <a:cubicBezTo>
-                    <a:pt x="39" y="0"/>
-                    <a:pt x="44" y="12"/>
-                    <a:pt x="42" y="19"/>
-                  </a:cubicBezTo>
-                  <a:cubicBezTo>
-                    <a:pt x="25" y="34"/>
-                    <a:pt x="0" y="8"/>
-                    <a:pt x="31" y="1"/>
-                  </a:cubicBezTo>
-                  <a:close/>
-                </a:path>
-              </a:pathLst>
-            </a:custGeom>
-            <a:grpFill/>
-            <a:ln>
-              <a:noFill/>
-            </a:ln>
-          </p:spPr>
-        </p:sp>
-        <p:sp>
-          <p:nvSpPr>
-            <p:cNvPr id="37" name="Freeform 12">
-              <a:extLst>
-                <a:ext uri="{FF2B5EF4-FFF2-40B4-BE49-F238E27FC236}">
-                  <a16:creationId xmlns:a16="http://schemas.microsoft.com/office/drawing/2014/main" id="{7B01CD5E-570F-4CBF-9904-94F30D928C54}"/>
-                </a:ext>
-              </a:extLst>
-            </p:cNvPr>
-            <p:cNvSpPr/>
-            <p:nvPr/>
-          </p:nvSpPr>
-          <p:spPr bwMode="auto">
-            <a:xfrm rot="5400000">
-              <a:off x="11381624" y="3691697"/>
-              <a:ext cx="134697" cy="81603"/>
-            </a:xfrm>
-            <a:custGeom>
-              <a:avLst/>
-              <a:gdLst/>
-              <a:ahLst/>
-              <a:cxnLst/>
-              <a:rect l="0" t="0" r="r" b="b"/>
-              <a:pathLst>
-                <a:path w="41" h="27">
-                  <a:moveTo>
-                    <a:pt x="22" y="0"/>
-                  </a:moveTo>
-                  <a:cubicBezTo>
-                    <a:pt x="41" y="12"/>
-                    <a:pt x="24" y="27"/>
-                    <a:pt x="8" y="20"/>
-                  </a:cubicBezTo>
-                  <a:cubicBezTo>
-                    <a:pt x="0" y="7"/>
-                    <a:pt x="8" y="0"/>
-                    <a:pt x="22" y="0"/>
-                  </a:cubicBezTo>
-                  <a:close/>
-                </a:path>
-              </a:pathLst>
-            </a:custGeom>
-            <a:grpFill/>
-            <a:ln>
-              <a:noFill/>
-            </a:ln>
-          </p:spPr>
-        </p:sp>
-        <p:sp>
-          <p:nvSpPr>
-            <p:cNvPr id="38" name="Freeform 13">
-              <a:extLst>
-                <a:ext uri="{FF2B5EF4-FFF2-40B4-BE49-F238E27FC236}">
-                  <a16:creationId xmlns:a16="http://schemas.microsoft.com/office/drawing/2014/main" id="{7EE6A672-2915-4B03-99A9-9364D5F1521E}"/>
-                </a:ext>
-              </a:extLst>
-            </p:cNvPr>
-            <p:cNvSpPr/>
-            <p:nvPr/>
-          </p:nvSpPr>
-          <p:spPr bwMode="auto">
-            <a:xfrm rot="5400000">
-              <a:off x="11417787" y="3075050"/>
-              <a:ext cx="124951" cy="69362"/>
-            </a:xfrm>
-            <a:custGeom>
-              <a:avLst/>
-              <a:gdLst/>
-              <a:ahLst/>
-              <a:cxnLst/>
-              <a:rect l="0" t="0" r="r" b="b"/>
-              <a:pathLst>
-                <a:path w="38" h="23">
-                  <a:moveTo>
-                    <a:pt x="26" y="0"/>
-                  </a:moveTo>
-                  <a:cubicBezTo>
-                    <a:pt x="38" y="0"/>
-                    <a:pt x="37" y="20"/>
-                    <a:pt x="25" y="23"/>
-                  </a:cubicBezTo>
-                  <a:cubicBezTo>
-                    <a:pt x="0" y="23"/>
-                    <a:pt x="5" y="1"/>
-                    <a:pt x="26" y="0"/>
-                  </a:cubicBezTo>
-                  <a:close/>
-                </a:path>
-              </a:pathLst>
-            </a:custGeom>
-            <a:grpFill/>
-            <a:ln>
-              <a:noFill/>
-            </a:ln>
-          </p:spPr>
-        </p:sp>
-        <p:sp>
-          <p:nvSpPr>
-            <p:cNvPr id="39" name="Freeform 14">
-              <a:extLst>
-                <a:ext uri="{FF2B5EF4-FFF2-40B4-BE49-F238E27FC236}">
-                  <a16:creationId xmlns:a16="http://schemas.microsoft.com/office/drawing/2014/main" id="{2136B643-14E1-443A-BC1C-06ADAE65C30F}"/>
-                </a:ext>
-              </a:extLst>
-            </p:cNvPr>
-            <p:cNvSpPr/>
-            <p:nvPr/>
-          </p:nvSpPr>
-          <p:spPr bwMode="auto">
-            <a:xfrm rot="5400000">
-              <a:off x="11376729" y="3335597"/>
-              <a:ext cx="134697" cy="84866"/>
-            </a:xfrm>
-            <a:custGeom>
-              <a:avLst/>
-              <a:gdLst/>
-              <a:ahLst/>
-              <a:cxnLst/>
-              <a:rect l="0" t="0" r="r" b="b"/>
-              <a:pathLst>
-                <a:path w="41" h="28">
-                  <a:moveTo>
-                    <a:pt x="26" y="1"/>
-                  </a:moveTo>
-                  <a:cubicBezTo>
-                    <a:pt x="34" y="0"/>
-                    <a:pt x="41" y="12"/>
-                    <a:pt x="39" y="20"/>
-                  </a:cubicBezTo>
-                  <a:cubicBezTo>
-                    <a:pt x="17" y="28"/>
-                    <a:pt x="0" y="12"/>
-                    <a:pt x="26" y="1"/>
-                  </a:cubicBezTo>
-                  <a:close/>
-                </a:path>
-              </a:pathLst>
-            </a:custGeom>
-            <a:grpFill/>
-            <a:ln>
-              <a:noFill/>
-            </a:ln>
-          </p:spPr>
-        </p:sp>
-        <p:sp>
-          <p:nvSpPr>
-            <p:cNvPr id="40" name="Freeform 16">
-              <a:extLst>
-                <a:ext uri="{FF2B5EF4-FFF2-40B4-BE49-F238E27FC236}">
-                  <a16:creationId xmlns:a16="http://schemas.microsoft.com/office/drawing/2014/main" id="{867FA393-4F37-4E1A-870B-F96775FAB7E8}"/>
-                </a:ext>
-              </a:extLst>
-            </p:cNvPr>
-            <p:cNvSpPr/>
-            <p:nvPr/>
-          </p:nvSpPr>
-          <p:spPr bwMode="auto">
-            <a:xfrm rot="5400000">
-              <a:off x="11360464" y="3934729"/>
-              <a:ext cx="143559" cy="97107"/>
-            </a:xfrm>
-            <a:custGeom>
-              <a:avLst/>
-              <a:gdLst/>
-              <a:ahLst/>
-              <a:cxnLst/>
-              <a:rect l="0" t="0" r="r" b="b"/>
-              <a:pathLst>
-                <a:path w="44" h="32">
-                  <a:moveTo>
-                    <a:pt x="31" y="1"/>
-                  </a:moveTo>
-                  <a:cubicBezTo>
-                    <a:pt x="40" y="0"/>
-                    <a:pt x="44" y="8"/>
-                    <a:pt x="43" y="15"/>
-                  </a:cubicBezTo>
-                  <a:cubicBezTo>
-                    <a:pt x="29" y="32"/>
-                    <a:pt x="0" y="6"/>
-                    <a:pt x="31" y="1"/>
-                  </a:cubicBezTo>
-                  <a:close/>
-                </a:path>
-              </a:pathLst>
-            </a:custGeom>
-            <a:grpFill/>
-            <a:ln>
-              <a:noFill/>
-            </a:ln>
-          </p:spPr>
-        </p:sp>
-        <p:sp>
-          <p:nvSpPr>
-            <p:cNvPr id="41" name="Freeform 17">
-              <a:extLst>
-                <a:ext uri="{FF2B5EF4-FFF2-40B4-BE49-F238E27FC236}">
-                  <a16:creationId xmlns:a16="http://schemas.microsoft.com/office/drawing/2014/main" id="{E225A1BE-FAD2-4764-A7E4-A6DA07D0573B}"/>
-                </a:ext>
-              </a:extLst>
-            </p:cNvPr>
-            <p:cNvSpPr/>
-            <p:nvPr/>
-          </p:nvSpPr>
-          <p:spPr bwMode="auto">
-            <a:xfrm rot="5400000">
-              <a:off x="11395443" y="5347417"/>
-              <a:ext cx="94821" cy="69362"/>
-            </a:xfrm>
-            <a:custGeom>
-              <a:avLst/>
-              <a:gdLst/>
-              <a:ahLst/>
-              <a:cxnLst/>
-              <a:rect l="0" t="0" r="r" b="b"/>
-              <a:pathLst>
-                <a:path w="29" h="23">
-                  <a:moveTo>
-                    <a:pt x="13" y="0"/>
-                  </a:moveTo>
-                  <a:cubicBezTo>
-                    <a:pt x="27" y="0"/>
-                    <a:pt x="29" y="22"/>
-                    <a:pt x="13" y="23"/>
-                  </a:cubicBezTo>
-                  <a:cubicBezTo>
-                    <a:pt x="2" y="22"/>
-                    <a:pt x="0" y="2"/>
-                    <a:pt x="13" y="0"/>
-                  </a:cubicBezTo>
-                  <a:close/>
-                </a:path>
-              </a:pathLst>
-            </a:custGeom>
-            <a:grpFill/>
-            <a:ln>
-              <a:noFill/>
-            </a:ln>
-          </p:spPr>
-        </p:sp>
-        <p:sp>
-          <p:nvSpPr>
-            <p:cNvPr id="42" name="Freeform 21">
-              <a:extLst>
-                <a:ext uri="{FF2B5EF4-FFF2-40B4-BE49-F238E27FC236}">
-                  <a16:creationId xmlns:a16="http://schemas.microsoft.com/office/drawing/2014/main" id="{25D65388-C7E0-4C07-822A-03C5009C6D1E}"/>
-                </a:ext>
-              </a:extLst>
-            </p:cNvPr>
-            <p:cNvSpPr/>
-            <p:nvPr/>
-          </p:nvSpPr>
-          <p:spPr bwMode="auto">
-            <a:xfrm rot="5400000">
-              <a:off x="11343434" y="5658571"/>
-              <a:ext cx="140901" cy="102819"/>
-            </a:xfrm>
-            <a:custGeom>
-              <a:avLst/>
-              <a:gdLst/>
-              <a:ahLst/>
-              <a:cxnLst/>
-              <a:rect l="0" t="0" r="r" b="b"/>
-              <a:pathLst>
-                <a:path w="43" h="34">
-                  <a:moveTo>
-                    <a:pt x="24" y="0"/>
-                  </a:moveTo>
-                  <a:cubicBezTo>
-                    <a:pt x="43" y="3"/>
-                    <a:pt x="28" y="34"/>
-                    <a:pt x="14" y="23"/>
-                  </a:cubicBezTo>
-                  <a:cubicBezTo>
-                    <a:pt x="0" y="28"/>
-                    <a:pt x="4" y="5"/>
-                    <a:pt x="24" y="0"/>
-                  </a:cubicBezTo>
-                  <a:close/>
-                </a:path>
-              </a:pathLst>
-            </a:custGeom>
-            <a:grpFill/>
-            <a:ln>
-              <a:noFill/>
-            </a:ln>
-          </p:spPr>
-        </p:sp>
-        <p:sp>
-          <p:nvSpPr>
-            <p:cNvPr id="43" name="Freeform 25">
-              <a:extLst>
-                <a:ext uri="{FF2B5EF4-FFF2-40B4-BE49-F238E27FC236}">
-                  <a16:creationId xmlns:a16="http://schemas.microsoft.com/office/drawing/2014/main" id="{E1D79822-C494-449C-B439-F437DAD4F218}"/>
-                </a:ext>
-              </a:extLst>
-            </p:cNvPr>
-            <p:cNvSpPr/>
-            <p:nvPr/>
-          </p:nvSpPr>
-          <p:spPr bwMode="auto">
-            <a:xfrm rot="5400000">
-              <a:off x="11324095" y="6423833"/>
-              <a:ext cx="134697" cy="93843"/>
-            </a:xfrm>
-            <a:custGeom>
-              <a:avLst/>
-              <a:gdLst/>
-              <a:ahLst/>
-              <a:cxnLst/>
-              <a:rect l="0" t="0" r="r" b="b"/>
-              <a:pathLst>
-                <a:path w="41" h="31">
-                  <a:moveTo>
-                    <a:pt x="23" y="0"/>
-                  </a:moveTo>
-                  <a:cubicBezTo>
-                    <a:pt x="40" y="1"/>
-                    <a:pt x="41" y="31"/>
-                    <a:pt x="17" y="25"/>
-                  </a:cubicBezTo>
-                  <a:cubicBezTo>
-                    <a:pt x="0" y="7"/>
-                    <a:pt x="17" y="4"/>
-                    <a:pt x="23" y="0"/>
-                  </a:cubicBezTo>
-                  <a:close/>
-                </a:path>
-              </a:pathLst>
-            </a:custGeom>
-            <a:grpFill/>
-            <a:ln>
-              <a:noFill/>
-            </a:ln>
-          </p:spPr>
-        </p:sp>
-        <p:sp>
-          <p:nvSpPr>
-            <p:cNvPr id="44" name="Freeform 29">
-              <a:extLst>
-                <a:ext uri="{FF2B5EF4-FFF2-40B4-BE49-F238E27FC236}">
-                  <a16:creationId xmlns:a16="http://schemas.microsoft.com/office/drawing/2014/main" id="{CDB324E5-E8D9-40E3-BAB4-1F87E67E4F46}"/>
-                </a:ext>
-              </a:extLst>
-            </p:cNvPr>
-            <p:cNvSpPr/>
-            <p:nvPr/>
-          </p:nvSpPr>
-          <p:spPr bwMode="auto">
-            <a:xfrm rot="5400000">
-              <a:off x="11324317" y="5897278"/>
-              <a:ext cx="118747" cy="120771"/>
-            </a:xfrm>
-            <a:custGeom>
-              <a:avLst/>
-              <a:gdLst/>
-              <a:ahLst/>
-              <a:cxnLst/>
-              <a:rect l="0" t="0" r="r" b="b"/>
-              <a:pathLst>
-                <a:path w="36" h="40">
-                  <a:moveTo>
-                    <a:pt x="16" y="4"/>
-                  </a:moveTo>
-                  <a:cubicBezTo>
-                    <a:pt x="36" y="5"/>
-                    <a:pt x="33" y="0"/>
-                    <a:pt x="34" y="15"/>
-                  </a:cubicBezTo>
-                  <a:cubicBezTo>
-                    <a:pt x="34" y="40"/>
-                    <a:pt x="0" y="22"/>
-                    <a:pt x="16" y="4"/>
-                  </a:cubicBezTo>
-                  <a:close/>
-                </a:path>
-              </a:pathLst>
-            </a:custGeom>
-            <a:grpFill/>
-            <a:ln>
-              <a:noFill/>
-            </a:ln>
-          </p:spPr>
-        </p:sp>
-        <p:sp>
-          <p:nvSpPr>
-            <p:cNvPr id="45" name="Freeform 31">
-              <a:extLst>
-                <a:ext uri="{FF2B5EF4-FFF2-40B4-BE49-F238E27FC236}">
-                  <a16:creationId xmlns:a16="http://schemas.microsoft.com/office/drawing/2014/main" id="{15404AB3-12EB-462E-85A2-AF4A7E91D729}"/>
-                </a:ext>
-              </a:extLst>
-            </p:cNvPr>
-            <p:cNvSpPr/>
-            <p:nvPr/>
-          </p:nvSpPr>
-          <p:spPr bwMode="auto">
-            <a:xfrm rot="5400000">
-              <a:off x="11356013" y="6183127"/>
-              <a:ext cx="131153" cy="72626"/>
-            </a:xfrm>
-            <a:custGeom>
-              <a:avLst/>
-              <a:gdLst/>
-              <a:ahLst/>
-              <a:cxnLst/>
-              <a:rect l="0" t="0" r="r" b="b"/>
-              <a:pathLst>
-                <a:path w="40" h="24">
-                  <a:moveTo>
-                    <a:pt x="24" y="0"/>
-                  </a:moveTo>
-                  <a:cubicBezTo>
-                    <a:pt x="40" y="0"/>
-                    <a:pt x="38" y="20"/>
-                    <a:pt x="25" y="24"/>
-                  </a:cubicBezTo>
-                  <a:cubicBezTo>
-                    <a:pt x="0" y="22"/>
-                    <a:pt x="6" y="4"/>
-                    <a:pt x="24" y="0"/>
-                  </a:cubicBezTo>
-                  <a:close/>
-                </a:path>
-              </a:pathLst>
-            </a:custGeom>
-            <a:grpFill/>
-            <a:ln>
-              <a:noFill/>
-            </a:ln>
-          </p:spPr>
-        </p:sp>
-        <p:sp>
-          <p:nvSpPr>
-            <p:cNvPr id="46" name="Freeform 32">
-              <a:extLst>
-                <a:ext uri="{FF2B5EF4-FFF2-40B4-BE49-F238E27FC236}">
-                  <a16:creationId xmlns:a16="http://schemas.microsoft.com/office/drawing/2014/main" id="{228021CB-53B3-4BCC-A14C-0B6951FC971F}"/>
-                </a:ext>
-              </a:extLst>
-            </p:cNvPr>
-            <p:cNvSpPr/>
-            <p:nvPr/>
-          </p:nvSpPr>
-          <p:spPr bwMode="auto">
-            <a:xfrm rot="5400000">
-              <a:off x="11104198" y="3296179"/>
-              <a:ext cx="144445" cy="106083"/>
-            </a:xfrm>
-            <a:custGeom>
-              <a:avLst/>
-              <a:gdLst/>
-              <a:ahLst/>
-              <a:cxnLst/>
-              <a:rect l="0" t="0" r="r" b="b"/>
-              <a:pathLst>
-                <a:path w="44" h="35">
-                  <a:moveTo>
-                    <a:pt x="28" y="0"/>
-                  </a:moveTo>
-                  <a:cubicBezTo>
-                    <a:pt x="36" y="1"/>
-                    <a:pt x="44" y="12"/>
-                    <a:pt x="42" y="21"/>
-                  </a:cubicBezTo>
-                  <a:cubicBezTo>
-                    <a:pt x="23" y="35"/>
-                    <a:pt x="0" y="7"/>
-                    <a:pt x="28" y="0"/>
-                  </a:cubicBezTo>
-                  <a:close/>
-                </a:path>
-              </a:pathLst>
-            </a:custGeom>
-            <a:grpFill/>
-            <a:ln>
-              <a:noFill/>
-            </a:ln>
-          </p:spPr>
-        </p:sp>
-        <p:sp>
-          <p:nvSpPr>
-            <p:cNvPr id="47" name="Freeform 33">
-              <a:extLst>
-                <a:ext uri="{FF2B5EF4-FFF2-40B4-BE49-F238E27FC236}">
-                  <a16:creationId xmlns:a16="http://schemas.microsoft.com/office/drawing/2014/main" id="{B353D0BC-00A6-4EA4-9311-9FCB88CC2021}"/>
-                </a:ext>
-              </a:extLst>
-            </p:cNvPr>
-            <p:cNvSpPr/>
-            <p:nvPr/>
-          </p:nvSpPr>
-          <p:spPr bwMode="auto">
-            <a:xfrm rot="5400000">
-              <a:off x="11134111" y="4387490"/>
-              <a:ext cx="151535" cy="75075"/>
-            </a:xfrm>
-            <a:custGeom>
-              <a:avLst/>
-              <a:gdLst/>
-              <a:ahLst/>
-              <a:cxnLst/>
-              <a:rect l="0" t="0" r="r" b="b"/>
-              <a:pathLst>
-                <a:path w="46" h="25">
-                  <a:moveTo>
-                    <a:pt x="23" y="0"/>
-                  </a:moveTo>
-                  <a:cubicBezTo>
-                    <a:pt x="32" y="1"/>
-                    <a:pt x="46" y="21"/>
-                    <a:pt x="29" y="25"/>
-                  </a:cubicBezTo>
-                  <a:cubicBezTo>
-                    <a:pt x="10" y="23"/>
-                    <a:pt x="0" y="9"/>
-                    <a:pt x="23" y="0"/>
-                  </a:cubicBezTo>
-                  <a:close/>
-                </a:path>
-              </a:pathLst>
-            </a:custGeom>
-            <a:grpFill/>
-            <a:ln>
-              <a:noFill/>
-            </a:ln>
-          </p:spPr>
-        </p:sp>
-        <p:sp>
-          <p:nvSpPr>
-            <p:cNvPr id="48" name="Freeform 34">
-              <a:extLst>
-                <a:ext uri="{FF2B5EF4-FFF2-40B4-BE49-F238E27FC236}">
-                  <a16:creationId xmlns:a16="http://schemas.microsoft.com/office/drawing/2014/main" id="{0E001FD3-6EDD-47A3-9916-826E1595DAB3}"/>
-                </a:ext>
-              </a:extLst>
-            </p:cNvPr>
-            <p:cNvSpPr/>
-            <p:nvPr/>
-          </p:nvSpPr>
-          <p:spPr bwMode="auto">
-            <a:xfrm rot="5400000">
-              <a:off x="11138041" y="5384813"/>
-              <a:ext cx="134697" cy="84051"/>
-            </a:xfrm>
-            <a:custGeom>
-              <a:avLst/>
-              <a:gdLst/>
-              <a:ahLst/>
-              <a:cxnLst/>
-              <a:rect l="0" t="0" r="r" b="b"/>
-              <a:pathLst>
-                <a:path w="41" h="28">
-                  <a:moveTo>
-                    <a:pt x="22" y="0"/>
-                  </a:moveTo>
-                  <a:cubicBezTo>
-                    <a:pt x="41" y="13"/>
-                    <a:pt x="24" y="28"/>
-                    <a:pt x="8" y="21"/>
-                  </a:cubicBezTo>
-                  <a:cubicBezTo>
-                    <a:pt x="0" y="8"/>
-                    <a:pt x="8" y="0"/>
-                    <a:pt x="22" y="0"/>
-                  </a:cubicBezTo>
-                  <a:close/>
-                </a:path>
-              </a:pathLst>
-            </a:custGeom>
-            <a:grpFill/>
-            <a:ln>
-              <a:noFill/>
-            </a:ln>
-          </p:spPr>
-        </p:sp>
-        <p:sp>
-          <p:nvSpPr>
-            <p:cNvPr id="49" name="Freeform 35">
-              <a:extLst>
-                <a:ext uri="{FF2B5EF4-FFF2-40B4-BE49-F238E27FC236}">
-                  <a16:creationId xmlns:a16="http://schemas.microsoft.com/office/drawing/2014/main" id="{FE214D5B-D151-4E09-A01E-BEAAF9C679ED}"/>
-                </a:ext>
-              </a:extLst>
-            </p:cNvPr>
-            <p:cNvSpPr/>
-            <p:nvPr/>
-          </p:nvSpPr>
-          <p:spPr bwMode="auto">
-            <a:xfrm rot="5400000">
-              <a:off x="11133693" y="4595717"/>
-              <a:ext cx="131153" cy="84866"/>
-            </a:xfrm>
-            <a:custGeom>
-              <a:avLst/>
-              <a:gdLst/>
-              <a:ahLst/>
-              <a:cxnLst/>
-              <a:rect l="0" t="0" r="r" b="b"/>
-              <a:pathLst>
-                <a:path w="40" h="28">
-                  <a:moveTo>
-                    <a:pt x="27" y="1"/>
-                  </a:moveTo>
-                  <a:cubicBezTo>
-                    <a:pt x="35" y="0"/>
-                    <a:pt x="40" y="10"/>
-                    <a:pt x="38" y="17"/>
-                  </a:cubicBezTo>
-                  <a:cubicBezTo>
-                    <a:pt x="17" y="28"/>
-                    <a:pt x="0" y="7"/>
-                    <a:pt x="27" y="1"/>
-                  </a:cubicBezTo>
-                  <a:close/>
-                </a:path>
-              </a:pathLst>
-            </a:custGeom>
-            <a:grpFill/>
-            <a:ln>
-              <a:noFill/>
-            </a:ln>
-          </p:spPr>
-        </p:sp>
-        <p:sp>
-          <p:nvSpPr>
-            <p:cNvPr id="50" name="Freeform 36">
-              <a:extLst>
-                <a:ext uri="{FF2B5EF4-FFF2-40B4-BE49-F238E27FC236}">
-                  <a16:creationId xmlns:a16="http://schemas.microsoft.com/office/drawing/2014/main" id="{3024EF13-0A45-49DD-B0F4-FA3A5169EFFE}"/>
-                </a:ext>
-              </a:extLst>
-            </p:cNvPr>
-            <p:cNvSpPr/>
-            <p:nvPr/>
-          </p:nvSpPr>
-          <p:spPr bwMode="auto">
-            <a:xfrm rot="5400000">
-              <a:off x="11105830" y="6046702"/>
-              <a:ext cx="144445" cy="102819"/>
-            </a:xfrm>
-            <a:custGeom>
-              <a:avLst/>
-              <a:gdLst/>
-              <a:ahLst/>
-              <a:cxnLst/>
-              <a:rect l="0" t="0" r="r" b="b"/>
-              <a:pathLst>
-                <a:path w="44" h="34">
-                  <a:moveTo>
-                    <a:pt x="31" y="1"/>
-                  </a:moveTo>
-                  <a:cubicBezTo>
-                    <a:pt x="44" y="3"/>
-                    <a:pt x="38" y="34"/>
-                    <a:pt x="25" y="22"/>
-                  </a:cubicBezTo>
-                  <a:cubicBezTo>
-                    <a:pt x="0" y="28"/>
-                    <a:pt x="14" y="0"/>
-                    <a:pt x="31" y="1"/>
-                  </a:cubicBezTo>
-                  <a:close/>
-                </a:path>
-              </a:pathLst>
-            </a:custGeom>
-            <a:grpFill/>
-            <a:ln>
-              <a:noFill/>
-            </a:ln>
-          </p:spPr>
-        </p:sp>
-        <p:sp>
-          <p:nvSpPr>
-            <p:cNvPr id="51" name="Freeform 37">
-              <a:extLst>
-                <a:ext uri="{FF2B5EF4-FFF2-40B4-BE49-F238E27FC236}">
-                  <a16:creationId xmlns:a16="http://schemas.microsoft.com/office/drawing/2014/main" id="{95E0BDAE-48A7-4752-A150-74DA4BAE5E4B}"/>
-                </a:ext>
-              </a:extLst>
-            </p:cNvPr>
-            <p:cNvSpPr/>
-            <p:nvPr/>
-          </p:nvSpPr>
-          <p:spPr bwMode="auto">
-            <a:xfrm rot="5400000">
-              <a:off x="11117596" y="3060239"/>
-              <a:ext cx="115202" cy="121588"/>
-            </a:xfrm>
-            <a:custGeom>
-              <a:avLst/>
-              <a:gdLst/>
-              <a:ahLst/>
-              <a:cxnLst/>
-              <a:rect l="0" t="0" r="r" b="b"/>
-              <a:pathLst>
-                <a:path w="35" h="40">
-                  <a:moveTo>
-                    <a:pt x="16" y="4"/>
-                  </a:moveTo>
-                  <a:cubicBezTo>
-                    <a:pt x="35" y="4"/>
-                    <a:pt x="32" y="0"/>
-                    <a:pt x="33" y="15"/>
-                  </a:cubicBezTo>
-                  <a:cubicBezTo>
-                    <a:pt x="34" y="40"/>
-                    <a:pt x="0" y="22"/>
-                    <a:pt x="16" y="4"/>
-                  </a:cubicBezTo>
-                  <a:close/>
-                </a:path>
-              </a:pathLst>
-            </a:custGeom>
-            <a:grpFill/>
-            <a:ln>
-              <a:noFill/>
-            </a:ln>
-          </p:spPr>
-        </p:sp>
-        <p:sp>
-          <p:nvSpPr>
-            <p:cNvPr id="52" name="Freeform 38">
-              <a:extLst>
-                <a:ext uri="{FF2B5EF4-FFF2-40B4-BE49-F238E27FC236}">
-                  <a16:creationId xmlns:a16="http://schemas.microsoft.com/office/drawing/2014/main" id="{DE128EDB-3179-4F47-8B37-BEDE3B82FFC7}"/>
-                </a:ext>
-              </a:extLst>
-            </p:cNvPr>
-            <p:cNvSpPr/>
-            <p:nvPr/>
-          </p:nvSpPr>
-          <p:spPr bwMode="auto">
-            <a:xfrm rot="5400000">
-              <a:off x="11125265" y="4900335"/>
-              <a:ext cx="127608" cy="69362"/>
-            </a:xfrm>
-            <a:custGeom>
-              <a:avLst/>
-              <a:gdLst/>
-              <a:ahLst/>
-              <a:cxnLst/>
-              <a:rect l="0" t="0" r="r" b="b"/>
-              <a:pathLst>
-                <a:path w="39" h="23">
-                  <a:moveTo>
-                    <a:pt x="26" y="0"/>
-                  </a:moveTo>
-                  <a:cubicBezTo>
-                    <a:pt x="39" y="1"/>
-                    <a:pt x="38" y="21"/>
-                    <a:pt x="26" y="23"/>
-                  </a:cubicBezTo>
-                  <a:cubicBezTo>
-                    <a:pt x="0" y="23"/>
-                    <a:pt x="5" y="2"/>
-                    <a:pt x="26" y="0"/>
-                  </a:cubicBezTo>
-                  <a:close/>
-                </a:path>
-              </a:pathLst>
-            </a:custGeom>
-            <a:grpFill/>
-            <a:ln>
-              <a:noFill/>
-            </a:ln>
-          </p:spPr>
-        </p:sp>
-        <p:sp>
-          <p:nvSpPr>
-            <p:cNvPr id="53" name="Freeform 39">
-              <a:extLst>
-                <a:ext uri="{FF2B5EF4-FFF2-40B4-BE49-F238E27FC236}">
-                  <a16:creationId xmlns:a16="http://schemas.microsoft.com/office/drawing/2014/main" id="{E09CDD49-7B7B-42C0-A09E-6CFB3CDFF6A1}"/>
-                </a:ext>
-              </a:extLst>
-            </p:cNvPr>
-            <p:cNvSpPr/>
-            <p:nvPr/>
-          </p:nvSpPr>
-          <p:spPr bwMode="auto">
-            <a:xfrm rot="5400000">
-              <a:off x="11117373" y="5141456"/>
-              <a:ext cx="131153" cy="81603"/>
-            </a:xfrm>
-            <a:custGeom>
-              <a:avLst/>
-              <a:gdLst/>
-              <a:ahLst/>
-              <a:cxnLst/>
-              <a:rect l="0" t="0" r="r" b="b"/>
-              <a:pathLst>
-                <a:path w="40" h="27">
-                  <a:moveTo>
-                    <a:pt x="25" y="0"/>
-                  </a:moveTo>
-                  <a:cubicBezTo>
-                    <a:pt x="34" y="0"/>
-                    <a:pt x="40" y="11"/>
-                    <a:pt x="38" y="20"/>
-                  </a:cubicBezTo>
-                  <a:cubicBezTo>
-                    <a:pt x="17" y="27"/>
-                    <a:pt x="0" y="12"/>
-                    <a:pt x="25" y="0"/>
-                  </a:cubicBezTo>
-                  <a:close/>
-                </a:path>
-              </a:pathLst>
-            </a:custGeom>
-            <a:grpFill/>
-            <a:ln>
-              <a:noFill/>
-            </a:ln>
-          </p:spPr>
-        </p:sp>
-        <p:sp>
-          <p:nvSpPr>
-            <p:cNvPr id="54" name="Freeform 40">
-              <a:extLst>
-                <a:ext uri="{FF2B5EF4-FFF2-40B4-BE49-F238E27FC236}">
-                  <a16:creationId xmlns:a16="http://schemas.microsoft.com/office/drawing/2014/main" id="{93C5D839-4CD5-4165-9091-7D9B92CDC1D2}"/>
-                </a:ext>
-              </a:extLst>
-            </p:cNvPr>
-            <p:cNvSpPr/>
-            <p:nvPr/>
-          </p:nvSpPr>
-          <p:spPr bwMode="auto">
-            <a:xfrm rot="5400000">
-              <a:off x="11112337" y="2598157"/>
-              <a:ext cx="134697" cy="81603"/>
-            </a:xfrm>
-            <a:custGeom>
-              <a:avLst/>
-              <a:gdLst/>
-              <a:ahLst/>
-              <a:cxnLst/>
-              <a:rect l="0" t="0" r="r" b="b"/>
-              <a:pathLst>
-                <a:path w="41" h="27">
-                  <a:moveTo>
-                    <a:pt x="19" y="0"/>
-                  </a:moveTo>
-                  <a:cubicBezTo>
-                    <a:pt x="41" y="9"/>
-                    <a:pt x="28" y="27"/>
-                    <a:pt x="7" y="20"/>
-                  </a:cubicBezTo>
-                  <a:cubicBezTo>
-                    <a:pt x="0" y="8"/>
-                    <a:pt x="7" y="1"/>
-                    <a:pt x="19" y="0"/>
-                  </a:cubicBezTo>
-                  <a:close/>
-                </a:path>
-              </a:pathLst>
-            </a:custGeom>
-            <a:grpFill/>
-            <a:ln>
-              <a:noFill/>
-            </a:ln>
-          </p:spPr>
-        </p:sp>
-        <p:sp>
-          <p:nvSpPr>
-            <p:cNvPr id="55" name="Freeform 41">
-              <a:extLst>
-                <a:ext uri="{FF2B5EF4-FFF2-40B4-BE49-F238E27FC236}">
-                  <a16:creationId xmlns:a16="http://schemas.microsoft.com/office/drawing/2014/main" id="{3C7F638A-BB6D-4B24-A7F9-03BF8087459B}"/>
-                </a:ext>
-              </a:extLst>
-            </p:cNvPr>
-            <p:cNvSpPr/>
-            <p:nvPr/>
-          </p:nvSpPr>
-          <p:spPr bwMode="auto">
-            <a:xfrm rot="5400000">
-              <a:off x="11105830" y="6278710"/>
-              <a:ext cx="144445" cy="78339"/>
-            </a:xfrm>
-            <a:custGeom>
-              <a:avLst/>
-              <a:gdLst/>
-              <a:ahLst/>
-              <a:cxnLst/>
-              <a:rect l="0" t="0" r="r" b="b"/>
-              <a:pathLst>
-                <a:path w="44" h="26">
-                  <a:moveTo>
-                    <a:pt x="29" y="0"/>
-                  </a:moveTo>
-                  <a:cubicBezTo>
-                    <a:pt x="44" y="3"/>
-                    <a:pt x="40" y="22"/>
-                    <a:pt x="26" y="26"/>
-                  </a:cubicBezTo>
-                  <a:cubicBezTo>
-                    <a:pt x="0" y="25"/>
-                    <a:pt x="11" y="6"/>
-                    <a:pt x="29" y="0"/>
-                  </a:cubicBezTo>
-                  <a:close/>
-                </a:path>
-              </a:pathLst>
-            </a:custGeom>
-            <a:grpFill/>
-            <a:ln>
-              <a:noFill/>
-            </a:ln>
-          </p:spPr>
-        </p:sp>
-        <p:sp>
-          <p:nvSpPr>
-            <p:cNvPr id="56" name="Freeform 42">
-              <a:extLst>
-                <a:ext uri="{FF2B5EF4-FFF2-40B4-BE49-F238E27FC236}">
-                  <a16:creationId xmlns:a16="http://schemas.microsoft.com/office/drawing/2014/main" id="{5B59DB64-329B-45EA-8A67-4213A886B5B2}"/>
-                </a:ext>
-              </a:extLst>
-            </p:cNvPr>
-            <p:cNvSpPr/>
-            <p:nvPr/>
-          </p:nvSpPr>
-          <p:spPr bwMode="auto">
-            <a:xfrm rot="5400000">
-              <a:off x="11093998" y="5596726"/>
-              <a:ext cx="144445" cy="97107"/>
-            </a:xfrm>
-            <a:custGeom>
-              <a:avLst/>
-              <a:gdLst/>
-              <a:ahLst/>
-              <a:cxnLst/>
-              <a:rect l="0" t="0" r="r" b="b"/>
-              <a:pathLst>
-                <a:path w="44" h="32">
-                  <a:moveTo>
-                    <a:pt x="31" y="1"/>
-                  </a:moveTo>
-                  <a:cubicBezTo>
-                    <a:pt x="40" y="0"/>
-                    <a:pt x="44" y="8"/>
-                    <a:pt x="43" y="16"/>
-                  </a:cubicBezTo>
-                  <a:cubicBezTo>
-                    <a:pt x="29" y="32"/>
-                    <a:pt x="0" y="7"/>
-                    <a:pt x="31" y="1"/>
-                  </a:cubicBezTo>
-                  <a:close/>
-                </a:path>
-              </a:pathLst>
-            </a:custGeom>
-            <a:grpFill/>
-            <a:ln>
-              <a:noFill/>
-            </a:ln>
-          </p:spPr>
-        </p:sp>
-        <p:sp>
-          <p:nvSpPr>
-            <p:cNvPr id="57" name="Freeform 44">
-              <a:extLst>
-                <a:ext uri="{FF2B5EF4-FFF2-40B4-BE49-F238E27FC236}">
-                  <a16:creationId xmlns:a16="http://schemas.microsoft.com/office/drawing/2014/main" id="{D8DAB003-6484-4D1D-85AE-93FA09BC5EF5}"/>
-                </a:ext>
-              </a:extLst>
-            </p:cNvPr>
-            <p:cNvSpPr/>
-            <p:nvPr/>
-          </p:nvSpPr>
-          <p:spPr bwMode="auto">
-            <a:xfrm rot="5400000">
-              <a:off x="11097788" y="4080854"/>
-              <a:ext cx="131153" cy="84866"/>
-            </a:xfrm>
-            <a:custGeom>
-              <a:avLst/>
-              <a:gdLst/>
-              <a:ahLst/>
-              <a:cxnLst/>
-              <a:rect l="0" t="0" r="r" b="b"/>
-              <a:pathLst>
-                <a:path w="40" h="28">
-                  <a:moveTo>
-                    <a:pt x="27" y="1"/>
-                  </a:moveTo>
-                  <a:cubicBezTo>
-                    <a:pt x="35" y="0"/>
-                    <a:pt x="40" y="10"/>
-                    <a:pt x="38" y="17"/>
-                  </a:cubicBezTo>
-                  <a:cubicBezTo>
-                    <a:pt x="17" y="28"/>
-                    <a:pt x="0" y="7"/>
-                    <a:pt x="27" y="1"/>
-                  </a:cubicBezTo>
-                  <a:close/>
-                </a:path>
-              </a:pathLst>
-            </a:custGeom>
-            <a:grpFill/>
-            <a:ln>
-              <a:noFill/>
-            </a:ln>
-          </p:spPr>
-        </p:sp>
-        <p:sp>
-          <p:nvSpPr>
-            <p:cNvPr id="58" name="Freeform 45">
-              <a:extLst>
-                <a:ext uri="{FF2B5EF4-FFF2-40B4-BE49-F238E27FC236}">
-                  <a16:creationId xmlns:a16="http://schemas.microsoft.com/office/drawing/2014/main" id="{D49280A1-ACA8-4CD6-9012-AF12660F07E4}"/>
-                </a:ext>
-              </a:extLst>
-            </p:cNvPr>
-            <p:cNvSpPr/>
-            <p:nvPr/>
-          </p:nvSpPr>
-          <p:spPr bwMode="auto">
-            <a:xfrm rot="5400000">
-              <a:off x="11075637" y="5836680"/>
-              <a:ext cx="144445" cy="102819"/>
-            </a:xfrm>
-            <a:custGeom>
-              <a:avLst/>
-              <a:gdLst/>
-              <a:ahLst/>
-              <a:cxnLst/>
-              <a:rect l="0" t="0" r="r" b="b"/>
-              <a:pathLst>
-                <a:path w="44" h="34">
-                  <a:moveTo>
-                    <a:pt x="31" y="0"/>
-                  </a:moveTo>
-                  <a:cubicBezTo>
-                    <a:pt x="39" y="0"/>
-                    <a:pt x="44" y="12"/>
-                    <a:pt x="42" y="19"/>
-                  </a:cubicBezTo>
-                  <a:cubicBezTo>
-                    <a:pt x="25" y="34"/>
-                    <a:pt x="0" y="8"/>
-                    <a:pt x="31" y="0"/>
-                  </a:cubicBezTo>
-                  <a:close/>
-                </a:path>
-              </a:pathLst>
-            </a:custGeom>
-            <a:grpFill/>
-            <a:ln>
-              <a:noFill/>
-            </a:ln>
-          </p:spPr>
-        </p:sp>
-        <p:sp>
-          <p:nvSpPr>
-            <p:cNvPr id="59" name="Freeform 46">
-              <a:extLst>
-                <a:ext uri="{FF2B5EF4-FFF2-40B4-BE49-F238E27FC236}">
-                  <a16:creationId xmlns:a16="http://schemas.microsoft.com/office/drawing/2014/main" id="{C03EAE8C-6089-40E5-9361-2E266A1EEBA3}"/>
-                </a:ext>
-              </a:extLst>
-            </p:cNvPr>
-            <p:cNvSpPr/>
-            <p:nvPr/>
-          </p:nvSpPr>
-          <p:spPr bwMode="auto">
-            <a:xfrm rot="5400000">
-              <a:off x="11124696" y="2830776"/>
-              <a:ext cx="121406" cy="81603"/>
-            </a:xfrm>
-            <a:custGeom>
-              <a:avLst/>
-              <a:gdLst/>
-              <a:ahLst/>
-              <a:cxnLst/>
-              <a:rect l="0" t="0" r="r" b="b"/>
-              <a:pathLst>
-                <a:path w="37" h="27">
-                  <a:moveTo>
-                    <a:pt x="19" y="1"/>
-                  </a:moveTo>
-                  <a:cubicBezTo>
-                    <a:pt x="31" y="2"/>
-                    <a:pt x="37" y="24"/>
-                    <a:pt x="21" y="27"/>
-                  </a:cubicBezTo>
-                  <a:cubicBezTo>
-                    <a:pt x="1" y="27"/>
-                    <a:pt x="0" y="0"/>
-                    <a:pt x="19" y="1"/>
-                  </a:cubicBezTo>
-                  <a:close/>
-                </a:path>
-              </a:pathLst>
-            </a:custGeom>
-            <a:grpFill/>
-            <a:ln>
-              <a:noFill/>
-            </a:ln>
-          </p:spPr>
-        </p:sp>
-        <p:sp>
-          <p:nvSpPr>
-            <p:cNvPr id="60" name="Freeform 47">
-              <a:extLst>
-                <a:ext uri="{FF2B5EF4-FFF2-40B4-BE49-F238E27FC236}">
-                  <a16:creationId xmlns:a16="http://schemas.microsoft.com/office/drawing/2014/main" id="{02E3A077-F087-4E14-A13E-4E9D4369B1F6}"/>
-                </a:ext>
-              </a:extLst>
-            </p:cNvPr>
-            <p:cNvSpPr/>
-            <p:nvPr/>
-          </p:nvSpPr>
-          <p:spPr bwMode="auto">
-            <a:xfrm rot="5400000">
-              <a:off x="11082841" y="3849727"/>
-              <a:ext cx="147990" cy="78339"/>
-            </a:xfrm>
-            <a:custGeom>
-              <a:avLst/>
-              <a:gdLst/>
-              <a:ahLst/>
-              <a:cxnLst/>
-              <a:rect l="0" t="0" r="r" b="b"/>
-              <a:pathLst>
-                <a:path w="45" h="26">
-                  <a:moveTo>
-                    <a:pt x="22" y="0"/>
-                  </a:moveTo>
-                  <a:cubicBezTo>
-                    <a:pt x="32" y="2"/>
-                    <a:pt x="45" y="22"/>
-                    <a:pt x="28" y="26"/>
-                  </a:cubicBezTo>
-                  <a:cubicBezTo>
-                    <a:pt x="10" y="24"/>
-                    <a:pt x="0" y="9"/>
-                    <a:pt x="22" y="0"/>
-                  </a:cubicBezTo>
-                  <a:close/>
-                </a:path>
-              </a:pathLst>
-            </a:custGeom>
-            <a:grpFill/>
-            <a:ln>
-              <a:noFill/>
-            </a:ln>
-          </p:spPr>
-        </p:sp>
-        <p:sp>
-          <p:nvSpPr>
-            <p:cNvPr id="61" name="Freeform 48">
-              <a:extLst>
-                <a:ext uri="{FF2B5EF4-FFF2-40B4-BE49-F238E27FC236}">
-                  <a16:creationId xmlns:a16="http://schemas.microsoft.com/office/drawing/2014/main" id="{7CE4FAAA-45E7-4C86-B59A-F284B79EFD23}"/>
-                </a:ext>
-              </a:extLst>
-            </p:cNvPr>
-            <p:cNvSpPr/>
-            <p:nvPr/>
-          </p:nvSpPr>
-          <p:spPr bwMode="auto">
-            <a:xfrm rot="5400000">
-              <a:off x="11078098" y="3616257"/>
-              <a:ext cx="133812" cy="79154"/>
-            </a:xfrm>
-            <a:custGeom>
-              <a:avLst/>
-              <a:gdLst/>
-              <a:ahLst/>
-              <a:cxnLst/>
-              <a:rect l="0" t="0" r="r" b="b"/>
-              <a:pathLst>
-                <a:path w="41" h="26">
-                  <a:moveTo>
-                    <a:pt x="19" y="0"/>
-                  </a:moveTo>
-                  <a:cubicBezTo>
-                    <a:pt x="41" y="9"/>
-                    <a:pt x="28" y="26"/>
-                    <a:pt x="7" y="19"/>
-                  </a:cubicBezTo>
-                  <a:cubicBezTo>
-                    <a:pt x="0" y="8"/>
-                    <a:pt x="7" y="1"/>
-                    <a:pt x="19" y="0"/>
-                  </a:cubicBezTo>
-                  <a:close/>
-                </a:path>
-              </a:pathLst>
-            </a:custGeom>
-            <a:grpFill/>
-            <a:ln>
-              <a:noFill/>
-            </a:ln>
-          </p:spPr>
-        </p:sp>
-        <p:sp>
-          <p:nvSpPr>
-            <p:cNvPr id="62" name="Freeform 49">
-              <a:extLst>
-                <a:ext uri="{FF2B5EF4-FFF2-40B4-BE49-F238E27FC236}">
-                  <a16:creationId xmlns:a16="http://schemas.microsoft.com/office/drawing/2014/main" id="{E2689B62-CCA1-4EE5-B622-FBA516868916}"/>
-                </a:ext>
-              </a:extLst>
-            </p:cNvPr>
-            <p:cNvSpPr/>
-            <p:nvPr/>
-          </p:nvSpPr>
-          <p:spPr bwMode="auto">
-            <a:xfrm rot="5400000">
-              <a:off x="11076712" y="6507925"/>
-              <a:ext cx="127608" cy="81603"/>
-            </a:xfrm>
-            <a:custGeom>
-              <a:avLst/>
-              <a:gdLst/>
-              <a:ahLst/>
-              <a:cxnLst/>
-              <a:rect l="0" t="0" r="r" b="b"/>
-              <a:pathLst>
-                <a:path w="39" h="27">
-                  <a:moveTo>
-                    <a:pt x="21" y="2"/>
-                  </a:moveTo>
-                  <a:cubicBezTo>
-                    <a:pt x="36" y="0"/>
-                    <a:pt x="39" y="17"/>
-                    <a:pt x="26" y="24"/>
-                  </a:cubicBezTo>
-                  <a:cubicBezTo>
-                    <a:pt x="8" y="27"/>
-                    <a:pt x="0" y="9"/>
-                    <a:pt x="21" y="2"/>
-                  </a:cubicBezTo>
-                  <a:close/>
-                </a:path>
-              </a:pathLst>
-            </a:custGeom>
-            <a:grpFill/>
-            <a:ln>
-              <a:noFill/>
-            </a:ln>
-          </p:spPr>
-        </p:sp>
-        <p:sp>
-          <p:nvSpPr>
-            <p:cNvPr id="63" name="Freeform 8">
-              <a:extLst>
-                <a:ext uri="{FF2B5EF4-FFF2-40B4-BE49-F238E27FC236}">
-                  <a16:creationId xmlns:a16="http://schemas.microsoft.com/office/drawing/2014/main" id="{113638EE-3BCF-4315-A329-3C6766A3890B}"/>
-                </a:ext>
-              </a:extLst>
-            </p:cNvPr>
-            <p:cNvSpPr/>
-            <p:nvPr/>
-          </p:nvSpPr>
-          <p:spPr bwMode="auto">
-            <a:xfrm rot="5400000">
-              <a:off x="11141853" y="34906"/>
-              <a:ext cx="131153" cy="88130"/>
-            </a:xfrm>
-            <a:custGeom>
-              <a:avLst/>
-              <a:gdLst/>
-              <a:ahLst/>
-              <a:cxnLst/>
-              <a:rect l="0" t="0" r="r" b="b"/>
-              <a:pathLst>
-                <a:path w="40" h="29">
-                  <a:moveTo>
-                    <a:pt x="26" y="0"/>
-                  </a:moveTo>
-                  <a:cubicBezTo>
-                    <a:pt x="34" y="0"/>
-                    <a:pt x="40" y="10"/>
-                    <a:pt x="39" y="20"/>
-                  </a:cubicBezTo>
-                  <a:cubicBezTo>
-                    <a:pt x="17" y="29"/>
-                    <a:pt x="0" y="10"/>
-                    <a:pt x="26" y="0"/>
-                  </a:cubicBezTo>
-                  <a:close/>
-                </a:path>
-              </a:pathLst>
-            </a:custGeom>
-            <a:grpFill/>
-            <a:ln>
-              <a:noFill/>
-            </a:ln>
-          </p:spPr>
-        </p:sp>
-        <p:sp>
-          <p:nvSpPr>
-            <p:cNvPr id="64" name="Freeform 106">
-              <a:extLst>
-                <a:ext uri="{FF2B5EF4-FFF2-40B4-BE49-F238E27FC236}">
-                  <a16:creationId xmlns:a16="http://schemas.microsoft.com/office/drawing/2014/main" id="{4FB36B8F-335B-40F2-83BB-C2B2689DC2E9}"/>
-                </a:ext>
-              </a:extLst>
-            </p:cNvPr>
-            <p:cNvSpPr/>
-            <p:nvPr/>
-          </p:nvSpPr>
-          <p:spPr bwMode="auto">
-            <a:xfrm rot="5400000">
-              <a:off x="11301184" y="6639670"/>
-              <a:ext cx="134697" cy="97107"/>
-            </a:xfrm>
-            <a:custGeom>
-              <a:avLst/>
-              <a:gdLst/>
-              <a:ahLst/>
-              <a:cxnLst/>
-              <a:rect l="0" t="0" r="r" b="b"/>
-              <a:pathLst>
-                <a:path w="41" h="32">
-                  <a:moveTo>
-                    <a:pt x="25" y="0"/>
-                  </a:moveTo>
-                  <a:cubicBezTo>
-                    <a:pt x="41" y="13"/>
-                    <a:pt x="15" y="32"/>
-                    <a:pt x="4" y="18"/>
-                  </a:cubicBezTo>
-                  <a:cubicBezTo>
-                    <a:pt x="0" y="5"/>
-                    <a:pt x="15" y="0"/>
-                    <a:pt x="25" y="0"/>
-                  </a:cubicBezTo>
-                  <a:close/>
-                </a:path>
-              </a:pathLst>
-            </a:custGeom>
-            <a:grpFill/>
-            <a:ln>
-              <a:noFill/>
-            </a:ln>
-          </p:spPr>
-        </p:sp>
-      </p:grpSp>
       <p:sp>
         <p:nvSpPr>
           <p:cNvPr id="2" name="Title Placeholder 1">
             <a:extLst>
               <a:ext uri="{FF2B5EF4-FFF2-40B4-BE49-F238E27FC236}">
-                <a16:creationId xmlns:a16="http://schemas.microsoft.com/office/drawing/2014/main" id="{7A05E913-A9D9-4639-B104-1F07A4AF6A56}"/>
+                <a16:creationId xmlns:a16="http://schemas.microsoft.com/office/drawing/2014/main" id="{1AB4E786-7636-4278-8595-D365D28A796A}"/>
               </a:ext>
             </a:extLst>
           </p:cNvPr>
@@ -8077,15 +5320,15 @@
         </p:nvSpPr>
         <p:spPr>
           <a:xfrm>
-            <a:off x="1069848" y="502920"/>
-            <a:ext cx="9634011" cy="1325563"/>
+            <a:off x="914400" y="1371601"/>
+            <a:ext cx="10363200" cy="1187570"/>
           </a:xfrm>
           <a:prstGeom prst="rect">
             <a:avLst/>
           </a:prstGeom>
         </p:spPr>
         <p:txBody>
-          <a:bodyPr vert="horz" lIns="91440" tIns="45720" rIns="91440" bIns="45720" rtlCol="0" anchor="ctr">
+          <a:bodyPr vert="horz" lIns="91440" tIns="45720" rIns="91440" bIns="45720" rtlCol="0" anchor="t">
             <a:normAutofit/>
           </a:bodyPr>
           <a:lstStyle/>
@@ -8102,7 +5345,7 @@
           <p:cNvPr id="3" name="Text Placeholder 2">
             <a:extLst>
               <a:ext uri="{FF2B5EF4-FFF2-40B4-BE49-F238E27FC236}">
-                <a16:creationId xmlns:a16="http://schemas.microsoft.com/office/drawing/2014/main" id="{09940CEB-B6D7-46E6-9843-51534214017A}"/>
+                <a16:creationId xmlns:a16="http://schemas.microsoft.com/office/drawing/2014/main" id="{EA740849-7059-4C70-992B-5304D2EE9BAB}"/>
               </a:ext>
             </a:extLst>
           </p:cNvPr>
@@ -8115,8 +5358,8 @@
         </p:nvSpPr>
         <p:spPr>
           <a:xfrm>
-            <a:off x="1069848" y="1874520"/>
-            <a:ext cx="9634011" cy="4351338"/>
+            <a:off x="914399" y="2559171"/>
+            <a:ext cx="10363200" cy="3382658"/>
           </a:xfrm>
           <a:prstGeom prst="rect">
             <a:avLst/>
@@ -8169,7 +5412,7 @@
           <p:cNvPr id="4" name="Date Placeholder 3">
             <a:extLst>
               <a:ext uri="{FF2B5EF4-FFF2-40B4-BE49-F238E27FC236}">
-                <a16:creationId xmlns:a16="http://schemas.microsoft.com/office/drawing/2014/main" id="{B5BAC8B5-8DFB-4920-8580-54824C831A94}"/>
+                <a16:creationId xmlns:a16="http://schemas.microsoft.com/office/drawing/2014/main" id="{D09FEBF6-CEA6-4332-87B3-697807571C84}"/>
               </a:ext>
             </a:extLst>
           </p:cNvPr>
@@ -8182,8 +5425,8 @@
         </p:nvSpPr>
         <p:spPr>
           <a:xfrm>
-            <a:off x="173736" y="6382512"/>
-            <a:ext cx="2845901" cy="365125"/>
+            <a:off x="912628" y="6356350"/>
+            <a:ext cx="2743200" cy="365125"/>
           </a:xfrm>
           <a:prstGeom prst="rect">
             <a:avLst/>
@@ -8193,17 +5436,16 @@
           <a:bodyPr vert="horz" lIns="91440" tIns="45720" rIns="91440" bIns="45720" rtlCol="0" anchor="ctr"/>
           <a:lstStyle>
             <a:lvl1pPr algn="l">
-              <a:defRPr sz="1050">
+              <a:defRPr sz="900" b="1" cap="all" spc="300" baseline="0">
                 <a:solidFill>
-                  <a:schemeClr val="tx2"/>
+                  <a:schemeClr val="tx1"/>
                 </a:solidFill>
               </a:defRPr>
             </a:lvl1pPr>
           </a:lstStyle>
           <a:p>
-            <a:fld id="{0F082710-245A-48CB-A5F6-8BB1DF6AB298}" type="datetimeFigureOut">
+            <a:fld id="{E857DF4D-D974-434D-9D64-40B7405DF5F0}" type="datetimeFigureOut">
               <a:rPr lang="en-US" dirty="0"/>
-              <a:pPr/>
               <a:t>1/19/2025</a:t>
             </a:fld>
             <a:endParaRPr lang="en-US" dirty="0"/>
@@ -8215,7 +5457,7 @@
           <p:cNvPr id="5" name="Footer Placeholder 4">
             <a:extLst>
               <a:ext uri="{FF2B5EF4-FFF2-40B4-BE49-F238E27FC236}">
-                <a16:creationId xmlns:a16="http://schemas.microsoft.com/office/drawing/2014/main" id="{3A9E2D5D-B616-4048-9CB8-4D316BBDB1FB}"/>
+                <a16:creationId xmlns:a16="http://schemas.microsoft.com/office/drawing/2014/main" id="{BC6BAF94-621C-43E1-BA0C-410A6899031B}"/>
               </a:ext>
             </a:extLst>
           </p:cNvPr>
@@ -8227,9 +5469,9 @@
           </p:nvPr>
         </p:nvSpPr>
         <p:spPr>
-          <a:xfrm rot="5400000">
-            <a:off x="-1754871" y="2093199"/>
-            <a:ext cx="4157472" cy="416082"/>
+          <a:xfrm>
+            <a:off x="6767622" y="6356350"/>
+            <a:ext cx="4040373" cy="365125"/>
           </a:xfrm>
           <a:prstGeom prst="rect">
             <a:avLst/>
@@ -8238,10 +5480,10 @@
         <p:txBody>
           <a:bodyPr vert="horz" lIns="91440" tIns="45720" rIns="91440" bIns="45720" rtlCol="0" anchor="ctr"/>
           <a:lstStyle>
-            <a:lvl1pPr algn="l">
-              <a:defRPr sz="1050">
+            <a:lvl1pPr algn="r">
+              <a:defRPr sz="900" b="1" cap="all" spc="300" baseline="0">
                 <a:solidFill>
-                  <a:schemeClr val="tx2"/>
+                  <a:schemeClr val="tx1"/>
                 </a:solidFill>
               </a:defRPr>
             </a:lvl1pPr>
@@ -8260,7 +5502,7 @@
           <p:cNvPr id="6" name="Slide Number Placeholder 5">
             <a:extLst>
               <a:ext uri="{FF2B5EF4-FFF2-40B4-BE49-F238E27FC236}">
-                <a16:creationId xmlns:a16="http://schemas.microsoft.com/office/drawing/2014/main" id="{63F322F0-8F3D-4AC5-9873-24666D0E0D34}"/>
+                <a16:creationId xmlns:a16="http://schemas.microsoft.com/office/drawing/2014/main" id="{137D19E5-9E16-48C9-AAE2-0C70679A8D7B}"/>
               </a:ext>
             </a:extLst>
           </p:cNvPr>
@@ -8273,8 +5515,8 @@
         </p:nvSpPr>
         <p:spPr>
           <a:xfrm>
-            <a:off x="11457919" y="6382512"/>
-            <a:ext cx="500997" cy="365125"/>
+            <a:off x="10807995" y="6356350"/>
+            <a:ext cx="723014" cy="365125"/>
           </a:xfrm>
           <a:prstGeom prst="rect">
             <a:avLst/>
@@ -8284,43 +5526,81 @@
           <a:bodyPr vert="horz" lIns="91440" tIns="45720" rIns="91440" bIns="45720" rtlCol="0" anchor="ctr"/>
           <a:lstStyle>
             <a:lvl1pPr algn="r">
-              <a:defRPr sz="1050">
+              <a:defRPr sz="900" b="1" cap="all" spc="300" baseline="0">
                 <a:solidFill>
-                  <a:schemeClr val="tx2"/>
+                  <a:schemeClr val="tx1"/>
                 </a:solidFill>
               </a:defRPr>
             </a:lvl1pPr>
           </a:lstStyle>
           <a:p>
-            <a:fld id="{24578CCF-2EC4-44CB-A694-F6F6E59A3985}" type="slidenum">
+            <a:fld id="{70C12960-6E85-460F-B6E3-5B82CB31AF3D}" type="slidenum">
               <a:rPr lang="en-US" dirty="0"/>
-              <a:pPr/>
               <a:t>‹#›</a:t>
             </a:fld>
             <a:endParaRPr lang="en-US" dirty="0"/>
           </a:p>
         </p:txBody>
       </p:sp>
+      <p:cxnSp>
+        <p:nvCxnSpPr>
+          <p:cNvPr id="7" name="Straight Connector 6">
+            <a:extLst>
+              <a:ext uri="{FF2B5EF4-FFF2-40B4-BE49-F238E27FC236}">
+                <a16:creationId xmlns:a16="http://schemas.microsoft.com/office/drawing/2014/main" id="{F209B62C-3402-4623-9A7C-AA048B56F8C3}"/>
+              </a:ext>
+            </a:extLst>
+          </p:cNvPr>
+          <p:cNvCxnSpPr>
+            <a:cxnSpLocks/>
+          </p:cNvCxnSpPr>
+          <p:nvPr/>
+        </p:nvCxnSpPr>
+        <p:spPr>
+          <a:xfrm>
+            <a:off x="990600" y="1031001"/>
+            <a:ext cx="978862" cy="0"/>
+          </a:xfrm>
+          <a:prstGeom prst="line">
+            <a:avLst/>
+          </a:prstGeom>
+          <a:ln w="76200"/>
+        </p:spPr>
+        <p:style>
+          <a:lnRef idx="1">
+            <a:schemeClr val="accent1"/>
+          </a:lnRef>
+          <a:fillRef idx="0">
+            <a:schemeClr val="accent1"/>
+          </a:fillRef>
+          <a:effectRef idx="0">
+            <a:schemeClr val="accent1"/>
+          </a:effectRef>
+          <a:fontRef idx="minor">
+            <a:schemeClr val="tx1"/>
+          </a:fontRef>
+        </p:style>
+      </p:cxnSp>
     </p:spTree>
     <p:extLst>
       <p:ext uri="{BB962C8B-B14F-4D97-AF65-F5344CB8AC3E}">
-        <p14:creationId xmlns:p14="http://schemas.microsoft.com/office/powerpoint/2010/main" val="1589311747"/>
+        <p14:creationId xmlns:p14="http://schemas.microsoft.com/office/powerpoint/2010/main" val="3915625479"/>
       </p:ext>
     </p:extLst>
   </p:cSld>
   <p:clrMap bg1="lt1" tx1="dk1" bg2="lt2" tx2="dk2" accent1="accent1" accent2="accent2" accent3="accent3" accent4="accent4" accent5="accent5" accent6="accent6" hlink="hlink" folHlink="folHlink"/>
   <p:sldLayoutIdLst>
-    <p:sldLayoutId id="2147483673" r:id="rId1"/>
-    <p:sldLayoutId id="2147483674" r:id="rId2"/>
-    <p:sldLayoutId id="2147483675" r:id="rId3"/>
-    <p:sldLayoutId id="2147483676" r:id="rId4"/>
-    <p:sldLayoutId id="2147483677" r:id="rId5"/>
-    <p:sldLayoutId id="2147483678" r:id="rId6"/>
-    <p:sldLayoutId id="2147483679" r:id="rId7"/>
-    <p:sldLayoutId id="2147483680" r:id="rId8"/>
-    <p:sldLayoutId id="2147483681" r:id="rId9"/>
-    <p:sldLayoutId id="2147483682" r:id="rId10"/>
-    <p:sldLayoutId id="2147483683" r:id="rId11"/>
+    <p:sldLayoutId id="2147483721" r:id="rId1"/>
+    <p:sldLayoutId id="2147483722" r:id="rId2"/>
+    <p:sldLayoutId id="2147483723" r:id="rId3"/>
+    <p:sldLayoutId id="2147483724" r:id="rId4"/>
+    <p:sldLayoutId id="2147483725" r:id="rId5"/>
+    <p:sldLayoutId id="2147483726" r:id="rId6"/>
+    <p:sldLayoutId id="2147483727" r:id="rId7"/>
+    <p:sldLayoutId id="2147483728" r:id="rId8"/>
+    <p:sldLayoutId id="2147483729" r:id="rId9"/>
+    <p:sldLayoutId id="2147483730" r:id="rId10"/>
+    <p:sldLayoutId id="2147483731" r:id="rId11"/>
   </p:sldLayoutIdLst>
   <p:hf hdr="0"/>
   <p:txStyles>
@@ -8335,7 +5615,7 @@
         <a:buNone/>
         <a:defRPr sz="4000" kern="1200">
           <a:solidFill>
-            <a:schemeClr val="tx2"/>
+            <a:schemeClr val="tx1"/>
           </a:solidFill>
           <a:latin typeface="+mj-lt"/>
           <a:ea typeface="+mj-ea"/>
@@ -8346,113 +5626,93 @@
     <p:bodyStyle>
       <a:lvl1pPr marL="228600" indent="-228600" algn="l" defTabSz="914400" rtl="0" eaLnBrk="1" latinLnBrk="0" hangingPunct="1">
         <a:lnSpc>
-          <a:spcPct val="150000"/>
+          <a:spcPct val="120000"/>
         </a:lnSpc>
         <a:spcBef>
           <a:spcPts val="1000"/>
         </a:spcBef>
-        <a:buClr>
-          <a:schemeClr val="bg2">
-            <a:lumMod val="75000"/>
-          </a:schemeClr>
-        </a:buClr>
+        <a:buSzPct val="87000"/>
         <a:buFont typeface="Arial" panose="020B0604020202020204" pitchFamily="34" charset="0"/>
         <a:buChar char="•"/>
         <a:defRPr sz="2000" kern="1200">
           <a:solidFill>
-            <a:schemeClr val="tx2"/>
+            <a:schemeClr val="tx1"/>
           </a:solidFill>
           <a:latin typeface="+mn-lt"/>
           <a:ea typeface="+mn-ea"/>
           <a:cs typeface="+mn-cs"/>
         </a:defRPr>
       </a:lvl1pPr>
-      <a:lvl2pPr marL="228600" indent="0" algn="l" defTabSz="914400" rtl="0" eaLnBrk="1" latinLnBrk="0" hangingPunct="1">
+      <a:lvl2pPr marL="493776" indent="-228600" algn="l" defTabSz="914400" rtl="0" eaLnBrk="1" latinLnBrk="0" hangingPunct="1">
         <a:lnSpc>
-          <a:spcPct val="150000"/>
+          <a:spcPct val="120000"/>
         </a:lnSpc>
         <a:spcBef>
           <a:spcPts val="500"/>
         </a:spcBef>
-        <a:buClr>
-          <a:schemeClr val="bg2">
-            <a:lumMod val="75000"/>
-          </a:schemeClr>
-        </a:buClr>
-        <a:buFontTx/>
-        <a:buNone/>
+        <a:buSzPct val="87000"/>
+        <a:buFont typeface="Arial" panose="020B0604020202020204" pitchFamily="34" charset="0"/>
+        <a:buChar char="•"/>
         <a:defRPr sz="1800" kern="1200">
           <a:solidFill>
-            <a:schemeClr val="tx2"/>
+            <a:schemeClr val="tx1"/>
           </a:solidFill>
           <a:latin typeface="+mn-lt"/>
           <a:ea typeface="+mn-ea"/>
           <a:cs typeface="+mn-cs"/>
         </a:defRPr>
       </a:lvl2pPr>
-      <a:lvl3pPr marL="548640" indent="-285750" algn="l" defTabSz="914400" rtl="0" eaLnBrk="1" latinLnBrk="0" hangingPunct="1">
+      <a:lvl3pPr marL="731520" indent="-228600" algn="l" defTabSz="914400" rtl="0" eaLnBrk="1" latinLnBrk="0" hangingPunct="1">
         <a:lnSpc>
-          <a:spcPct val="150000"/>
+          <a:spcPct val="120000"/>
         </a:lnSpc>
         <a:spcBef>
           <a:spcPts val="500"/>
         </a:spcBef>
-        <a:buClr>
-          <a:schemeClr val="bg2">
-            <a:lumMod val="75000"/>
-          </a:schemeClr>
-        </a:buClr>
+        <a:buSzPct val="87000"/>
         <a:buFont typeface="Arial" panose="020B0604020202020204" pitchFamily="34" charset="0"/>
         <a:buChar char="•"/>
-        <a:defRPr sz="1600" b="1" kern="1200">
+        <a:defRPr sz="1600" kern="1200">
           <a:solidFill>
-            <a:schemeClr val="tx2"/>
+            <a:schemeClr val="tx1"/>
           </a:solidFill>
           <a:latin typeface="+mn-lt"/>
           <a:ea typeface="+mn-ea"/>
           <a:cs typeface="+mn-cs"/>
         </a:defRPr>
       </a:lvl3pPr>
-      <a:lvl4pPr marL="548640" indent="0" algn="l" defTabSz="914400" rtl="0" eaLnBrk="1" latinLnBrk="0" hangingPunct="1">
+      <a:lvl4pPr marL="1051560" indent="-285750" algn="l" defTabSz="914400" rtl="0" eaLnBrk="1" latinLnBrk="0" hangingPunct="1">
         <a:lnSpc>
-          <a:spcPct val="150000"/>
+          <a:spcPct val="120000"/>
         </a:lnSpc>
         <a:spcBef>
           <a:spcPts val="500"/>
         </a:spcBef>
-        <a:buClr>
-          <a:schemeClr val="bg2">
-            <a:lumMod val="75000"/>
-          </a:schemeClr>
-        </a:buClr>
-        <a:buFontTx/>
-        <a:buNone/>
+        <a:buSzPct val="87000"/>
+        <a:buFont typeface="Arial" panose="020B0604020202020204" pitchFamily="34" charset="0"/>
+        <a:buChar char="•"/>
         <a:defRPr sz="1400" kern="1200">
           <a:solidFill>
-            <a:schemeClr val="tx2"/>
+            <a:schemeClr val="tx1"/>
           </a:solidFill>
           <a:latin typeface="+mn-lt"/>
           <a:ea typeface="+mn-ea"/>
           <a:cs typeface="+mn-cs"/>
         </a:defRPr>
       </a:lvl4pPr>
-      <a:lvl5pPr marL="834390" indent="-285750" algn="l" defTabSz="914400" rtl="0" eaLnBrk="1" latinLnBrk="0" hangingPunct="1">
+      <a:lvl5pPr marL="1298448" indent="-228600" algn="l" defTabSz="914400" rtl="0" eaLnBrk="1" latinLnBrk="0" hangingPunct="1">
         <a:lnSpc>
-          <a:spcPct val="150000"/>
+          <a:spcPct val="120000"/>
         </a:lnSpc>
         <a:spcBef>
           <a:spcPts val="500"/>
         </a:spcBef>
-        <a:buClr>
-          <a:schemeClr val="bg2">
-            <a:lumMod val="75000"/>
-          </a:schemeClr>
-        </a:buClr>
+        <a:buSzPct val="87000"/>
         <a:buFont typeface="Arial" panose="020B0604020202020204" pitchFamily="34" charset="0"/>
         <a:buChar char="•"/>
         <a:defRPr sz="1400" kern="1200">
           <a:solidFill>
-            <a:schemeClr val="tx2"/>
+            <a:schemeClr val="tx1"/>
           </a:solidFill>
           <a:latin typeface="+mn-lt"/>
           <a:ea typeface="+mn-ea"/>
@@ -8631,22 +5891,22 @@
   <p:extLst>
     <p:ext uri="{27BBF7A9-308A-43DC-89C8-2F10F3537804}">
       <p15:sldGuideLst xmlns:p15="http://schemas.microsoft.com/office/powerpoint/2012/main">
-        <p15:guide id="1" orient="horz" pos="1176">
+        <p15:guide id="3" orient="horz" pos="2160">
           <p15:clr>
             <a:srgbClr val="F26B43"/>
           </p15:clr>
         </p15:guide>
-        <p15:guide id="2" pos="6792">
+        <p15:guide id="4" pos="3840">
           <p15:clr>
             <a:srgbClr val="F26B43"/>
           </p15:clr>
         </p15:guide>
-        <p15:guide id="3" pos="3720">
+        <p15:guide id="5" pos="576">
           <p15:clr>
             <a:srgbClr val="F26B43"/>
           </p15:clr>
         </p15:guide>
-        <p15:guide id="4" orient="horz" pos="864">
+        <p15:guide id="6" orient="horz" pos="864">
           <p15:clr>
             <a:srgbClr val="F26B43"/>
           </p15:clr>
@@ -9414,8 +6674,8 @@
         </p:nvSpPr>
         <p:spPr>
           <a:xfrm>
-            <a:off x="630936" y="639520"/>
-            <a:ext cx="3429000" cy="1719072"/>
+            <a:off x="630936" y="6915"/>
+            <a:ext cx="3429000" cy="1072092"/>
           </a:xfrm>
         </p:spPr>
         <p:txBody>
@@ -9425,13 +6685,13 @@
           <a:lstStyle/>
           <a:p>
             <a:r>
-              <a:rPr lang="en-US" sz="4600">
+              <a:rPr lang="en-US" sz="4400" dirty="0">
                 <a:ea typeface="Calibri Light"/>
                 <a:cs typeface="Calibri Light"/>
               </a:rPr>
               <a:t>Observations</a:t>
             </a:r>
-            <a:endParaRPr lang="en-US" sz="4600"/>
+            <a:endParaRPr lang="en-US" sz="4400" dirty="0"/>
           </a:p>
         </p:txBody>
       </p:sp>
@@ -9453,8 +6713,8 @@
         </p:nvSpPr>
         <p:spPr>
           <a:xfrm>
-            <a:off x="630936" y="2807208"/>
-            <a:ext cx="3429000" cy="3410712"/>
+            <a:off x="630936" y="1714529"/>
+            <a:ext cx="3429000" cy="4503391"/>
           </a:xfrm>
         </p:spPr>
         <p:txBody>
@@ -9467,7 +6727,7 @@
               <a:buNone/>
             </a:pPr>
             <a:r>
-              <a:rPr lang="en-US" sz="2200" i="1" u="sng">
+              <a:rPr lang="en-US" sz="2800" i="1" u="sng" dirty="0">
                 <a:ea typeface="Calibri" panose="020F0502020204030204"/>
                 <a:cs typeface="Calibri" panose="020F0502020204030204"/>
               </a:rPr>
@@ -9479,7 +6739,7 @@
               <a:buNone/>
             </a:pPr>
             <a:r>
-              <a:rPr lang="en-US" sz="2200">
+              <a:rPr lang="en-US" sz="2800" dirty="0">
                 <a:ea typeface="Calibri" panose="020F0502020204030204"/>
                 <a:cs typeface="Calibri" panose="020F0502020204030204"/>
               </a:rPr>
@@ -9574,8 +6834,8 @@
         </p:nvSpPr>
         <p:spPr>
           <a:xfrm>
-            <a:off x="630936" y="502920"/>
-            <a:ext cx="3419856" cy="1463040"/>
+            <a:off x="659691" y="316014"/>
+            <a:ext cx="3419856" cy="729795"/>
           </a:xfrm>
         </p:spPr>
         <p:txBody>
@@ -9743,13 +7003,13 @@
         </p:nvSpPr>
         <p:spPr>
           <a:xfrm>
-            <a:off x="572493" y="238539"/>
-            <a:ext cx="11018520" cy="1434415"/>
+            <a:off x="586870" y="123519"/>
+            <a:ext cx="11018520" cy="902453"/>
           </a:xfrm>
         </p:spPr>
         <p:txBody>
           <a:bodyPr anchor="b">
-            <a:normAutofit/>
+            <a:normAutofit fontScale="90000"/>
           </a:bodyPr>
           <a:lstStyle/>
           <a:p>
@@ -10036,13 +7296,13 @@
         </p:nvSpPr>
         <p:spPr>
           <a:xfrm>
-            <a:off x="572493" y="238539"/>
-            <a:ext cx="11047013" cy="1434415"/>
+            <a:off x="572493" y="181029"/>
+            <a:ext cx="11047013" cy="888075"/>
           </a:xfrm>
         </p:spPr>
         <p:txBody>
           <a:bodyPr anchor="b">
-            <a:normAutofit/>
+            <a:normAutofit fontScale="90000"/>
           </a:bodyPr>
           <a:lstStyle/>
           <a:p>
@@ -10829,13 +8089,13 @@
         </p:nvSpPr>
         <p:spPr>
           <a:xfrm>
-            <a:off x="838200" y="401221"/>
-            <a:ext cx="10515600" cy="1348065"/>
+            <a:off x="838200" y="228692"/>
+            <a:ext cx="10515600" cy="758594"/>
           </a:xfrm>
         </p:spPr>
         <p:txBody>
           <a:bodyPr>
-            <a:normAutofit/>
+            <a:normAutofit fontScale="90000"/>
           </a:bodyPr>
           <a:lstStyle/>
           <a:p>
@@ -10997,13 +8257,13 @@
         </p:nvSpPr>
         <p:spPr>
           <a:xfrm>
-            <a:off x="838200" y="401221"/>
-            <a:ext cx="10515600" cy="1348065"/>
+            <a:off x="838200" y="199938"/>
+            <a:ext cx="10515600" cy="657952"/>
           </a:xfrm>
         </p:spPr>
         <p:txBody>
           <a:bodyPr>
-            <a:normAutofit/>
+            <a:normAutofit fontScale="90000"/>
           </a:bodyPr>
           <a:lstStyle/>
           <a:p>
@@ -11170,13 +8430,13 @@
         </p:nvSpPr>
         <p:spPr>
           <a:xfrm>
-            <a:off x="572493" y="238539"/>
-            <a:ext cx="11018520" cy="1434415"/>
+            <a:off x="572493" y="281671"/>
+            <a:ext cx="11047274" cy="729924"/>
           </a:xfrm>
         </p:spPr>
         <p:txBody>
           <a:bodyPr anchor="b">
-            <a:normAutofit/>
+            <a:normAutofit fontScale="90000"/>
           </a:bodyPr>
           <a:lstStyle/>
           <a:p>
@@ -11209,8 +8469,8 @@
         </p:nvSpPr>
         <p:spPr>
           <a:xfrm>
-            <a:off x="572493" y="2100070"/>
-            <a:ext cx="6785438" cy="4507361"/>
+            <a:off x="572493" y="1539354"/>
+            <a:ext cx="6785438" cy="5068077"/>
           </a:xfrm>
         </p:spPr>
         <p:txBody>
@@ -11223,33 +8483,33 @@
               <a:buNone/>
             </a:pPr>
             <a:r>
-              <a:rPr lang="en-US" sz="1200" dirty="0">
+              <a:rPr lang="en-US" sz="1600" dirty="0">
                 <a:ea typeface="Calibri" panose="020F0502020204030204"/>
                 <a:cs typeface="Calibri" panose="020F0502020204030204"/>
               </a:rPr>
               <a:t>In summary,</a:t>
             </a:r>
             <a:r>
-              <a:rPr lang="en-US" sz="1200" dirty="0">
+              <a:rPr lang="en-US" sz="1600" dirty="0">
                 <a:ea typeface="+mn-lt"/>
                 <a:cs typeface="+mn-lt"/>
               </a:rPr>
               <a:t> our analysis has yielded key insights and actionable strategies for improving film profitability:</a:t>
             </a:r>
-            <a:endParaRPr lang="en-US" sz="1200" dirty="0"/>
+            <a:endParaRPr lang="en-US" sz="1600" dirty="0"/>
           </a:p>
           <a:p>
             <a:pPr marL="514350" indent="-514350">
               <a:buAutoNum type="arabicPeriod"/>
             </a:pPr>
             <a:r>
-              <a:rPr lang="en-US" sz="1200" b="1" dirty="0">
+              <a:rPr lang="en-US" sz="1600" b="1" dirty="0">
                 <a:ea typeface="+mn-lt"/>
                 <a:cs typeface="+mn-lt"/>
               </a:rPr>
               <a:t>Predictive Model Success:</a:t>
             </a:r>
-            <a:endParaRPr lang="en-US" sz="1200" b="1">
+            <a:endParaRPr lang="en-US" sz="1600" b="1">
               <a:ea typeface="Calibri" panose="020F0502020204030204"/>
               <a:cs typeface="Calibri" panose="020F0502020204030204"/>
             </a:endParaRPr>
@@ -11259,32 +8519,32 @@
               <a:buNone/>
             </a:pPr>
             <a:r>
-              <a:rPr lang="en-US" sz="1200" dirty="0">
+              <a:rPr lang="en-US" sz="1600" dirty="0">
                 <a:ea typeface="+mn-lt"/>
                 <a:cs typeface="+mn-lt"/>
               </a:rPr>
               <a:t> - We have developed an 86.77% accurate predictive model for forecasting movie profits, leveraging factors such as director, genre, and critic ratings.</a:t>
             </a:r>
-            <a:endParaRPr lang="en-US" sz="1200" dirty="0"/>
+            <a:endParaRPr lang="en-US" sz="1600" dirty="0"/>
           </a:p>
           <a:p>
             <a:pPr>
               <a:buNone/>
             </a:pPr>
-            <a:endParaRPr lang="en-US" sz="1200" dirty="0"/>
+            <a:endParaRPr lang="en-US" sz="1600" dirty="0"/>
           </a:p>
           <a:p>
             <a:pPr marL="0" indent="0">
               <a:buNone/>
             </a:pPr>
             <a:r>
-              <a:rPr lang="en-US" sz="1200" b="1" dirty="0">
+              <a:rPr lang="en-US" sz="1600" b="1" dirty="0">
                 <a:ea typeface="+mn-lt"/>
                 <a:cs typeface="+mn-lt"/>
               </a:rPr>
               <a:t>2. Key Drivers of Profitability:</a:t>
             </a:r>
-            <a:endParaRPr lang="en-US" sz="1200" b="1">
+            <a:endParaRPr lang="en-US" sz="1600" b="1">
               <a:ea typeface="Calibri" panose="020F0502020204030204"/>
               <a:cs typeface="Calibri" panose="020F0502020204030204"/>
             </a:endParaRPr>
@@ -11294,21 +8554,21 @@
               <a:buNone/>
             </a:pPr>
             <a:r>
-              <a:rPr lang="en-US" sz="1200" dirty="0">
+              <a:rPr lang="en-US" sz="1600" dirty="0">
                 <a:ea typeface="+mn-lt"/>
                 <a:cs typeface="+mn-lt"/>
               </a:rPr>
               <a:t> - </a:t>
             </a:r>
             <a:r>
-              <a:rPr lang="en-US" sz="1200" b="1" dirty="0">
+              <a:rPr lang="en-US" sz="1600" b="1" dirty="0">
                 <a:ea typeface="+mn-lt"/>
                 <a:cs typeface="+mn-lt"/>
               </a:rPr>
               <a:t>Directors:</a:t>
             </a:r>
             <a:r>
-              <a:rPr lang="en-US" sz="1200" dirty="0">
+              <a:rPr lang="en-US" sz="1600" dirty="0">
                 <a:ea typeface="+mn-lt"/>
                 <a:cs typeface="+mn-lt"/>
               </a:rPr>
@@ -11320,27 +8580,27 @@
               <a:buNone/>
             </a:pPr>
             <a:r>
-              <a:rPr lang="en-US" sz="1200" dirty="0">
+              <a:rPr lang="en-US" sz="1600" dirty="0">
                 <a:ea typeface="+mn-lt"/>
                 <a:cs typeface="+mn-lt"/>
               </a:rPr>
               <a:t> - </a:t>
             </a:r>
             <a:r>
-              <a:rPr lang="en-US" sz="1200" b="1" dirty="0">
+              <a:rPr lang="en-US" sz="1600" b="1" dirty="0">
                 <a:ea typeface="+mn-lt"/>
                 <a:cs typeface="+mn-lt"/>
               </a:rPr>
               <a:t>Genres:</a:t>
             </a:r>
             <a:r>
-              <a:rPr lang="en-US" sz="1200" dirty="0">
+              <a:rPr lang="en-US" sz="1600" dirty="0">
                 <a:ea typeface="+mn-lt"/>
                 <a:cs typeface="+mn-lt"/>
               </a:rPr>
               <a:t> Sci-Fi and Adventure genres consistently generate higher returns, presenting a lucrative focus area for studios.</a:t>
             </a:r>
-            <a:endParaRPr lang="en-US" sz="1200">
+            <a:endParaRPr lang="en-US" sz="1600">
               <a:ea typeface="Calibri"/>
               <a:cs typeface="Calibri"/>
             </a:endParaRPr>
@@ -11350,45 +8610,27 @@
               <a:buNone/>
             </a:pPr>
             <a:r>
-              <a:rPr lang="en-US" sz="1200" dirty="0">
+              <a:rPr lang="en-US" sz="1600" dirty="0">
                 <a:ea typeface="+mn-lt"/>
                 <a:cs typeface="+mn-lt"/>
               </a:rPr>
               <a:t> - </a:t>
             </a:r>
             <a:r>
-              <a:rPr lang="en-US" sz="1200" b="1" dirty="0">
+              <a:rPr lang="en-US" sz="1600" b="1" dirty="0">
                 <a:ea typeface="+mn-lt"/>
                 <a:cs typeface="+mn-lt"/>
               </a:rPr>
               <a:t>Critic Ratings:</a:t>
             </a:r>
             <a:r>
-              <a:rPr lang="en-US" sz="1200" dirty="0">
+              <a:rPr lang="en-US" sz="1600" dirty="0">
                 <a:ea typeface="+mn-lt"/>
                 <a:cs typeface="+mn-lt"/>
               </a:rPr>
               <a:t> Positive critical reception boosts profitability, emphasizing the importance of film quality.</a:t>
             </a:r>
-            <a:endParaRPr lang="en-US" sz="1200" dirty="0"/>
-          </a:p>
-          <a:p>
-            <a:pPr>
-              <a:buNone/>
-            </a:pPr>
-            <a:endParaRPr lang="en-US" sz="1500">
-              <a:ea typeface="+mn-lt"/>
-              <a:cs typeface="+mn-lt"/>
-            </a:endParaRPr>
-          </a:p>
-          <a:p>
-            <a:pPr>
-              <a:buNone/>
-            </a:pPr>
-            <a:endParaRPr lang="en-US" sz="1500">
-              <a:ea typeface="Calibri" panose="020F0502020204030204"/>
-              <a:cs typeface="Calibri" panose="020F0502020204030204"/>
-            </a:endParaRPr>
+            <a:endParaRPr lang="en-US" sz="1600" dirty="0"/>
           </a:p>
         </p:txBody>
       </p:sp>
@@ -11475,7 +8717,12 @@
             <p:ph type="title"/>
           </p:nvPr>
         </p:nvSpPr>
-        <p:spPr/>
+        <p:spPr>
+          <a:xfrm>
+            <a:off x="914400" y="163903"/>
+            <a:ext cx="10363200" cy="1187570"/>
+          </a:xfrm>
+        </p:spPr>
         <p:txBody>
           <a:bodyPr>
             <a:normAutofit/>
@@ -12024,7 +9271,12 @@
             <p:ph type="title"/>
           </p:nvPr>
         </p:nvSpPr>
-        <p:spPr/>
+        <p:spPr>
+          <a:xfrm>
+            <a:off x="842513" y="163903"/>
+            <a:ext cx="10363200" cy="1187570"/>
+          </a:xfrm>
+        </p:spPr>
         <p:txBody>
           <a:bodyPr>
             <a:normAutofit/>
@@ -13017,7 +10269,12 @@
             <p:ph type="title"/>
           </p:nvPr>
         </p:nvSpPr>
-        <p:spPr/>
+        <p:spPr>
+          <a:xfrm>
+            <a:off x="871268" y="207035"/>
+            <a:ext cx="10363200" cy="1187570"/>
+          </a:xfrm>
+        </p:spPr>
         <p:txBody>
           <a:bodyPr>
             <a:normAutofit/>
@@ -13233,8 +10490,8 @@
         </p:nvSpPr>
         <p:spPr>
           <a:xfrm>
-            <a:off x="572493" y="238539"/>
-            <a:ext cx="11018520" cy="1434415"/>
+            <a:off x="572493" y="152275"/>
+            <a:ext cx="11047274" cy="1031849"/>
           </a:xfrm>
         </p:spPr>
         <p:txBody>
@@ -13540,7 +10797,12 @@
             <p:ph type="title"/>
           </p:nvPr>
         </p:nvSpPr>
-        <p:spPr/>
+        <p:spPr>
+          <a:xfrm>
+            <a:off x="900023" y="207035"/>
+            <a:ext cx="10363200" cy="1187570"/>
+          </a:xfrm>
+        </p:spPr>
         <p:txBody>
           <a:bodyPr>
             <a:normAutofit/>
@@ -13576,8 +10838,8 @@
         </p:nvSpPr>
         <p:spPr>
           <a:xfrm>
-            <a:off x="838200" y="1929384"/>
-            <a:ext cx="10458091" cy="4683280"/>
+            <a:off x="895709" y="1541196"/>
+            <a:ext cx="10357450" cy="5071468"/>
           </a:xfrm>
         </p:spPr>
         <p:txBody>
@@ -13677,15 +10939,6 @@
               <a:t> Data on movie viewership trends on streaming platforms to understand shifts in audience behavior.</a:t>
             </a:r>
             <a:endParaRPr lang="en-US" dirty="0">
-              <a:ea typeface="Calibri" panose="020F0502020204030204"/>
-              <a:cs typeface="Calibri" panose="020F0502020204030204"/>
-            </a:endParaRPr>
-          </a:p>
-          <a:p>
-            <a:pPr marL="0" indent="0">
-              <a:buNone/>
-            </a:pPr>
-            <a:endParaRPr lang="en-US" sz="2200">
               <a:ea typeface="Calibri" panose="020F0502020204030204"/>
               <a:cs typeface="Calibri" panose="020F0502020204030204"/>
             </a:endParaRPr>
@@ -14192,8 +11445,8 @@
         </p:nvSpPr>
         <p:spPr>
           <a:xfrm>
-            <a:off x="572493" y="238539"/>
-            <a:ext cx="11018520" cy="1434415"/>
+            <a:off x="572493" y="-5876"/>
+            <a:ext cx="11047274" cy="1060604"/>
           </a:xfrm>
         </p:spPr>
         <p:txBody>
@@ -14231,13 +11484,13 @@
         </p:nvSpPr>
         <p:spPr>
           <a:xfrm>
-            <a:off x="572493" y="2071316"/>
-            <a:ext cx="6713552" cy="4119172"/>
+            <a:off x="572493" y="1424335"/>
+            <a:ext cx="6713552" cy="4766153"/>
           </a:xfrm>
         </p:spPr>
         <p:txBody>
           <a:bodyPr vert="horz" lIns="91440" tIns="45720" rIns="91440" bIns="45720" rtlCol="0" anchor="t">
-            <a:normAutofit fontScale="77500" lnSpcReduction="20000"/>
+            <a:normAutofit lnSpcReduction="10000"/>
           </a:bodyPr>
           <a:lstStyle/>
           <a:p>
@@ -14775,9 +12028,9 @@
 </file>
 
 <file path=ppt/theme/theme1.xml><?xml version="1.0" encoding="utf-8"?>
-<a:theme xmlns:a="http://schemas.openxmlformats.org/drawingml/2006/main" name="BohemianVTI">
+<a:theme xmlns:a="http://schemas.openxmlformats.org/drawingml/2006/main" name="DashVTI">
   <a:themeElements>
-    <a:clrScheme name="BohemianVTI">
+    <a:clrScheme name="DashVTI">
       <a:dk1>
         <a:sysClr val="windowText" lastClr="000000"/>
       </a:dk1>
@@ -14785,49 +12038,49 @@
         <a:sysClr val="window" lastClr="FFFFFF"/>
       </a:lt1>
       <a:dk2>
-        <a:srgbClr val="323232"/>
+        <a:srgbClr val="0D1C3B"/>
       </a:dk2>
       <a:lt2>
-        <a:srgbClr val="F4F1EF"/>
+        <a:srgbClr val="F5F2F9"/>
       </a:lt2>
       <a:accent1>
-        <a:srgbClr val="8F4F58"/>
+        <a:srgbClr val="1973EB"/>
       </a:accent1>
       <a:accent2>
-        <a:srgbClr val="D09182"/>
+        <a:srgbClr val="25C8A2"/>
       </a:accent2>
       <a:accent3>
-        <a:srgbClr val="C7A085"/>
+        <a:srgbClr val="BF8ED1"/>
       </a:accent3>
       <a:accent4>
-        <a:srgbClr val="ADA085"/>
+        <a:srgbClr val="FE733C"/>
       </a:accent4>
       <a:accent5>
-        <a:srgbClr val="5F787F"/>
+        <a:srgbClr val="FE5A5A"/>
       </a:accent5>
       <a:accent6>
-        <a:srgbClr val="5A6768"/>
+        <a:srgbClr val="1AC16E"/>
       </a:accent6>
       <a:hlink>
-        <a:srgbClr val="A25872"/>
+        <a:srgbClr val="1AC16E"/>
       </a:hlink>
       <a:folHlink>
-        <a:srgbClr val="667A7E"/>
+        <a:srgbClr val="00B0F0"/>
       </a:folHlink>
     </a:clrScheme>
-    <a:fontScheme name="BohemianVTI">
+    <a:fontScheme name="DashVTI">
       <a:majorFont>
-        <a:latin typeface="Modern Love"/>
+        <a:latin typeface="Grandview Display"/>
         <a:ea typeface=""/>
         <a:cs typeface=""/>
       </a:majorFont>
       <a:minorFont>
-        <a:latin typeface="Avenir Next LT Pro"/>
+        <a:latin typeface="Grandview Display"/>
         <a:ea typeface=""/>
         <a:cs typeface=""/>
       </a:minorFont>
     </a:fontScheme>
-    <a:fmtScheme name="BohemianVTI">
+    <a:fmtScheme name="DashVTI">
       <a:fillStyleLst>
         <a:solidFill>
           <a:schemeClr val="phClr"/>
@@ -14969,7 +12222,7 @@
   <a:extraClrSchemeLst/>
   <a:extLst>
     <a:ext uri="{05A4C25C-085E-4340-85A3-A5531E510DB2}">
-      <thm15:themeFamily xmlns:thm15="http://schemas.microsoft.com/office/thememl/2012/main" name="BohemianVTI" id="{AA0957B6-9651-4F50-8EB8-D9F009F1C26A}" vid="{D1E7B544-9A8A-44B5-ABA3-322A5F045340}"/>
+      <thm15:themeFamily xmlns:thm15="http://schemas.microsoft.com/office/thememl/2012/main" name="DashVTI" id="{E0E31462-65AE-4087-9B94-B3347EE711B2}" vid="{CA8B31CB-369F-4872-A917-A9EAAF918275}"/>
     </a:ext>
   </a:extLst>
 </a:theme>
